--- a/Presentation1.pptx
+++ b/Presentation1.pptx
@@ -2,7 +2,7 @@
 <file path=ppt/presentation.xml><?xml version="1.0" encoding="utf-8"?>
 <p:presentation xmlns:a="http://schemas.openxmlformats.org/drawingml/2006/main" xmlns:r="http://schemas.openxmlformats.org/officeDocument/2006/relationships" xmlns:p="http://schemas.openxmlformats.org/presentationml/2006/main" saveSubsetFonts="1" autoCompressPictures="0">
   <p:sldMasterIdLst>
-    <p:sldMasterId id="2147483648" r:id="rId1"/>
+    <p:sldMasterId id="2147483708" r:id="rId1"/>
   </p:sldMasterIdLst>
   <p:sldIdLst>
     <p:sldId id="256" r:id="rId2"/>
@@ -10,6 +10,7 @@
     <p:sldId id="258" r:id="rId4"/>
     <p:sldId id="259" r:id="rId5"/>
     <p:sldId id="260" r:id="rId6"/>
+    <p:sldId id="261" r:id="rId7"/>
   </p:sldIdLst>
   <p:sldSz cx="12192000" cy="6858000"/>
   <p:notesSz cx="6858000" cy="9144000"/>
@@ -17,7 +18,7 @@
     <a:defPPr>
       <a:defRPr lang="en-US"/>
     </a:defPPr>
-    <a:lvl1pPr marL="0" algn="l" defTabSz="914400" rtl="0" eaLnBrk="1" latinLnBrk="0" hangingPunct="1">
+    <a:lvl1pPr marL="0" algn="l" defTabSz="457200" rtl="0" eaLnBrk="1" latinLnBrk="0" hangingPunct="1">
       <a:defRPr sz="1800" kern="1200">
         <a:solidFill>
           <a:schemeClr val="tx1"/>
@@ -27,7 +28,7 @@
         <a:cs typeface="+mn-cs"/>
       </a:defRPr>
     </a:lvl1pPr>
-    <a:lvl2pPr marL="457200" algn="l" defTabSz="914400" rtl="0" eaLnBrk="1" latinLnBrk="0" hangingPunct="1">
+    <a:lvl2pPr marL="457200" algn="l" defTabSz="457200" rtl="0" eaLnBrk="1" latinLnBrk="0" hangingPunct="1">
       <a:defRPr sz="1800" kern="1200">
         <a:solidFill>
           <a:schemeClr val="tx1"/>
@@ -37,7 +38,7 @@
         <a:cs typeface="+mn-cs"/>
       </a:defRPr>
     </a:lvl2pPr>
-    <a:lvl3pPr marL="914400" algn="l" defTabSz="914400" rtl="0" eaLnBrk="1" latinLnBrk="0" hangingPunct="1">
+    <a:lvl3pPr marL="914400" algn="l" defTabSz="457200" rtl="0" eaLnBrk="1" latinLnBrk="0" hangingPunct="1">
       <a:defRPr sz="1800" kern="1200">
         <a:solidFill>
           <a:schemeClr val="tx1"/>
@@ -47,7 +48,7 @@
         <a:cs typeface="+mn-cs"/>
       </a:defRPr>
     </a:lvl3pPr>
-    <a:lvl4pPr marL="1371600" algn="l" defTabSz="914400" rtl="0" eaLnBrk="1" latinLnBrk="0" hangingPunct="1">
+    <a:lvl4pPr marL="1371600" algn="l" defTabSz="457200" rtl="0" eaLnBrk="1" latinLnBrk="0" hangingPunct="1">
       <a:defRPr sz="1800" kern="1200">
         <a:solidFill>
           <a:schemeClr val="tx1"/>
@@ -57,7 +58,7 @@
         <a:cs typeface="+mn-cs"/>
       </a:defRPr>
     </a:lvl4pPr>
-    <a:lvl5pPr marL="1828800" algn="l" defTabSz="914400" rtl="0" eaLnBrk="1" latinLnBrk="0" hangingPunct="1">
+    <a:lvl5pPr marL="1828800" algn="l" defTabSz="457200" rtl="0" eaLnBrk="1" latinLnBrk="0" hangingPunct="1">
       <a:defRPr sz="1800" kern="1200">
         <a:solidFill>
           <a:schemeClr val="tx1"/>
@@ -67,7 +68,7 @@
         <a:cs typeface="+mn-cs"/>
       </a:defRPr>
     </a:lvl5pPr>
-    <a:lvl6pPr marL="2286000" algn="l" defTabSz="914400" rtl="0" eaLnBrk="1" latinLnBrk="0" hangingPunct="1">
+    <a:lvl6pPr marL="2286000" algn="l" defTabSz="457200" rtl="0" eaLnBrk="1" latinLnBrk="0" hangingPunct="1">
       <a:defRPr sz="1800" kern="1200">
         <a:solidFill>
           <a:schemeClr val="tx1"/>
@@ -77,7 +78,7 @@
         <a:cs typeface="+mn-cs"/>
       </a:defRPr>
     </a:lvl6pPr>
-    <a:lvl7pPr marL="2743200" algn="l" defTabSz="914400" rtl="0" eaLnBrk="1" latinLnBrk="0" hangingPunct="1">
+    <a:lvl7pPr marL="2743200" algn="l" defTabSz="457200" rtl="0" eaLnBrk="1" latinLnBrk="0" hangingPunct="1">
       <a:defRPr sz="1800" kern="1200">
         <a:solidFill>
           <a:schemeClr val="tx1"/>
@@ -87,7 +88,7 @@
         <a:cs typeface="+mn-cs"/>
       </a:defRPr>
     </a:lvl7pPr>
-    <a:lvl8pPr marL="3200400" algn="l" defTabSz="914400" rtl="0" eaLnBrk="1" latinLnBrk="0" hangingPunct="1">
+    <a:lvl8pPr marL="3200400" algn="l" defTabSz="457200" rtl="0" eaLnBrk="1" latinLnBrk="0" hangingPunct="1">
       <a:defRPr sz="1800" kern="1200">
         <a:solidFill>
           <a:schemeClr val="tx1"/>
@@ -97,7 +98,7 @@
         <a:cs typeface="+mn-cs"/>
       </a:defRPr>
     </a:lvl8pPr>
-    <a:lvl9pPr marL="3657600" algn="l" defTabSz="914400" rtl="0" eaLnBrk="1" latinLnBrk="0" hangingPunct="1">
+    <a:lvl9pPr marL="3657600" algn="l" defTabSz="457200" rtl="0" eaLnBrk="1" latinLnBrk="0" hangingPunct="1">
       <a:defRPr sz="1800" kern="1200">
         <a:solidFill>
           <a:schemeClr val="tx1"/>
@@ -130,13 +131,7 @@
       </p:grpSpPr>
       <p:sp>
         <p:nvSpPr>
-          <p:cNvPr id="2" name="Title 1">
-            <a:extLst>
-              <a:ext uri="{FF2B5EF4-FFF2-40B4-BE49-F238E27FC236}">
-                <a16:creationId xmlns:a16="http://schemas.microsoft.com/office/drawing/2014/main" id="{74907B1F-E10F-A544-920B-9FAB66ECC888}"/>
-              </a:ext>
-            </a:extLst>
-          </p:cNvPr>
+          <p:cNvPr id="2" name="Title 1"/>
           <p:cNvSpPr>
             <a:spLocks noGrp="1"/>
           </p:cNvSpPr>
@@ -146,115 +141,184 @@
         </p:nvSpPr>
         <p:spPr>
           <a:xfrm>
-            <a:off x="1524000" y="1122363"/>
-            <a:ext cx="9144000" cy="2387600"/>
+            <a:off x="0" y="1182360"/>
+            <a:ext cx="12192000" cy="2418090"/>
+          </a:xfrm>
+          <a:solidFill>
+            <a:schemeClr val="tx1">
+              <a:lumMod val="75000"/>
+              <a:lumOff val="25000"/>
+            </a:schemeClr>
+          </a:solidFill>
+        </p:spPr>
+        <p:txBody>
+          <a:bodyPr>
+            <a:normAutofit/>
+          </a:bodyPr>
+          <a:lstStyle>
+            <a:lvl1pPr>
+              <a:defRPr sz="3600">
+                <a:solidFill>
+                  <a:srgbClr val="FFFFFF"/>
+                </a:solidFill>
+                <a:latin typeface="Helvetica Neue"/>
+                <a:cs typeface="Helvetica Neue"/>
+              </a:defRPr>
+            </a:lvl1pPr>
+          </a:lstStyle>
+          <a:p>
+            <a:r>
+              <a:rPr lang="en-US"/>
+              <a:t>Click to edit Master title style</a:t>
+            </a:r>
+            <a:endParaRPr lang="en-US" dirty="0"/>
+          </a:p>
+        </p:txBody>
+      </p:sp>
+      <p:sp>
+        <p:nvSpPr>
+          <p:cNvPr id="3" name="Subtitle 2"/>
+          <p:cNvSpPr>
+            <a:spLocks noGrp="1"/>
+          </p:cNvSpPr>
+          <p:nvPr>
+            <p:ph type="subTitle" idx="1"/>
+          </p:nvPr>
+        </p:nvSpPr>
+        <p:spPr>
+          <a:xfrm>
+            <a:off x="1828800" y="3886200"/>
+            <a:ext cx="8534400" cy="1752600"/>
           </a:xfrm>
         </p:spPr>
         <p:txBody>
-          <a:bodyPr anchor="b"/>
+          <a:bodyPr>
+            <a:normAutofit/>
+          </a:bodyPr>
           <a:lstStyle>
-            <a:lvl1pPr algn="ctr">
-              <a:defRPr sz="6000"/>
+            <a:lvl1pPr marL="0" indent="0" algn="ctr">
+              <a:buNone/>
+              <a:defRPr sz="2400">
+                <a:solidFill>
+                  <a:schemeClr val="tx1">
+                    <a:tint val="75000"/>
+                  </a:schemeClr>
+                </a:solidFill>
+                <a:latin typeface="Helvetica Neue"/>
+                <a:cs typeface="Helvetica Neue"/>
+              </a:defRPr>
+            </a:lvl1pPr>
+            <a:lvl2pPr marL="457200" indent="0" algn="ctr">
+              <a:buNone/>
+              <a:defRPr>
+                <a:solidFill>
+                  <a:schemeClr val="tx1">
+                    <a:tint val="75000"/>
+                  </a:schemeClr>
+                </a:solidFill>
+              </a:defRPr>
+            </a:lvl2pPr>
+            <a:lvl3pPr marL="914400" indent="0" algn="ctr">
+              <a:buNone/>
+              <a:defRPr>
+                <a:solidFill>
+                  <a:schemeClr val="tx1">
+                    <a:tint val="75000"/>
+                  </a:schemeClr>
+                </a:solidFill>
+              </a:defRPr>
+            </a:lvl3pPr>
+            <a:lvl4pPr marL="1371600" indent="0" algn="ctr">
+              <a:buNone/>
+              <a:defRPr>
+                <a:solidFill>
+                  <a:schemeClr val="tx1">
+                    <a:tint val="75000"/>
+                  </a:schemeClr>
+                </a:solidFill>
+              </a:defRPr>
+            </a:lvl4pPr>
+            <a:lvl5pPr marL="1828800" indent="0" algn="ctr">
+              <a:buNone/>
+              <a:defRPr>
+                <a:solidFill>
+                  <a:schemeClr val="tx1">
+                    <a:tint val="75000"/>
+                  </a:schemeClr>
+                </a:solidFill>
+              </a:defRPr>
+            </a:lvl5pPr>
+            <a:lvl6pPr marL="2286000" indent="0" algn="ctr">
+              <a:buNone/>
+              <a:defRPr>
+                <a:solidFill>
+                  <a:schemeClr val="tx1">
+                    <a:tint val="75000"/>
+                  </a:schemeClr>
+                </a:solidFill>
+              </a:defRPr>
+            </a:lvl6pPr>
+            <a:lvl7pPr marL="2743200" indent="0" algn="ctr">
+              <a:buNone/>
+              <a:defRPr>
+                <a:solidFill>
+                  <a:schemeClr val="tx1">
+                    <a:tint val="75000"/>
+                  </a:schemeClr>
+                </a:solidFill>
+              </a:defRPr>
+            </a:lvl7pPr>
+            <a:lvl8pPr marL="3200400" indent="0" algn="ctr">
+              <a:buNone/>
+              <a:defRPr>
+                <a:solidFill>
+                  <a:schemeClr val="tx1">
+                    <a:tint val="75000"/>
+                  </a:schemeClr>
+                </a:solidFill>
+              </a:defRPr>
+            </a:lvl8pPr>
+            <a:lvl9pPr marL="3657600" indent="0" algn="ctr">
+              <a:buNone/>
+              <a:defRPr>
+                <a:solidFill>
+                  <a:schemeClr val="tx1">
+                    <a:tint val="75000"/>
+                  </a:schemeClr>
+                </a:solidFill>
+              </a:defRPr>
+            </a:lvl9pPr>
+          </a:lstStyle>
+          <a:p>
+            <a:r>
+              <a:rPr lang="en-US"/>
+              <a:t>Click to edit Master subtitle style</a:t>
+            </a:r>
+            <a:endParaRPr lang="en-US" dirty="0"/>
+          </a:p>
+        </p:txBody>
+      </p:sp>
+      <p:sp>
+        <p:nvSpPr>
+          <p:cNvPr id="4" name="Date Placeholder 3"/>
+          <p:cNvSpPr>
+            <a:spLocks noGrp="1"/>
+          </p:cNvSpPr>
+          <p:nvPr>
+            <p:ph type="dt" sz="half" idx="10"/>
+          </p:nvPr>
+        </p:nvSpPr>
+        <p:spPr/>
+        <p:txBody>
+          <a:bodyPr/>
+          <a:lstStyle>
+            <a:lvl1pPr>
+              <a:defRPr>
+                <a:latin typeface="Helvetica Neue"/>
+                <a:cs typeface="Helvetica Neue"/>
+              </a:defRPr>
             </a:lvl1pPr>
           </a:lstStyle>
-          <a:p>
-            <a:r>
-              <a:rPr lang="en-US"/>
-              <a:t>Click to edit Master title style</a:t>
-            </a:r>
-          </a:p>
-        </p:txBody>
-      </p:sp>
-      <p:sp>
-        <p:nvSpPr>
-          <p:cNvPr id="3" name="Subtitle 2">
-            <a:extLst>
-              <a:ext uri="{FF2B5EF4-FFF2-40B4-BE49-F238E27FC236}">
-                <a16:creationId xmlns:a16="http://schemas.microsoft.com/office/drawing/2014/main" id="{A281C9CF-E951-514E-B96F-E6F4726654E0}"/>
-              </a:ext>
-            </a:extLst>
-          </p:cNvPr>
-          <p:cNvSpPr>
-            <a:spLocks noGrp="1"/>
-          </p:cNvSpPr>
-          <p:nvPr>
-            <p:ph type="subTitle" idx="1"/>
-          </p:nvPr>
-        </p:nvSpPr>
-        <p:spPr>
-          <a:xfrm>
-            <a:off x="1524000" y="3602038"/>
-            <a:ext cx="9144000" cy="1655762"/>
-          </a:xfrm>
-        </p:spPr>
-        <p:txBody>
-          <a:bodyPr/>
-          <a:lstStyle>
-            <a:lvl1pPr marL="0" indent="0" algn="ctr">
-              <a:buNone/>
-              <a:defRPr sz="2400"/>
-            </a:lvl1pPr>
-            <a:lvl2pPr marL="457200" indent="0" algn="ctr">
-              <a:buNone/>
-              <a:defRPr sz="2000"/>
-            </a:lvl2pPr>
-            <a:lvl3pPr marL="914400" indent="0" algn="ctr">
-              <a:buNone/>
-              <a:defRPr sz="1800"/>
-            </a:lvl3pPr>
-            <a:lvl4pPr marL="1371600" indent="0" algn="ctr">
-              <a:buNone/>
-              <a:defRPr sz="1600"/>
-            </a:lvl4pPr>
-            <a:lvl5pPr marL="1828800" indent="0" algn="ctr">
-              <a:buNone/>
-              <a:defRPr sz="1600"/>
-            </a:lvl5pPr>
-            <a:lvl6pPr marL="2286000" indent="0" algn="ctr">
-              <a:buNone/>
-              <a:defRPr sz="1600"/>
-            </a:lvl6pPr>
-            <a:lvl7pPr marL="2743200" indent="0" algn="ctr">
-              <a:buNone/>
-              <a:defRPr sz="1600"/>
-            </a:lvl7pPr>
-            <a:lvl8pPr marL="3200400" indent="0" algn="ctr">
-              <a:buNone/>
-              <a:defRPr sz="1600"/>
-            </a:lvl8pPr>
-            <a:lvl9pPr marL="3657600" indent="0" algn="ctr">
-              <a:buNone/>
-              <a:defRPr sz="1600"/>
-            </a:lvl9pPr>
-          </a:lstStyle>
-          <a:p>
-            <a:r>
-              <a:rPr lang="en-US"/>
-              <a:t>Click to edit Master subtitle style</a:t>
-            </a:r>
-          </a:p>
-        </p:txBody>
-      </p:sp>
-      <p:sp>
-        <p:nvSpPr>
-          <p:cNvPr id="4" name="Date Placeholder 3">
-            <a:extLst>
-              <a:ext uri="{FF2B5EF4-FFF2-40B4-BE49-F238E27FC236}">
-                <a16:creationId xmlns:a16="http://schemas.microsoft.com/office/drawing/2014/main" id="{A20A74C7-138C-3946-87C6-2ED97912ED92}"/>
-              </a:ext>
-            </a:extLst>
-          </p:cNvPr>
-          <p:cNvSpPr>
-            <a:spLocks noGrp="1"/>
-          </p:cNvSpPr>
-          <p:nvPr>
-            <p:ph type="dt" sz="half" idx="10"/>
-          </p:nvPr>
-        </p:nvSpPr>
-        <p:spPr/>
-        <p:txBody>
-          <a:bodyPr/>
-          <a:lstStyle/>
           <a:p>
             <a:fld id="{0FACC5C3-8597-8F4C-8FC5-8640A4432CF9}" type="datetimeFigureOut">
               <a:rPr lang="en-US" smtClean="0"/>
@@ -266,13 +330,7 @@
       </p:sp>
       <p:sp>
         <p:nvSpPr>
-          <p:cNvPr id="5" name="Footer Placeholder 4">
-            <a:extLst>
-              <a:ext uri="{FF2B5EF4-FFF2-40B4-BE49-F238E27FC236}">
-                <a16:creationId xmlns:a16="http://schemas.microsoft.com/office/drawing/2014/main" id="{1AD5B39E-3AFC-FA46-A878-A2E4DF08A4B3}"/>
-              </a:ext>
-            </a:extLst>
-          </p:cNvPr>
+          <p:cNvPr id="5" name="Footer Placeholder 4"/>
           <p:cNvSpPr>
             <a:spLocks noGrp="1"/>
           </p:cNvSpPr>
@@ -283,7 +341,14 @@
         <p:spPr/>
         <p:txBody>
           <a:bodyPr/>
-          <a:lstStyle/>
+          <a:lstStyle>
+            <a:lvl1pPr>
+              <a:defRPr>
+                <a:latin typeface="Helvetica Neue"/>
+                <a:cs typeface="Helvetica Neue"/>
+              </a:defRPr>
+            </a:lvl1pPr>
+          </a:lstStyle>
           <a:p>
             <a:endParaRPr lang="en-US"/>
           </a:p>
@@ -291,13 +356,7 @@
       </p:sp>
       <p:sp>
         <p:nvSpPr>
-          <p:cNvPr id="6" name="Slide Number Placeholder 5">
-            <a:extLst>
-              <a:ext uri="{FF2B5EF4-FFF2-40B4-BE49-F238E27FC236}">
-                <a16:creationId xmlns:a16="http://schemas.microsoft.com/office/drawing/2014/main" id="{7BFF3C93-B40B-DE42-916E-E718FF47E880}"/>
-              </a:ext>
-            </a:extLst>
-          </p:cNvPr>
+          <p:cNvPr id="6" name="Slide Number Placeholder 5"/>
           <p:cNvSpPr>
             <a:spLocks noGrp="1"/>
           </p:cNvSpPr>
@@ -308,7 +367,14 @@
         <p:spPr/>
         <p:txBody>
           <a:bodyPr/>
-          <a:lstStyle/>
+          <a:lstStyle>
+            <a:lvl1pPr>
+              <a:defRPr>
+                <a:latin typeface="Helvetica Neue"/>
+                <a:cs typeface="Helvetica Neue"/>
+              </a:defRPr>
+            </a:lvl1pPr>
+          </a:lstStyle>
           <a:p>
             <a:fld id="{8B53F8BC-ABA0-8248-8A02-EAF17B300F0E}" type="slidenum">
               <a:rPr lang="en-US" smtClean="0"/>
@@ -321,7 +387,7 @@
     </p:spTree>
     <p:extLst>
       <p:ext uri="{BB962C8B-B14F-4D97-AF65-F5344CB8AC3E}">
-        <p14:creationId xmlns:p14="http://schemas.microsoft.com/office/powerpoint/2010/main" val="1328396976"/>
+        <p14:creationId xmlns:p14="http://schemas.microsoft.com/office/powerpoint/2010/main" val="1659070745"/>
       </p:ext>
     </p:extLst>
   </p:cSld>
@@ -350,13 +416,7 @@
       </p:grpSpPr>
       <p:sp>
         <p:nvSpPr>
-          <p:cNvPr id="2" name="Title 1">
-            <a:extLst>
-              <a:ext uri="{FF2B5EF4-FFF2-40B4-BE49-F238E27FC236}">
-                <a16:creationId xmlns:a16="http://schemas.microsoft.com/office/drawing/2014/main" id="{34A387CD-29A9-C248-8DBE-E12D6A3045D8}"/>
-              </a:ext>
-            </a:extLst>
-          </p:cNvPr>
+          <p:cNvPr id="2" name="Title 1"/>
           <p:cNvSpPr>
             <a:spLocks noGrp="1"/>
           </p:cNvSpPr>
@@ -378,13 +438,7 @@
       </p:sp>
       <p:sp>
         <p:nvSpPr>
-          <p:cNvPr id="3" name="Vertical Text Placeholder 2">
-            <a:extLst>
-              <a:ext uri="{FF2B5EF4-FFF2-40B4-BE49-F238E27FC236}">
-                <a16:creationId xmlns:a16="http://schemas.microsoft.com/office/drawing/2014/main" id="{08369B62-2FB8-634B-A271-3FA9D57FC320}"/>
-              </a:ext>
-            </a:extLst>
-          </p:cNvPr>
+          <p:cNvPr id="3" name="Vertical Text Placeholder 2"/>
           <p:cNvSpPr>
             <a:spLocks noGrp="1"/>
           </p:cNvSpPr>
@@ -435,13 +489,7 @@
       </p:sp>
       <p:sp>
         <p:nvSpPr>
-          <p:cNvPr id="4" name="Date Placeholder 3">
-            <a:extLst>
-              <a:ext uri="{FF2B5EF4-FFF2-40B4-BE49-F238E27FC236}">
-                <a16:creationId xmlns:a16="http://schemas.microsoft.com/office/drawing/2014/main" id="{D5A0714B-4F87-544A-BBD3-6EE2B1BAA4B4}"/>
-              </a:ext>
-            </a:extLst>
-          </p:cNvPr>
+          <p:cNvPr id="4" name="Date Placeholder 3"/>
           <p:cNvSpPr>
             <a:spLocks noGrp="1"/>
           </p:cNvSpPr>
@@ -464,13 +512,7 @@
       </p:sp>
       <p:sp>
         <p:nvSpPr>
-          <p:cNvPr id="5" name="Footer Placeholder 4">
-            <a:extLst>
-              <a:ext uri="{FF2B5EF4-FFF2-40B4-BE49-F238E27FC236}">
-                <a16:creationId xmlns:a16="http://schemas.microsoft.com/office/drawing/2014/main" id="{2E074403-D5A1-C14E-9DE2-9296C501C7FE}"/>
-              </a:ext>
-            </a:extLst>
-          </p:cNvPr>
+          <p:cNvPr id="5" name="Footer Placeholder 4"/>
           <p:cNvSpPr>
             <a:spLocks noGrp="1"/>
           </p:cNvSpPr>
@@ -489,13 +531,7 @@
       </p:sp>
       <p:sp>
         <p:nvSpPr>
-          <p:cNvPr id="6" name="Slide Number Placeholder 5">
-            <a:extLst>
-              <a:ext uri="{FF2B5EF4-FFF2-40B4-BE49-F238E27FC236}">
-                <a16:creationId xmlns:a16="http://schemas.microsoft.com/office/drawing/2014/main" id="{1BE5E420-AB4A-6249-A998-0F67D2F6B379}"/>
-              </a:ext>
-            </a:extLst>
-          </p:cNvPr>
+          <p:cNvPr id="6" name="Slide Number Placeholder 5"/>
           <p:cNvSpPr>
             <a:spLocks noGrp="1"/>
           </p:cNvSpPr>
@@ -519,7 +555,7 @@
     </p:spTree>
     <p:extLst>
       <p:ext uri="{BB962C8B-B14F-4D97-AF65-F5344CB8AC3E}">
-        <p14:creationId xmlns:p14="http://schemas.microsoft.com/office/powerpoint/2010/main" val="2083351190"/>
+        <p14:creationId xmlns:p14="http://schemas.microsoft.com/office/powerpoint/2010/main" val="3656014649"/>
       </p:ext>
     </p:extLst>
   </p:cSld>
@@ -548,13 +584,7 @@
       </p:grpSpPr>
       <p:sp>
         <p:nvSpPr>
-          <p:cNvPr id="2" name="Vertical Title 1">
-            <a:extLst>
-              <a:ext uri="{FF2B5EF4-FFF2-40B4-BE49-F238E27FC236}">
-                <a16:creationId xmlns:a16="http://schemas.microsoft.com/office/drawing/2014/main" id="{4AA8AEA2-3E52-FD40-A9C7-DAB25744733F}"/>
-              </a:ext>
-            </a:extLst>
-          </p:cNvPr>
+          <p:cNvPr id="2" name="Vertical Title 1"/>
           <p:cNvSpPr>
             <a:spLocks noGrp="1"/>
           </p:cNvSpPr>
@@ -564,8 +594,8 @@
         </p:nvSpPr>
         <p:spPr>
           <a:xfrm>
-            <a:off x="8724900" y="365125"/>
-            <a:ext cx="2628900" cy="5811838"/>
+            <a:off x="8839200" y="274639"/>
+            <a:ext cx="2743200" cy="5851525"/>
           </a:xfrm>
         </p:spPr>
         <p:txBody>
@@ -581,13 +611,7 @@
       </p:sp>
       <p:sp>
         <p:nvSpPr>
-          <p:cNvPr id="3" name="Vertical Text Placeholder 2">
-            <a:extLst>
-              <a:ext uri="{FF2B5EF4-FFF2-40B4-BE49-F238E27FC236}">
-                <a16:creationId xmlns:a16="http://schemas.microsoft.com/office/drawing/2014/main" id="{80A63B72-342F-F540-A006-9E265F9478DE}"/>
-              </a:ext>
-            </a:extLst>
-          </p:cNvPr>
+          <p:cNvPr id="3" name="Vertical Text Placeholder 2"/>
           <p:cNvSpPr>
             <a:spLocks noGrp="1"/>
           </p:cNvSpPr>
@@ -597,8 +621,8 @@
         </p:nvSpPr>
         <p:spPr>
           <a:xfrm>
-            <a:off x="838200" y="365125"/>
-            <a:ext cx="7734300" cy="5811838"/>
+            <a:off x="609600" y="274639"/>
+            <a:ext cx="8026400" cy="5851525"/>
           </a:xfrm>
         </p:spPr>
         <p:txBody>
@@ -643,13 +667,7 @@
       </p:sp>
       <p:sp>
         <p:nvSpPr>
-          <p:cNvPr id="4" name="Date Placeholder 3">
-            <a:extLst>
-              <a:ext uri="{FF2B5EF4-FFF2-40B4-BE49-F238E27FC236}">
-                <a16:creationId xmlns:a16="http://schemas.microsoft.com/office/drawing/2014/main" id="{986E4709-264A-3340-BB1B-82953605C719}"/>
-              </a:ext>
-            </a:extLst>
-          </p:cNvPr>
+          <p:cNvPr id="4" name="Date Placeholder 3"/>
           <p:cNvSpPr>
             <a:spLocks noGrp="1"/>
           </p:cNvSpPr>
@@ -672,13 +690,7 @@
       </p:sp>
       <p:sp>
         <p:nvSpPr>
-          <p:cNvPr id="5" name="Footer Placeholder 4">
-            <a:extLst>
-              <a:ext uri="{FF2B5EF4-FFF2-40B4-BE49-F238E27FC236}">
-                <a16:creationId xmlns:a16="http://schemas.microsoft.com/office/drawing/2014/main" id="{16677B24-C0BF-7148-A2F1-08629A46E28E}"/>
-              </a:ext>
-            </a:extLst>
-          </p:cNvPr>
+          <p:cNvPr id="5" name="Footer Placeholder 4"/>
           <p:cNvSpPr>
             <a:spLocks noGrp="1"/>
           </p:cNvSpPr>
@@ -697,13 +709,7 @@
       </p:sp>
       <p:sp>
         <p:nvSpPr>
-          <p:cNvPr id="6" name="Slide Number Placeholder 5">
-            <a:extLst>
-              <a:ext uri="{FF2B5EF4-FFF2-40B4-BE49-F238E27FC236}">
-                <a16:creationId xmlns:a16="http://schemas.microsoft.com/office/drawing/2014/main" id="{F71DDC14-C56D-7D43-9FB9-2724A468E1A0}"/>
-              </a:ext>
-            </a:extLst>
-          </p:cNvPr>
+          <p:cNvPr id="6" name="Slide Number Placeholder 5"/>
           <p:cNvSpPr>
             <a:spLocks noGrp="1"/>
           </p:cNvSpPr>
@@ -727,7 +733,7 @@
     </p:spTree>
     <p:extLst>
       <p:ext uri="{BB962C8B-B14F-4D97-AF65-F5344CB8AC3E}">
-        <p14:creationId xmlns:p14="http://schemas.microsoft.com/office/powerpoint/2010/main" val="1018433821"/>
+        <p14:creationId xmlns:p14="http://schemas.microsoft.com/office/powerpoint/2010/main" val="2091755243"/>
       </p:ext>
     </p:extLst>
   </p:cSld>
@@ -756,13 +762,7 @@
       </p:grpSpPr>
       <p:sp>
         <p:nvSpPr>
-          <p:cNvPr id="2" name="Title 1">
-            <a:extLst>
-              <a:ext uri="{FF2B5EF4-FFF2-40B4-BE49-F238E27FC236}">
-                <a16:creationId xmlns:a16="http://schemas.microsoft.com/office/drawing/2014/main" id="{8EF9C954-1CB5-1140-85CB-1FA273683287}"/>
-              </a:ext>
-            </a:extLst>
-          </p:cNvPr>
+          <p:cNvPr id="2" name="Title 1"/>
           <p:cNvSpPr>
             <a:spLocks noGrp="1"/>
           </p:cNvSpPr>
@@ -770,27 +770,42 @@
             <p:ph type="title"/>
           </p:nvPr>
         </p:nvSpPr>
-        <p:spPr/>
-        <p:txBody>
-          <a:bodyPr/>
-          <a:lstStyle/>
+        <p:spPr>
+          <a:xfrm>
+            <a:off x="0" y="0"/>
+            <a:ext cx="12192000" cy="1143000"/>
+          </a:xfrm>
+          <a:solidFill>
+            <a:srgbClr val="404040"/>
+          </a:solidFill>
+        </p:spPr>
+        <p:txBody>
+          <a:bodyPr anchor="b">
+            <a:normAutofit/>
+          </a:bodyPr>
+          <a:lstStyle>
+            <a:lvl1pPr algn="l">
+              <a:defRPr sz="3600">
+                <a:solidFill>
+                  <a:schemeClr val="bg1"/>
+                </a:solidFill>
+                <a:latin typeface="Helvetica Neue"/>
+                <a:cs typeface="Helvetica Neue"/>
+              </a:defRPr>
+            </a:lvl1pPr>
+          </a:lstStyle>
           <a:p>
             <a:r>
               <a:rPr lang="en-US"/>
               <a:t>Click to edit Master title style</a:t>
             </a:r>
-          </a:p>
-        </p:txBody>
-      </p:sp>
-      <p:sp>
-        <p:nvSpPr>
-          <p:cNvPr id="3" name="Content Placeholder 2">
-            <a:extLst>
-              <a:ext uri="{FF2B5EF4-FFF2-40B4-BE49-F238E27FC236}">
-                <a16:creationId xmlns:a16="http://schemas.microsoft.com/office/drawing/2014/main" id="{2B7373C2-DEB5-0A43-B273-A2A3D7D692A5}"/>
-              </a:ext>
-            </a:extLst>
-          </p:cNvPr>
+            <a:endParaRPr lang="en-US" dirty="0"/>
+          </a:p>
+        </p:txBody>
+      </p:sp>
+      <p:sp>
+        <p:nvSpPr>
+          <p:cNvPr id="3" name="Content Placeholder 2"/>
           <p:cNvSpPr>
             <a:spLocks noGrp="1"/>
           </p:cNvSpPr>
@@ -798,10 +813,46 @@
             <p:ph idx="1"/>
           </p:nvPr>
         </p:nvSpPr>
-        <p:spPr/>
-        <p:txBody>
-          <a:bodyPr/>
-          <a:lstStyle/>
+        <p:spPr>
+          <a:xfrm>
+            <a:off x="182795" y="1248385"/>
+            <a:ext cx="11814383" cy="4877778"/>
+          </a:xfrm>
+        </p:spPr>
+        <p:txBody>
+          <a:bodyPr/>
+          <a:lstStyle>
+            <a:lvl1pPr>
+              <a:defRPr>
+                <a:latin typeface="Helvetica Neue"/>
+                <a:cs typeface="Helvetica Neue"/>
+              </a:defRPr>
+            </a:lvl1pPr>
+            <a:lvl2pPr>
+              <a:defRPr>
+                <a:latin typeface="Helvetica Neue"/>
+                <a:cs typeface="Helvetica Neue"/>
+              </a:defRPr>
+            </a:lvl2pPr>
+            <a:lvl3pPr>
+              <a:defRPr>
+                <a:latin typeface="Helvetica Neue"/>
+                <a:cs typeface="Helvetica Neue"/>
+              </a:defRPr>
+            </a:lvl3pPr>
+            <a:lvl4pPr>
+              <a:defRPr>
+                <a:latin typeface="Helvetica Neue"/>
+                <a:cs typeface="Helvetica Neue"/>
+              </a:defRPr>
+            </a:lvl4pPr>
+            <a:lvl5pPr>
+              <a:defRPr>
+                <a:latin typeface="Helvetica Neue"/>
+                <a:cs typeface="Helvetica Neue"/>
+              </a:defRPr>
+            </a:lvl5pPr>
+          </a:lstStyle>
           <a:p>
             <a:pPr lvl="0"/>
             <a:r>
@@ -836,18 +887,13 @@
               <a:rPr lang="en-US"/>
               <a:t>Fifth level</a:t>
             </a:r>
-          </a:p>
-        </p:txBody>
-      </p:sp>
-      <p:sp>
-        <p:nvSpPr>
-          <p:cNvPr id="4" name="Date Placeholder 3">
-            <a:extLst>
-              <a:ext uri="{FF2B5EF4-FFF2-40B4-BE49-F238E27FC236}">
-                <a16:creationId xmlns:a16="http://schemas.microsoft.com/office/drawing/2014/main" id="{04EF9A7E-94B2-2847-BF8C-4DE48B7C4433}"/>
-              </a:ext>
-            </a:extLst>
-          </p:cNvPr>
+            <a:endParaRPr lang="en-US" dirty="0"/>
+          </a:p>
+        </p:txBody>
+      </p:sp>
+      <p:sp>
+        <p:nvSpPr>
+          <p:cNvPr id="4" name="Date Placeholder 3"/>
           <p:cNvSpPr>
             <a:spLocks noGrp="1"/>
           </p:cNvSpPr>
@@ -858,7 +904,14 @@
         <p:spPr/>
         <p:txBody>
           <a:bodyPr/>
-          <a:lstStyle/>
+          <a:lstStyle>
+            <a:lvl1pPr>
+              <a:defRPr>
+                <a:latin typeface="Helvetica Neue"/>
+                <a:cs typeface="Helvetica Neue"/>
+              </a:defRPr>
+            </a:lvl1pPr>
+          </a:lstStyle>
           <a:p>
             <a:fld id="{0FACC5C3-8597-8F4C-8FC5-8640A4432CF9}" type="datetimeFigureOut">
               <a:rPr lang="en-US" smtClean="0"/>
@@ -870,13 +923,7 @@
       </p:sp>
       <p:sp>
         <p:nvSpPr>
-          <p:cNvPr id="5" name="Footer Placeholder 4">
-            <a:extLst>
-              <a:ext uri="{FF2B5EF4-FFF2-40B4-BE49-F238E27FC236}">
-                <a16:creationId xmlns:a16="http://schemas.microsoft.com/office/drawing/2014/main" id="{F7904F64-5FDF-484E-856C-489582237187}"/>
-              </a:ext>
-            </a:extLst>
-          </p:cNvPr>
+          <p:cNvPr id="5" name="Footer Placeholder 4"/>
           <p:cNvSpPr>
             <a:spLocks noGrp="1"/>
           </p:cNvSpPr>
@@ -887,7 +934,14 @@
         <p:spPr/>
         <p:txBody>
           <a:bodyPr/>
-          <a:lstStyle/>
+          <a:lstStyle>
+            <a:lvl1pPr>
+              <a:defRPr>
+                <a:latin typeface="Helvetica Neue"/>
+                <a:cs typeface="Helvetica Neue"/>
+              </a:defRPr>
+            </a:lvl1pPr>
+          </a:lstStyle>
           <a:p>
             <a:endParaRPr lang="en-US"/>
           </a:p>
@@ -895,13 +949,7 @@
       </p:sp>
       <p:sp>
         <p:nvSpPr>
-          <p:cNvPr id="6" name="Slide Number Placeholder 5">
-            <a:extLst>
-              <a:ext uri="{FF2B5EF4-FFF2-40B4-BE49-F238E27FC236}">
-                <a16:creationId xmlns:a16="http://schemas.microsoft.com/office/drawing/2014/main" id="{642248CB-9667-9C46-B377-C3CAB9923852}"/>
-              </a:ext>
-            </a:extLst>
-          </p:cNvPr>
+          <p:cNvPr id="6" name="Slide Number Placeholder 5"/>
           <p:cNvSpPr>
             <a:spLocks noGrp="1"/>
           </p:cNvSpPr>
@@ -912,7 +960,14 @@
         <p:spPr/>
         <p:txBody>
           <a:bodyPr/>
-          <a:lstStyle/>
+          <a:lstStyle>
+            <a:lvl1pPr>
+              <a:defRPr>
+                <a:latin typeface="Helvetica Neue"/>
+                <a:cs typeface="Helvetica Neue"/>
+              </a:defRPr>
+            </a:lvl1pPr>
+          </a:lstStyle>
           <a:p>
             <a:fld id="{8B53F8BC-ABA0-8248-8A02-EAF17B300F0E}" type="slidenum">
               <a:rPr lang="en-US" smtClean="0"/>
@@ -925,7 +980,7 @@
     </p:spTree>
     <p:extLst>
       <p:ext uri="{BB962C8B-B14F-4D97-AF65-F5344CB8AC3E}">
-        <p14:creationId xmlns:p14="http://schemas.microsoft.com/office/powerpoint/2010/main" val="1976928576"/>
+        <p14:creationId xmlns:p14="http://schemas.microsoft.com/office/powerpoint/2010/main" val="3837280908"/>
       </p:ext>
     </p:extLst>
   </p:cSld>
@@ -954,13 +1009,7 @@
       </p:grpSpPr>
       <p:sp>
         <p:nvSpPr>
-          <p:cNvPr id="2" name="Title 1">
-            <a:extLst>
-              <a:ext uri="{FF2B5EF4-FFF2-40B4-BE49-F238E27FC236}">
-                <a16:creationId xmlns:a16="http://schemas.microsoft.com/office/drawing/2014/main" id="{01A0E7ED-A1A6-D947-8C0A-57D5FAC1FF0E}"/>
-              </a:ext>
-            </a:extLst>
-          </p:cNvPr>
+          <p:cNvPr id="2" name="Title 1"/>
           <p:cNvSpPr>
             <a:spLocks noGrp="1"/>
           </p:cNvSpPr>
@@ -970,53 +1019,47 @@
         </p:nvSpPr>
         <p:spPr>
           <a:xfrm>
-            <a:off x="831850" y="1709738"/>
-            <a:ext cx="10515600" cy="2852737"/>
+            <a:off x="963084" y="4406901"/>
+            <a:ext cx="10363200" cy="1362075"/>
           </a:xfrm>
         </p:spPr>
         <p:txBody>
+          <a:bodyPr anchor="t"/>
+          <a:lstStyle>
+            <a:lvl1pPr algn="l">
+              <a:defRPr sz="4000" b="1" cap="all"/>
+            </a:lvl1pPr>
+          </a:lstStyle>
+          <a:p>
+            <a:r>
+              <a:rPr lang="en-US"/>
+              <a:t>Click to edit Master title style</a:t>
+            </a:r>
+          </a:p>
+        </p:txBody>
+      </p:sp>
+      <p:sp>
+        <p:nvSpPr>
+          <p:cNvPr id="3" name="Text Placeholder 2"/>
+          <p:cNvSpPr>
+            <a:spLocks noGrp="1"/>
+          </p:cNvSpPr>
+          <p:nvPr>
+            <p:ph type="body" idx="1"/>
+          </p:nvPr>
+        </p:nvSpPr>
+        <p:spPr>
+          <a:xfrm>
+            <a:off x="963084" y="2906713"/>
+            <a:ext cx="10363200" cy="1500187"/>
+          </a:xfrm>
+        </p:spPr>
+        <p:txBody>
           <a:bodyPr anchor="b"/>
           <a:lstStyle>
-            <a:lvl1pPr>
-              <a:defRPr sz="6000"/>
-            </a:lvl1pPr>
-          </a:lstStyle>
-          <a:p>
-            <a:r>
-              <a:rPr lang="en-US"/>
-              <a:t>Click to edit Master title style</a:t>
-            </a:r>
-          </a:p>
-        </p:txBody>
-      </p:sp>
-      <p:sp>
-        <p:nvSpPr>
-          <p:cNvPr id="3" name="Text Placeholder 2">
-            <a:extLst>
-              <a:ext uri="{FF2B5EF4-FFF2-40B4-BE49-F238E27FC236}">
-                <a16:creationId xmlns:a16="http://schemas.microsoft.com/office/drawing/2014/main" id="{54FF4A52-0CBC-2F47-A4C3-34AC3585D126}"/>
-              </a:ext>
-            </a:extLst>
-          </p:cNvPr>
-          <p:cNvSpPr>
-            <a:spLocks noGrp="1"/>
-          </p:cNvSpPr>
-          <p:nvPr>
-            <p:ph type="body" idx="1"/>
-          </p:nvPr>
-        </p:nvSpPr>
-        <p:spPr>
-          <a:xfrm>
-            <a:off x="831850" y="4589463"/>
-            <a:ext cx="10515600" cy="1500187"/>
-          </a:xfrm>
-        </p:spPr>
-        <p:txBody>
-          <a:bodyPr/>
-          <a:lstStyle>
             <a:lvl1pPr marL="0" indent="0">
               <a:buNone/>
-              <a:defRPr sz="2400">
+              <a:defRPr sz="2000">
                 <a:solidFill>
                   <a:schemeClr val="tx1">
                     <a:tint val="75000"/>
@@ -1026,7 +1069,7 @@
             </a:lvl1pPr>
             <a:lvl2pPr marL="457200" indent="0">
               <a:buNone/>
-              <a:defRPr sz="2000">
+              <a:defRPr sz="1800">
                 <a:solidFill>
                   <a:schemeClr val="tx1">
                     <a:tint val="75000"/>
@@ -1036,7 +1079,7 @@
             </a:lvl2pPr>
             <a:lvl3pPr marL="914400" indent="0">
               <a:buNone/>
-              <a:defRPr sz="1800">
+              <a:defRPr sz="1600">
                 <a:solidFill>
                   <a:schemeClr val="tx1">
                     <a:tint val="75000"/>
@@ -1046,7 +1089,7 @@
             </a:lvl3pPr>
             <a:lvl4pPr marL="1371600" indent="0">
               <a:buNone/>
-              <a:defRPr sz="1600">
+              <a:defRPr sz="1400">
                 <a:solidFill>
                   <a:schemeClr val="tx1">
                     <a:tint val="75000"/>
@@ -1056,7 +1099,7 @@
             </a:lvl4pPr>
             <a:lvl5pPr marL="1828800" indent="0">
               <a:buNone/>
-              <a:defRPr sz="1600">
+              <a:defRPr sz="1400">
                 <a:solidFill>
                   <a:schemeClr val="tx1">
                     <a:tint val="75000"/>
@@ -1066,7 +1109,7 @@
             </a:lvl5pPr>
             <a:lvl6pPr marL="2286000" indent="0">
               <a:buNone/>
-              <a:defRPr sz="1600">
+              <a:defRPr sz="1400">
                 <a:solidFill>
                   <a:schemeClr val="tx1">
                     <a:tint val="75000"/>
@@ -1076,7 +1119,7 @@
             </a:lvl6pPr>
             <a:lvl7pPr marL="2743200" indent="0">
               <a:buNone/>
-              <a:defRPr sz="1600">
+              <a:defRPr sz="1400">
                 <a:solidFill>
                   <a:schemeClr val="tx1">
                     <a:tint val="75000"/>
@@ -1086,7 +1129,7 @@
             </a:lvl7pPr>
             <a:lvl8pPr marL="3200400" indent="0">
               <a:buNone/>
-              <a:defRPr sz="1600">
+              <a:defRPr sz="1400">
                 <a:solidFill>
                   <a:schemeClr val="tx1">
                     <a:tint val="75000"/>
@@ -1096,7 +1139,7 @@
             </a:lvl8pPr>
             <a:lvl9pPr marL="3657600" indent="0">
               <a:buNone/>
-              <a:defRPr sz="1600">
+              <a:defRPr sz="1400">
                 <a:solidFill>
                   <a:schemeClr val="tx1">
                     <a:tint val="75000"/>
@@ -1116,13 +1159,7 @@
       </p:sp>
       <p:sp>
         <p:nvSpPr>
-          <p:cNvPr id="4" name="Date Placeholder 3">
-            <a:extLst>
-              <a:ext uri="{FF2B5EF4-FFF2-40B4-BE49-F238E27FC236}">
-                <a16:creationId xmlns:a16="http://schemas.microsoft.com/office/drawing/2014/main" id="{359DFBE1-D1CC-7B42-B700-7E0109F39795}"/>
-              </a:ext>
-            </a:extLst>
-          </p:cNvPr>
+          <p:cNvPr id="4" name="Date Placeholder 3"/>
           <p:cNvSpPr>
             <a:spLocks noGrp="1"/>
           </p:cNvSpPr>
@@ -1145,13 +1182,7 @@
       </p:sp>
       <p:sp>
         <p:nvSpPr>
-          <p:cNvPr id="5" name="Footer Placeholder 4">
-            <a:extLst>
-              <a:ext uri="{FF2B5EF4-FFF2-40B4-BE49-F238E27FC236}">
-                <a16:creationId xmlns:a16="http://schemas.microsoft.com/office/drawing/2014/main" id="{EA8FC70B-AB79-B843-A12B-7B17C88B1957}"/>
-              </a:ext>
-            </a:extLst>
-          </p:cNvPr>
+          <p:cNvPr id="5" name="Footer Placeholder 4"/>
           <p:cNvSpPr>
             <a:spLocks noGrp="1"/>
           </p:cNvSpPr>
@@ -1170,13 +1201,7 @@
       </p:sp>
       <p:sp>
         <p:nvSpPr>
-          <p:cNvPr id="6" name="Slide Number Placeholder 5">
-            <a:extLst>
-              <a:ext uri="{FF2B5EF4-FFF2-40B4-BE49-F238E27FC236}">
-                <a16:creationId xmlns:a16="http://schemas.microsoft.com/office/drawing/2014/main" id="{AB041CE0-6D86-FC43-A407-75D202BDDCF7}"/>
-              </a:ext>
-            </a:extLst>
-          </p:cNvPr>
+          <p:cNvPr id="6" name="Slide Number Placeholder 5"/>
           <p:cNvSpPr>
             <a:spLocks noGrp="1"/>
           </p:cNvSpPr>
@@ -1200,7 +1225,7 @@
     </p:spTree>
     <p:extLst>
       <p:ext uri="{BB962C8B-B14F-4D97-AF65-F5344CB8AC3E}">
-        <p14:creationId xmlns:p14="http://schemas.microsoft.com/office/powerpoint/2010/main" val="463960733"/>
+        <p14:creationId xmlns:p14="http://schemas.microsoft.com/office/powerpoint/2010/main" val="2929195044"/>
       </p:ext>
     </p:extLst>
   </p:cSld>
@@ -1229,13 +1254,7 @@
       </p:grpSpPr>
       <p:sp>
         <p:nvSpPr>
-          <p:cNvPr id="2" name="Title 1">
-            <a:extLst>
-              <a:ext uri="{FF2B5EF4-FFF2-40B4-BE49-F238E27FC236}">
-                <a16:creationId xmlns:a16="http://schemas.microsoft.com/office/drawing/2014/main" id="{E8B4672F-079A-8F48-9705-44EB14F201F3}"/>
-              </a:ext>
-            </a:extLst>
-          </p:cNvPr>
+          <p:cNvPr id="2" name="Title 1"/>
           <p:cNvSpPr>
             <a:spLocks noGrp="1"/>
           </p:cNvSpPr>
@@ -1257,13 +1276,7 @@
       </p:sp>
       <p:sp>
         <p:nvSpPr>
-          <p:cNvPr id="3" name="Content Placeholder 2">
-            <a:extLst>
-              <a:ext uri="{FF2B5EF4-FFF2-40B4-BE49-F238E27FC236}">
-                <a16:creationId xmlns:a16="http://schemas.microsoft.com/office/drawing/2014/main" id="{24B794CA-BCA4-6845-A7FB-19406F34335B}"/>
-              </a:ext>
-            </a:extLst>
-          </p:cNvPr>
+          <p:cNvPr id="3" name="Content Placeholder 2"/>
           <p:cNvSpPr>
             <a:spLocks noGrp="1"/>
           </p:cNvSpPr>
@@ -1273,13 +1286,41 @@
         </p:nvSpPr>
         <p:spPr>
           <a:xfrm>
-            <a:off x="838200" y="1825625"/>
-            <a:ext cx="5181600" cy="4351338"/>
+            <a:off x="609600" y="1600201"/>
+            <a:ext cx="5384800" cy="4525963"/>
           </a:xfrm>
         </p:spPr>
         <p:txBody>
           <a:bodyPr/>
-          <a:lstStyle/>
+          <a:lstStyle>
+            <a:lvl1pPr>
+              <a:defRPr sz="2800"/>
+            </a:lvl1pPr>
+            <a:lvl2pPr>
+              <a:defRPr sz="2400"/>
+            </a:lvl2pPr>
+            <a:lvl3pPr>
+              <a:defRPr sz="2000"/>
+            </a:lvl3pPr>
+            <a:lvl4pPr>
+              <a:defRPr sz="1800"/>
+            </a:lvl4pPr>
+            <a:lvl5pPr>
+              <a:defRPr sz="1800"/>
+            </a:lvl5pPr>
+            <a:lvl6pPr>
+              <a:defRPr sz="1800"/>
+            </a:lvl6pPr>
+            <a:lvl7pPr>
+              <a:defRPr sz="1800"/>
+            </a:lvl7pPr>
+            <a:lvl8pPr>
+              <a:defRPr sz="1800"/>
+            </a:lvl8pPr>
+            <a:lvl9pPr>
+              <a:defRPr sz="1800"/>
+            </a:lvl9pPr>
+          </a:lstStyle>
           <a:p>
             <a:pPr lvl="0"/>
             <a:r>
@@ -1319,13 +1360,7 @@
       </p:sp>
       <p:sp>
         <p:nvSpPr>
-          <p:cNvPr id="4" name="Content Placeholder 3">
-            <a:extLst>
-              <a:ext uri="{FF2B5EF4-FFF2-40B4-BE49-F238E27FC236}">
-                <a16:creationId xmlns:a16="http://schemas.microsoft.com/office/drawing/2014/main" id="{7DC5F9CC-E8C9-4846-87D5-B59238076ACD}"/>
-              </a:ext>
-            </a:extLst>
-          </p:cNvPr>
+          <p:cNvPr id="4" name="Content Placeholder 3"/>
           <p:cNvSpPr>
             <a:spLocks noGrp="1"/>
           </p:cNvSpPr>
@@ -1335,13 +1370,41 @@
         </p:nvSpPr>
         <p:spPr>
           <a:xfrm>
-            <a:off x="6172200" y="1825625"/>
-            <a:ext cx="5181600" cy="4351338"/>
+            <a:off x="6197600" y="1600201"/>
+            <a:ext cx="5384800" cy="4525963"/>
           </a:xfrm>
         </p:spPr>
         <p:txBody>
           <a:bodyPr/>
-          <a:lstStyle/>
+          <a:lstStyle>
+            <a:lvl1pPr>
+              <a:defRPr sz="2800"/>
+            </a:lvl1pPr>
+            <a:lvl2pPr>
+              <a:defRPr sz="2400"/>
+            </a:lvl2pPr>
+            <a:lvl3pPr>
+              <a:defRPr sz="2000"/>
+            </a:lvl3pPr>
+            <a:lvl4pPr>
+              <a:defRPr sz="1800"/>
+            </a:lvl4pPr>
+            <a:lvl5pPr>
+              <a:defRPr sz="1800"/>
+            </a:lvl5pPr>
+            <a:lvl6pPr>
+              <a:defRPr sz="1800"/>
+            </a:lvl6pPr>
+            <a:lvl7pPr>
+              <a:defRPr sz="1800"/>
+            </a:lvl7pPr>
+            <a:lvl8pPr>
+              <a:defRPr sz="1800"/>
+            </a:lvl8pPr>
+            <a:lvl9pPr>
+              <a:defRPr sz="1800"/>
+            </a:lvl9pPr>
+          </a:lstStyle>
           <a:p>
             <a:pPr lvl="0"/>
             <a:r>
@@ -1381,13 +1444,7 @@
       </p:sp>
       <p:sp>
         <p:nvSpPr>
-          <p:cNvPr id="5" name="Date Placeholder 4">
-            <a:extLst>
-              <a:ext uri="{FF2B5EF4-FFF2-40B4-BE49-F238E27FC236}">
-                <a16:creationId xmlns:a16="http://schemas.microsoft.com/office/drawing/2014/main" id="{0ADC1D05-B984-0C43-919E-7DA1BDDDA098}"/>
-              </a:ext>
-            </a:extLst>
-          </p:cNvPr>
+          <p:cNvPr id="5" name="Date Placeholder 4"/>
           <p:cNvSpPr>
             <a:spLocks noGrp="1"/>
           </p:cNvSpPr>
@@ -1410,13 +1467,7 @@
       </p:sp>
       <p:sp>
         <p:nvSpPr>
-          <p:cNvPr id="6" name="Footer Placeholder 5">
-            <a:extLst>
-              <a:ext uri="{FF2B5EF4-FFF2-40B4-BE49-F238E27FC236}">
-                <a16:creationId xmlns:a16="http://schemas.microsoft.com/office/drawing/2014/main" id="{E34665E6-5304-064D-8712-9DED4CB0D5F1}"/>
-              </a:ext>
-            </a:extLst>
-          </p:cNvPr>
+          <p:cNvPr id="6" name="Footer Placeholder 5"/>
           <p:cNvSpPr>
             <a:spLocks noGrp="1"/>
           </p:cNvSpPr>
@@ -1435,13 +1486,7 @@
       </p:sp>
       <p:sp>
         <p:nvSpPr>
-          <p:cNvPr id="7" name="Slide Number Placeholder 6">
-            <a:extLst>
-              <a:ext uri="{FF2B5EF4-FFF2-40B4-BE49-F238E27FC236}">
-                <a16:creationId xmlns:a16="http://schemas.microsoft.com/office/drawing/2014/main" id="{A0CAEC79-2263-9843-87FE-DC827CA89F68}"/>
-              </a:ext>
-            </a:extLst>
-          </p:cNvPr>
+          <p:cNvPr id="7" name="Slide Number Placeholder 6"/>
           <p:cNvSpPr>
             <a:spLocks noGrp="1"/>
           </p:cNvSpPr>
@@ -1465,7 +1510,7 @@
     </p:spTree>
     <p:extLst>
       <p:ext uri="{BB962C8B-B14F-4D97-AF65-F5344CB8AC3E}">
-        <p14:creationId xmlns:p14="http://schemas.microsoft.com/office/powerpoint/2010/main" val="1086189613"/>
+        <p14:creationId xmlns:p14="http://schemas.microsoft.com/office/powerpoint/2010/main" val="1236873197"/>
       </p:ext>
     </p:extLst>
   </p:cSld>
@@ -1494,57 +1539,44 @@
       </p:grpSpPr>
       <p:sp>
         <p:nvSpPr>
-          <p:cNvPr id="2" name="Title 1">
-            <a:extLst>
-              <a:ext uri="{FF2B5EF4-FFF2-40B4-BE49-F238E27FC236}">
-                <a16:creationId xmlns:a16="http://schemas.microsoft.com/office/drawing/2014/main" id="{161FC71F-0C80-C14A-94EC-7A51A3B2945F}"/>
-              </a:ext>
-            </a:extLst>
-          </p:cNvPr>
+          <p:cNvPr id="2" name="Title 1"/>
           <p:cNvSpPr>
             <a:spLocks noGrp="1"/>
           </p:cNvSpPr>
           <p:nvPr>
             <p:ph type="title"/>
+          </p:nvPr>
+        </p:nvSpPr>
+        <p:spPr/>
+        <p:txBody>
+          <a:bodyPr/>
+          <a:lstStyle>
+            <a:lvl1pPr>
+              <a:defRPr/>
+            </a:lvl1pPr>
+          </a:lstStyle>
+          <a:p>
+            <a:r>
+              <a:rPr lang="en-US"/>
+              <a:t>Click to edit Master title style</a:t>
+            </a:r>
+          </a:p>
+        </p:txBody>
+      </p:sp>
+      <p:sp>
+        <p:nvSpPr>
+          <p:cNvPr id="3" name="Text Placeholder 2"/>
+          <p:cNvSpPr>
+            <a:spLocks noGrp="1"/>
+          </p:cNvSpPr>
+          <p:nvPr>
+            <p:ph type="body" idx="1"/>
           </p:nvPr>
         </p:nvSpPr>
         <p:spPr>
           <a:xfrm>
-            <a:off x="839788" y="365125"/>
-            <a:ext cx="10515600" cy="1325563"/>
-          </a:xfrm>
-        </p:spPr>
-        <p:txBody>
-          <a:bodyPr/>
-          <a:lstStyle/>
-          <a:p>
-            <a:r>
-              <a:rPr lang="en-US"/>
-              <a:t>Click to edit Master title style</a:t>
-            </a:r>
-          </a:p>
-        </p:txBody>
-      </p:sp>
-      <p:sp>
-        <p:nvSpPr>
-          <p:cNvPr id="3" name="Text Placeholder 2">
-            <a:extLst>
-              <a:ext uri="{FF2B5EF4-FFF2-40B4-BE49-F238E27FC236}">
-                <a16:creationId xmlns:a16="http://schemas.microsoft.com/office/drawing/2014/main" id="{14CB19CB-2661-3F4D-9928-A8D31F29D543}"/>
-              </a:ext>
-            </a:extLst>
-          </p:cNvPr>
-          <p:cNvSpPr>
-            <a:spLocks noGrp="1"/>
-          </p:cNvSpPr>
-          <p:nvPr>
-            <p:ph type="body" idx="1"/>
-          </p:nvPr>
-        </p:nvSpPr>
-        <p:spPr>
-          <a:xfrm>
-            <a:off x="839788" y="1681163"/>
-            <a:ext cx="5157787" cy="823912"/>
+            <a:off x="609600" y="1535113"/>
+            <a:ext cx="5386917" cy="639762"/>
           </a:xfrm>
         </p:spPr>
         <p:txBody>
@@ -1598,13 +1630,7 @@
       </p:sp>
       <p:sp>
         <p:nvSpPr>
-          <p:cNvPr id="4" name="Content Placeholder 3">
-            <a:extLst>
-              <a:ext uri="{FF2B5EF4-FFF2-40B4-BE49-F238E27FC236}">
-                <a16:creationId xmlns:a16="http://schemas.microsoft.com/office/drawing/2014/main" id="{D526608E-B52D-134C-B482-9B55496409AD}"/>
-              </a:ext>
-            </a:extLst>
-          </p:cNvPr>
+          <p:cNvPr id="4" name="Content Placeholder 3"/>
           <p:cNvSpPr>
             <a:spLocks noGrp="1"/>
           </p:cNvSpPr>
@@ -1614,13 +1640,41 @@
         </p:nvSpPr>
         <p:spPr>
           <a:xfrm>
-            <a:off x="839788" y="2505075"/>
-            <a:ext cx="5157787" cy="3684588"/>
+            <a:off x="609600" y="2174875"/>
+            <a:ext cx="5386917" cy="3951288"/>
           </a:xfrm>
         </p:spPr>
         <p:txBody>
           <a:bodyPr/>
-          <a:lstStyle/>
+          <a:lstStyle>
+            <a:lvl1pPr>
+              <a:defRPr sz="2400"/>
+            </a:lvl1pPr>
+            <a:lvl2pPr>
+              <a:defRPr sz="2000"/>
+            </a:lvl2pPr>
+            <a:lvl3pPr>
+              <a:defRPr sz="1800"/>
+            </a:lvl3pPr>
+            <a:lvl4pPr>
+              <a:defRPr sz="1600"/>
+            </a:lvl4pPr>
+            <a:lvl5pPr>
+              <a:defRPr sz="1600"/>
+            </a:lvl5pPr>
+            <a:lvl6pPr>
+              <a:defRPr sz="1600"/>
+            </a:lvl6pPr>
+            <a:lvl7pPr>
+              <a:defRPr sz="1600"/>
+            </a:lvl7pPr>
+            <a:lvl8pPr>
+              <a:defRPr sz="1600"/>
+            </a:lvl8pPr>
+            <a:lvl9pPr>
+              <a:defRPr sz="1600"/>
+            </a:lvl9pPr>
+          </a:lstStyle>
           <a:p>
             <a:pPr lvl="0"/>
             <a:r>
@@ -1660,13 +1714,7 @@
       </p:sp>
       <p:sp>
         <p:nvSpPr>
-          <p:cNvPr id="5" name="Text Placeholder 4">
-            <a:extLst>
-              <a:ext uri="{FF2B5EF4-FFF2-40B4-BE49-F238E27FC236}">
-                <a16:creationId xmlns:a16="http://schemas.microsoft.com/office/drawing/2014/main" id="{BDACDC15-54B8-FC45-8F40-1D7AF8C78566}"/>
-              </a:ext>
-            </a:extLst>
-          </p:cNvPr>
+          <p:cNvPr id="5" name="Text Placeholder 4"/>
           <p:cNvSpPr>
             <a:spLocks noGrp="1"/>
           </p:cNvSpPr>
@@ -1676,8 +1724,8 @@
         </p:nvSpPr>
         <p:spPr>
           <a:xfrm>
-            <a:off x="6172200" y="1681163"/>
-            <a:ext cx="5183188" cy="823912"/>
+            <a:off x="6193368" y="1535113"/>
+            <a:ext cx="5389033" cy="639762"/>
           </a:xfrm>
         </p:spPr>
         <p:txBody>
@@ -1731,13 +1779,7 @@
       </p:sp>
       <p:sp>
         <p:nvSpPr>
-          <p:cNvPr id="6" name="Content Placeholder 5">
-            <a:extLst>
-              <a:ext uri="{FF2B5EF4-FFF2-40B4-BE49-F238E27FC236}">
-                <a16:creationId xmlns:a16="http://schemas.microsoft.com/office/drawing/2014/main" id="{3A637F2E-97AA-9E4B-B2CE-46394F6D2877}"/>
-              </a:ext>
-            </a:extLst>
-          </p:cNvPr>
+          <p:cNvPr id="6" name="Content Placeholder 5"/>
           <p:cNvSpPr>
             <a:spLocks noGrp="1"/>
           </p:cNvSpPr>
@@ -1747,13 +1789,41 @@
         </p:nvSpPr>
         <p:spPr>
           <a:xfrm>
-            <a:off x="6172200" y="2505075"/>
-            <a:ext cx="5183188" cy="3684588"/>
+            <a:off x="6193368" y="2174875"/>
+            <a:ext cx="5389033" cy="3951288"/>
           </a:xfrm>
         </p:spPr>
         <p:txBody>
           <a:bodyPr/>
-          <a:lstStyle/>
+          <a:lstStyle>
+            <a:lvl1pPr>
+              <a:defRPr sz="2400"/>
+            </a:lvl1pPr>
+            <a:lvl2pPr>
+              <a:defRPr sz="2000"/>
+            </a:lvl2pPr>
+            <a:lvl3pPr>
+              <a:defRPr sz="1800"/>
+            </a:lvl3pPr>
+            <a:lvl4pPr>
+              <a:defRPr sz="1600"/>
+            </a:lvl4pPr>
+            <a:lvl5pPr>
+              <a:defRPr sz="1600"/>
+            </a:lvl5pPr>
+            <a:lvl6pPr>
+              <a:defRPr sz="1600"/>
+            </a:lvl6pPr>
+            <a:lvl7pPr>
+              <a:defRPr sz="1600"/>
+            </a:lvl7pPr>
+            <a:lvl8pPr>
+              <a:defRPr sz="1600"/>
+            </a:lvl8pPr>
+            <a:lvl9pPr>
+              <a:defRPr sz="1600"/>
+            </a:lvl9pPr>
+          </a:lstStyle>
           <a:p>
             <a:pPr lvl="0"/>
             <a:r>
@@ -1793,13 +1863,7 @@
       </p:sp>
       <p:sp>
         <p:nvSpPr>
-          <p:cNvPr id="7" name="Date Placeholder 6">
-            <a:extLst>
-              <a:ext uri="{FF2B5EF4-FFF2-40B4-BE49-F238E27FC236}">
-                <a16:creationId xmlns:a16="http://schemas.microsoft.com/office/drawing/2014/main" id="{B7B6127E-CAE6-EA40-8A4E-7DB45943F995}"/>
-              </a:ext>
-            </a:extLst>
-          </p:cNvPr>
+          <p:cNvPr id="7" name="Date Placeholder 6"/>
           <p:cNvSpPr>
             <a:spLocks noGrp="1"/>
           </p:cNvSpPr>
@@ -1822,13 +1886,7 @@
       </p:sp>
       <p:sp>
         <p:nvSpPr>
-          <p:cNvPr id="8" name="Footer Placeholder 7">
-            <a:extLst>
-              <a:ext uri="{FF2B5EF4-FFF2-40B4-BE49-F238E27FC236}">
-                <a16:creationId xmlns:a16="http://schemas.microsoft.com/office/drawing/2014/main" id="{27FEF42C-CB37-5443-9AD9-640D3DF44EA0}"/>
-              </a:ext>
-            </a:extLst>
-          </p:cNvPr>
+          <p:cNvPr id="8" name="Footer Placeholder 7"/>
           <p:cNvSpPr>
             <a:spLocks noGrp="1"/>
           </p:cNvSpPr>
@@ -1847,13 +1905,7 @@
       </p:sp>
       <p:sp>
         <p:nvSpPr>
-          <p:cNvPr id="9" name="Slide Number Placeholder 8">
-            <a:extLst>
-              <a:ext uri="{FF2B5EF4-FFF2-40B4-BE49-F238E27FC236}">
-                <a16:creationId xmlns:a16="http://schemas.microsoft.com/office/drawing/2014/main" id="{521C18C2-D136-E04A-97FC-8125F368BDE8}"/>
-              </a:ext>
-            </a:extLst>
-          </p:cNvPr>
+          <p:cNvPr id="9" name="Slide Number Placeholder 8"/>
           <p:cNvSpPr>
             <a:spLocks noGrp="1"/>
           </p:cNvSpPr>
@@ -1877,7 +1929,7 @@
     </p:spTree>
     <p:extLst>
       <p:ext uri="{BB962C8B-B14F-4D97-AF65-F5344CB8AC3E}">
-        <p14:creationId xmlns:p14="http://schemas.microsoft.com/office/powerpoint/2010/main" val="350028800"/>
+        <p14:creationId xmlns:p14="http://schemas.microsoft.com/office/powerpoint/2010/main" val="2796285488"/>
       </p:ext>
     </p:extLst>
   </p:cSld>
@@ -1906,13 +1958,7 @@
       </p:grpSpPr>
       <p:sp>
         <p:nvSpPr>
-          <p:cNvPr id="2" name="Title 1">
-            <a:extLst>
-              <a:ext uri="{FF2B5EF4-FFF2-40B4-BE49-F238E27FC236}">
-                <a16:creationId xmlns:a16="http://schemas.microsoft.com/office/drawing/2014/main" id="{851D7953-86DA-0C44-B793-0B7DB1A2A460}"/>
-              </a:ext>
-            </a:extLst>
-          </p:cNvPr>
+          <p:cNvPr id="2" name="Title 1"/>
           <p:cNvSpPr>
             <a:spLocks noGrp="1"/>
           </p:cNvSpPr>
@@ -1934,13 +1980,7 @@
       </p:sp>
       <p:sp>
         <p:nvSpPr>
-          <p:cNvPr id="3" name="Date Placeholder 2">
-            <a:extLst>
-              <a:ext uri="{FF2B5EF4-FFF2-40B4-BE49-F238E27FC236}">
-                <a16:creationId xmlns:a16="http://schemas.microsoft.com/office/drawing/2014/main" id="{D9D6FFCC-829C-4845-842E-E1E93D05569B}"/>
-              </a:ext>
-            </a:extLst>
-          </p:cNvPr>
+          <p:cNvPr id="3" name="Date Placeholder 2"/>
           <p:cNvSpPr>
             <a:spLocks noGrp="1"/>
           </p:cNvSpPr>
@@ -1963,13 +2003,7 @@
       </p:sp>
       <p:sp>
         <p:nvSpPr>
-          <p:cNvPr id="4" name="Footer Placeholder 3">
-            <a:extLst>
-              <a:ext uri="{FF2B5EF4-FFF2-40B4-BE49-F238E27FC236}">
-                <a16:creationId xmlns:a16="http://schemas.microsoft.com/office/drawing/2014/main" id="{12585D81-5811-FB4E-9E10-FD982541A740}"/>
-              </a:ext>
-            </a:extLst>
-          </p:cNvPr>
+          <p:cNvPr id="4" name="Footer Placeholder 3"/>
           <p:cNvSpPr>
             <a:spLocks noGrp="1"/>
           </p:cNvSpPr>
@@ -1988,13 +2022,7 @@
       </p:sp>
       <p:sp>
         <p:nvSpPr>
-          <p:cNvPr id="5" name="Slide Number Placeholder 4">
-            <a:extLst>
-              <a:ext uri="{FF2B5EF4-FFF2-40B4-BE49-F238E27FC236}">
-                <a16:creationId xmlns:a16="http://schemas.microsoft.com/office/drawing/2014/main" id="{28D54612-BAA8-2846-95C3-48FAD581A163}"/>
-              </a:ext>
-            </a:extLst>
-          </p:cNvPr>
+          <p:cNvPr id="5" name="Slide Number Placeholder 4"/>
           <p:cNvSpPr>
             <a:spLocks noGrp="1"/>
           </p:cNvSpPr>
@@ -2018,7 +2046,7 @@
     </p:spTree>
     <p:extLst>
       <p:ext uri="{BB962C8B-B14F-4D97-AF65-F5344CB8AC3E}">
-        <p14:creationId xmlns:p14="http://schemas.microsoft.com/office/powerpoint/2010/main" val="1530879019"/>
+        <p14:creationId xmlns:p14="http://schemas.microsoft.com/office/powerpoint/2010/main" val="367933705"/>
       </p:ext>
     </p:extLst>
   </p:cSld>
@@ -2047,13 +2075,7 @@
       </p:grpSpPr>
       <p:sp>
         <p:nvSpPr>
-          <p:cNvPr id="2" name="Date Placeholder 1">
-            <a:extLst>
-              <a:ext uri="{FF2B5EF4-FFF2-40B4-BE49-F238E27FC236}">
-                <a16:creationId xmlns:a16="http://schemas.microsoft.com/office/drawing/2014/main" id="{5CC2E5E8-B014-3F4D-AC01-3BA9512A5F7C}"/>
-              </a:ext>
-            </a:extLst>
-          </p:cNvPr>
+          <p:cNvPr id="2" name="Date Placeholder 1"/>
           <p:cNvSpPr>
             <a:spLocks noGrp="1"/>
           </p:cNvSpPr>
@@ -2076,13 +2098,7 @@
       </p:sp>
       <p:sp>
         <p:nvSpPr>
-          <p:cNvPr id="3" name="Footer Placeholder 2">
-            <a:extLst>
-              <a:ext uri="{FF2B5EF4-FFF2-40B4-BE49-F238E27FC236}">
-                <a16:creationId xmlns:a16="http://schemas.microsoft.com/office/drawing/2014/main" id="{2D368D01-804D-7242-85FC-7A84D470D1C2}"/>
-              </a:ext>
-            </a:extLst>
-          </p:cNvPr>
+          <p:cNvPr id="3" name="Footer Placeholder 2"/>
           <p:cNvSpPr>
             <a:spLocks noGrp="1"/>
           </p:cNvSpPr>
@@ -2101,13 +2117,7 @@
       </p:sp>
       <p:sp>
         <p:nvSpPr>
-          <p:cNvPr id="4" name="Slide Number Placeholder 3">
-            <a:extLst>
-              <a:ext uri="{FF2B5EF4-FFF2-40B4-BE49-F238E27FC236}">
-                <a16:creationId xmlns:a16="http://schemas.microsoft.com/office/drawing/2014/main" id="{27DAE6C9-3C39-B04C-8E03-C903EEB801A7}"/>
-              </a:ext>
-            </a:extLst>
-          </p:cNvPr>
+          <p:cNvPr id="4" name="Slide Number Placeholder 3"/>
           <p:cNvSpPr>
             <a:spLocks noGrp="1"/>
           </p:cNvSpPr>
@@ -2131,7 +2141,7 @@
     </p:spTree>
     <p:extLst>
       <p:ext uri="{BB962C8B-B14F-4D97-AF65-F5344CB8AC3E}">
-        <p14:creationId xmlns:p14="http://schemas.microsoft.com/office/powerpoint/2010/main" val="3907449310"/>
+        <p14:creationId xmlns:p14="http://schemas.microsoft.com/office/powerpoint/2010/main" val="696935359"/>
       </p:ext>
     </p:extLst>
   </p:cSld>
@@ -2160,13 +2170,7 @@
       </p:grpSpPr>
       <p:sp>
         <p:nvSpPr>
-          <p:cNvPr id="2" name="Title 1">
-            <a:extLst>
-              <a:ext uri="{FF2B5EF4-FFF2-40B4-BE49-F238E27FC236}">
-                <a16:creationId xmlns:a16="http://schemas.microsoft.com/office/drawing/2014/main" id="{A5A00FB6-DF97-B648-A406-7CE9A6219659}"/>
-              </a:ext>
-            </a:extLst>
-          </p:cNvPr>
+          <p:cNvPr id="2" name="Title 1"/>
           <p:cNvSpPr>
             <a:spLocks noGrp="1"/>
           </p:cNvSpPr>
@@ -2176,15 +2180,15 @@
         </p:nvSpPr>
         <p:spPr>
           <a:xfrm>
-            <a:off x="839788" y="457200"/>
-            <a:ext cx="3932237" cy="1600200"/>
+            <a:off x="609601" y="273050"/>
+            <a:ext cx="4011084" cy="1162050"/>
           </a:xfrm>
         </p:spPr>
         <p:txBody>
           <a:bodyPr anchor="b"/>
           <a:lstStyle>
-            <a:lvl1pPr>
-              <a:defRPr sz="3200"/>
+            <a:lvl1pPr algn="l">
+              <a:defRPr sz="2000" b="1"/>
             </a:lvl1pPr>
           </a:lstStyle>
           <a:p>
@@ -2197,13 +2201,7 @@
       </p:sp>
       <p:sp>
         <p:nvSpPr>
-          <p:cNvPr id="3" name="Content Placeholder 2">
-            <a:extLst>
-              <a:ext uri="{FF2B5EF4-FFF2-40B4-BE49-F238E27FC236}">
-                <a16:creationId xmlns:a16="http://schemas.microsoft.com/office/drawing/2014/main" id="{2927A3DF-89F3-DD44-8C5F-EB4DE4ABADFA}"/>
-              </a:ext>
-            </a:extLst>
-          </p:cNvPr>
+          <p:cNvPr id="3" name="Content Placeholder 2"/>
           <p:cNvSpPr>
             <a:spLocks noGrp="1"/>
           </p:cNvSpPr>
@@ -2213,8 +2211,8 @@
         </p:nvSpPr>
         <p:spPr>
           <a:xfrm>
-            <a:off x="5183188" y="987425"/>
-            <a:ext cx="6172200" cy="4873625"/>
+            <a:off x="4766733" y="273051"/>
+            <a:ext cx="6815667" cy="5853113"/>
           </a:xfrm>
         </p:spPr>
         <p:txBody>
@@ -2287,13 +2285,7 @@
       </p:sp>
       <p:sp>
         <p:nvSpPr>
-          <p:cNvPr id="4" name="Text Placeholder 3">
-            <a:extLst>
-              <a:ext uri="{FF2B5EF4-FFF2-40B4-BE49-F238E27FC236}">
-                <a16:creationId xmlns:a16="http://schemas.microsoft.com/office/drawing/2014/main" id="{0200891F-FBF9-BB43-9B43-118424C8F265}"/>
-              </a:ext>
-            </a:extLst>
-          </p:cNvPr>
+          <p:cNvPr id="4" name="Text Placeholder 3"/>
           <p:cNvSpPr>
             <a:spLocks noGrp="1"/>
           </p:cNvSpPr>
@@ -2303,8 +2295,8 @@
         </p:nvSpPr>
         <p:spPr>
           <a:xfrm>
-            <a:off x="839788" y="2057400"/>
-            <a:ext cx="3932237" cy="3811588"/>
+            <a:off x="609601" y="1435101"/>
+            <a:ext cx="4011084" cy="4691063"/>
           </a:xfrm>
         </p:spPr>
         <p:txBody>
@@ -2312,39 +2304,39 @@
           <a:lstStyle>
             <a:lvl1pPr marL="0" indent="0">
               <a:buNone/>
-              <a:defRPr sz="1600"/>
+              <a:defRPr sz="1400"/>
             </a:lvl1pPr>
             <a:lvl2pPr marL="457200" indent="0">
               <a:buNone/>
-              <a:defRPr sz="1400"/>
+              <a:defRPr sz="1200"/>
             </a:lvl2pPr>
             <a:lvl3pPr marL="914400" indent="0">
               <a:buNone/>
-              <a:defRPr sz="1200"/>
+              <a:defRPr sz="1000"/>
             </a:lvl3pPr>
             <a:lvl4pPr marL="1371600" indent="0">
               <a:buNone/>
-              <a:defRPr sz="1000"/>
+              <a:defRPr sz="900"/>
             </a:lvl4pPr>
             <a:lvl5pPr marL="1828800" indent="0">
               <a:buNone/>
-              <a:defRPr sz="1000"/>
+              <a:defRPr sz="900"/>
             </a:lvl5pPr>
             <a:lvl6pPr marL="2286000" indent="0">
               <a:buNone/>
-              <a:defRPr sz="1000"/>
+              <a:defRPr sz="900"/>
             </a:lvl6pPr>
             <a:lvl7pPr marL="2743200" indent="0">
               <a:buNone/>
-              <a:defRPr sz="1000"/>
+              <a:defRPr sz="900"/>
             </a:lvl7pPr>
             <a:lvl8pPr marL="3200400" indent="0">
               <a:buNone/>
-              <a:defRPr sz="1000"/>
+              <a:defRPr sz="900"/>
             </a:lvl8pPr>
             <a:lvl9pPr marL="3657600" indent="0">
               <a:buNone/>
-              <a:defRPr sz="1000"/>
+              <a:defRPr sz="900"/>
             </a:lvl9pPr>
           </a:lstStyle>
           <a:p>
@@ -2358,13 +2350,7 @@
       </p:sp>
       <p:sp>
         <p:nvSpPr>
-          <p:cNvPr id="5" name="Date Placeholder 4">
-            <a:extLst>
-              <a:ext uri="{FF2B5EF4-FFF2-40B4-BE49-F238E27FC236}">
-                <a16:creationId xmlns:a16="http://schemas.microsoft.com/office/drawing/2014/main" id="{5100440A-A9DC-FE42-B764-EA65E837084F}"/>
-              </a:ext>
-            </a:extLst>
-          </p:cNvPr>
+          <p:cNvPr id="5" name="Date Placeholder 4"/>
           <p:cNvSpPr>
             <a:spLocks noGrp="1"/>
           </p:cNvSpPr>
@@ -2387,13 +2373,7 @@
       </p:sp>
       <p:sp>
         <p:nvSpPr>
-          <p:cNvPr id="6" name="Footer Placeholder 5">
-            <a:extLst>
-              <a:ext uri="{FF2B5EF4-FFF2-40B4-BE49-F238E27FC236}">
-                <a16:creationId xmlns:a16="http://schemas.microsoft.com/office/drawing/2014/main" id="{E8329627-E397-A14A-B2C8-11BF988AC0C8}"/>
-              </a:ext>
-            </a:extLst>
-          </p:cNvPr>
+          <p:cNvPr id="6" name="Footer Placeholder 5"/>
           <p:cNvSpPr>
             <a:spLocks noGrp="1"/>
           </p:cNvSpPr>
@@ -2412,13 +2392,7 @@
       </p:sp>
       <p:sp>
         <p:nvSpPr>
-          <p:cNvPr id="7" name="Slide Number Placeholder 6">
-            <a:extLst>
-              <a:ext uri="{FF2B5EF4-FFF2-40B4-BE49-F238E27FC236}">
-                <a16:creationId xmlns:a16="http://schemas.microsoft.com/office/drawing/2014/main" id="{E4800FCB-D483-C84A-9627-B1CABE1C4A90}"/>
-              </a:ext>
-            </a:extLst>
-          </p:cNvPr>
+          <p:cNvPr id="7" name="Slide Number Placeholder 6"/>
           <p:cNvSpPr>
             <a:spLocks noGrp="1"/>
           </p:cNvSpPr>
@@ -2442,7 +2416,7 @@
     </p:spTree>
     <p:extLst>
       <p:ext uri="{BB962C8B-B14F-4D97-AF65-F5344CB8AC3E}">
-        <p14:creationId xmlns:p14="http://schemas.microsoft.com/office/powerpoint/2010/main" val="3077053831"/>
+        <p14:creationId xmlns:p14="http://schemas.microsoft.com/office/powerpoint/2010/main" val="1761351078"/>
       </p:ext>
     </p:extLst>
   </p:cSld>
@@ -2471,13 +2445,7 @@
       </p:grpSpPr>
       <p:sp>
         <p:nvSpPr>
-          <p:cNvPr id="2" name="Title 1">
-            <a:extLst>
-              <a:ext uri="{FF2B5EF4-FFF2-40B4-BE49-F238E27FC236}">
-                <a16:creationId xmlns:a16="http://schemas.microsoft.com/office/drawing/2014/main" id="{57F5F495-AAA4-6341-8C66-F2C3C1B13BCB}"/>
-              </a:ext>
-            </a:extLst>
-          </p:cNvPr>
+          <p:cNvPr id="2" name="Title 1"/>
           <p:cNvSpPr>
             <a:spLocks noGrp="1"/>
           </p:cNvSpPr>
@@ -2487,15 +2455,15 @@
         </p:nvSpPr>
         <p:spPr>
           <a:xfrm>
-            <a:off x="839788" y="457200"/>
-            <a:ext cx="3932237" cy="1600200"/>
+            <a:off x="2389717" y="4800600"/>
+            <a:ext cx="7315200" cy="566738"/>
           </a:xfrm>
         </p:spPr>
         <p:txBody>
           <a:bodyPr anchor="b"/>
           <a:lstStyle>
-            <a:lvl1pPr>
-              <a:defRPr sz="3200"/>
+            <a:lvl1pPr algn="l">
+              <a:defRPr sz="2000" b="1"/>
             </a:lvl1pPr>
           </a:lstStyle>
           <a:p>
@@ -2508,13 +2476,7 @@
       </p:sp>
       <p:sp>
         <p:nvSpPr>
-          <p:cNvPr id="3" name="Picture Placeholder 2">
-            <a:extLst>
-              <a:ext uri="{FF2B5EF4-FFF2-40B4-BE49-F238E27FC236}">
-                <a16:creationId xmlns:a16="http://schemas.microsoft.com/office/drawing/2014/main" id="{A49D5651-BB5A-B341-B974-EBBA7DED5469}"/>
-              </a:ext>
-            </a:extLst>
-          </p:cNvPr>
+          <p:cNvPr id="3" name="Picture Placeholder 2"/>
           <p:cNvSpPr>
             <a:spLocks noGrp="1"/>
           </p:cNvSpPr>
@@ -2524,8 +2486,8 @@
         </p:nvSpPr>
         <p:spPr>
           <a:xfrm>
-            <a:off x="5183188" y="987425"/>
-            <a:ext cx="6172200" cy="4873625"/>
+            <a:off x="2389717" y="612775"/>
+            <a:ext cx="7315200" cy="4114800"/>
           </a:xfrm>
         </p:spPr>
         <p:txBody>
@@ -2569,19 +2531,16 @@
             </a:lvl9pPr>
           </a:lstStyle>
           <a:p>
-            <a:endParaRPr lang="en-US"/>
-          </a:p>
-        </p:txBody>
-      </p:sp>
-      <p:sp>
-        <p:nvSpPr>
-          <p:cNvPr id="4" name="Text Placeholder 3">
-            <a:extLst>
-              <a:ext uri="{FF2B5EF4-FFF2-40B4-BE49-F238E27FC236}">
-                <a16:creationId xmlns:a16="http://schemas.microsoft.com/office/drawing/2014/main" id="{F7E6EC44-08AD-0048-8072-A12122B20E68}"/>
-              </a:ext>
-            </a:extLst>
-          </p:cNvPr>
+            <a:r>
+              <a:rPr lang="en-US"/>
+              <a:t>Click icon to add picture</a:t>
+            </a:r>
+          </a:p>
+        </p:txBody>
+      </p:sp>
+      <p:sp>
+        <p:nvSpPr>
+          <p:cNvPr id="4" name="Text Placeholder 3"/>
           <p:cNvSpPr>
             <a:spLocks noGrp="1"/>
           </p:cNvSpPr>
@@ -2591,8 +2550,8 @@
         </p:nvSpPr>
         <p:spPr>
           <a:xfrm>
-            <a:off x="839788" y="2057400"/>
-            <a:ext cx="3932237" cy="3811588"/>
+            <a:off x="2389717" y="5367338"/>
+            <a:ext cx="7315200" cy="804862"/>
           </a:xfrm>
         </p:spPr>
         <p:txBody>
@@ -2600,39 +2559,39 @@
           <a:lstStyle>
             <a:lvl1pPr marL="0" indent="0">
               <a:buNone/>
-              <a:defRPr sz="1600"/>
+              <a:defRPr sz="1400"/>
             </a:lvl1pPr>
             <a:lvl2pPr marL="457200" indent="0">
               <a:buNone/>
-              <a:defRPr sz="1400"/>
+              <a:defRPr sz="1200"/>
             </a:lvl2pPr>
             <a:lvl3pPr marL="914400" indent="0">
               <a:buNone/>
-              <a:defRPr sz="1200"/>
+              <a:defRPr sz="1000"/>
             </a:lvl3pPr>
             <a:lvl4pPr marL="1371600" indent="0">
               <a:buNone/>
-              <a:defRPr sz="1000"/>
+              <a:defRPr sz="900"/>
             </a:lvl4pPr>
             <a:lvl5pPr marL="1828800" indent="0">
               <a:buNone/>
-              <a:defRPr sz="1000"/>
+              <a:defRPr sz="900"/>
             </a:lvl5pPr>
             <a:lvl6pPr marL="2286000" indent="0">
               <a:buNone/>
-              <a:defRPr sz="1000"/>
+              <a:defRPr sz="900"/>
             </a:lvl6pPr>
             <a:lvl7pPr marL="2743200" indent="0">
               <a:buNone/>
-              <a:defRPr sz="1000"/>
+              <a:defRPr sz="900"/>
             </a:lvl7pPr>
             <a:lvl8pPr marL="3200400" indent="0">
               <a:buNone/>
-              <a:defRPr sz="1000"/>
+              <a:defRPr sz="900"/>
             </a:lvl8pPr>
             <a:lvl9pPr marL="3657600" indent="0">
               <a:buNone/>
-              <a:defRPr sz="1000"/>
+              <a:defRPr sz="900"/>
             </a:lvl9pPr>
           </a:lstStyle>
           <a:p>
@@ -2646,13 +2605,7 @@
       </p:sp>
       <p:sp>
         <p:nvSpPr>
-          <p:cNvPr id="5" name="Date Placeholder 4">
-            <a:extLst>
-              <a:ext uri="{FF2B5EF4-FFF2-40B4-BE49-F238E27FC236}">
-                <a16:creationId xmlns:a16="http://schemas.microsoft.com/office/drawing/2014/main" id="{637A83EF-7044-F64B-BD8B-D379F43FC0D3}"/>
-              </a:ext>
-            </a:extLst>
-          </p:cNvPr>
+          <p:cNvPr id="5" name="Date Placeholder 4"/>
           <p:cNvSpPr>
             <a:spLocks noGrp="1"/>
           </p:cNvSpPr>
@@ -2675,13 +2628,7 @@
       </p:sp>
       <p:sp>
         <p:nvSpPr>
-          <p:cNvPr id="6" name="Footer Placeholder 5">
-            <a:extLst>
-              <a:ext uri="{FF2B5EF4-FFF2-40B4-BE49-F238E27FC236}">
-                <a16:creationId xmlns:a16="http://schemas.microsoft.com/office/drawing/2014/main" id="{0806FBC0-14B8-CA45-961F-D3C700257E1C}"/>
-              </a:ext>
-            </a:extLst>
-          </p:cNvPr>
+          <p:cNvPr id="6" name="Footer Placeholder 5"/>
           <p:cNvSpPr>
             <a:spLocks noGrp="1"/>
           </p:cNvSpPr>
@@ -2700,13 +2647,7 @@
       </p:sp>
       <p:sp>
         <p:nvSpPr>
-          <p:cNvPr id="7" name="Slide Number Placeholder 6">
-            <a:extLst>
-              <a:ext uri="{FF2B5EF4-FFF2-40B4-BE49-F238E27FC236}">
-                <a16:creationId xmlns:a16="http://schemas.microsoft.com/office/drawing/2014/main" id="{04A7C66F-E181-DD4B-9FF3-ED68A3792FDC}"/>
-              </a:ext>
-            </a:extLst>
-          </p:cNvPr>
+          <p:cNvPr id="7" name="Slide Number Placeholder 6"/>
           <p:cNvSpPr>
             <a:spLocks noGrp="1"/>
           </p:cNvSpPr>
@@ -2730,7 +2671,7 @@
     </p:spTree>
     <p:extLst>
       <p:ext uri="{BB962C8B-B14F-4D97-AF65-F5344CB8AC3E}">
-        <p14:creationId xmlns:p14="http://schemas.microsoft.com/office/powerpoint/2010/main" val="3199439364"/>
+        <p14:creationId xmlns:p14="http://schemas.microsoft.com/office/powerpoint/2010/main" val="3332271658"/>
       </p:ext>
     </p:extLst>
   </p:cSld>
@@ -2764,13 +2705,7 @@
       </p:grpSpPr>
       <p:sp>
         <p:nvSpPr>
-          <p:cNvPr id="2" name="Title Placeholder 1">
-            <a:extLst>
-              <a:ext uri="{FF2B5EF4-FFF2-40B4-BE49-F238E27FC236}">
-                <a16:creationId xmlns:a16="http://schemas.microsoft.com/office/drawing/2014/main" id="{16B7C49C-110B-7A48-B41B-33616973BF7B}"/>
-              </a:ext>
-            </a:extLst>
-          </p:cNvPr>
+          <p:cNvPr id="2" name="Title Placeholder 1"/>
           <p:cNvSpPr>
             <a:spLocks noGrp="1"/>
           </p:cNvSpPr>
@@ -2780,8 +2715,8 @@
         </p:nvSpPr>
         <p:spPr>
           <a:xfrm>
-            <a:off x="838200" y="365125"/>
-            <a:ext cx="10515600" cy="1325563"/>
+            <a:off x="609600" y="274638"/>
+            <a:ext cx="10972800" cy="1143000"/>
           </a:xfrm>
           <a:prstGeom prst="rect">
             <a:avLst/>
@@ -2797,18 +2732,13 @@
               <a:rPr lang="en-US"/>
               <a:t>Click to edit Master title style</a:t>
             </a:r>
-          </a:p>
-        </p:txBody>
-      </p:sp>
-      <p:sp>
-        <p:nvSpPr>
-          <p:cNvPr id="3" name="Text Placeholder 2">
-            <a:extLst>
-              <a:ext uri="{FF2B5EF4-FFF2-40B4-BE49-F238E27FC236}">
-                <a16:creationId xmlns:a16="http://schemas.microsoft.com/office/drawing/2014/main" id="{6AACDF6A-A8B7-3840-A2D7-65EE9631259F}"/>
-              </a:ext>
-            </a:extLst>
-          </p:cNvPr>
+            <a:endParaRPr lang="en-US" dirty="0"/>
+          </a:p>
+        </p:txBody>
+      </p:sp>
+      <p:sp>
+        <p:nvSpPr>
+          <p:cNvPr id="3" name="Text Placeholder 2"/>
           <p:cNvSpPr>
             <a:spLocks noGrp="1"/>
           </p:cNvSpPr>
@@ -2818,8 +2748,8 @@
         </p:nvSpPr>
         <p:spPr>
           <a:xfrm>
-            <a:off x="838200" y="1825625"/>
-            <a:ext cx="10515600" cy="4351338"/>
+            <a:off x="609600" y="1600201"/>
+            <a:ext cx="10972800" cy="4525963"/>
           </a:xfrm>
           <a:prstGeom prst="rect">
             <a:avLst/>
@@ -2869,13 +2799,7 @@
       </p:sp>
       <p:sp>
         <p:nvSpPr>
-          <p:cNvPr id="4" name="Date Placeholder 3">
-            <a:extLst>
-              <a:ext uri="{FF2B5EF4-FFF2-40B4-BE49-F238E27FC236}">
-                <a16:creationId xmlns:a16="http://schemas.microsoft.com/office/drawing/2014/main" id="{E8D2BF35-C7EF-A949-9A66-BC6F2FC822FE}"/>
-              </a:ext>
-            </a:extLst>
-          </p:cNvPr>
+          <p:cNvPr id="4" name="Date Placeholder 3"/>
           <p:cNvSpPr>
             <a:spLocks noGrp="1"/>
           </p:cNvSpPr>
@@ -2885,8 +2809,8 @@
         </p:nvSpPr>
         <p:spPr>
           <a:xfrm>
-            <a:off x="838200" y="6356350"/>
-            <a:ext cx="2743200" cy="365125"/>
+            <a:off x="609600" y="6356351"/>
+            <a:ext cx="2844800" cy="365125"/>
           </a:xfrm>
           <a:prstGeom prst="rect">
             <a:avLst/>
@@ -2916,13 +2840,7 @@
       </p:sp>
       <p:sp>
         <p:nvSpPr>
-          <p:cNvPr id="5" name="Footer Placeholder 4">
-            <a:extLst>
-              <a:ext uri="{FF2B5EF4-FFF2-40B4-BE49-F238E27FC236}">
-                <a16:creationId xmlns:a16="http://schemas.microsoft.com/office/drawing/2014/main" id="{DE71F042-0510-EF43-8BE3-0CA6241594A4}"/>
-              </a:ext>
-            </a:extLst>
-          </p:cNvPr>
+          <p:cNvPr id="5" name="Footer Placeholder 4"/>
           <p:cNvSpPr>
             <a:spLocks noGrp="1"/>
           </p:cNvSpPr>
@@ -2932,8 +2850,8 @@
         </p:nvSpPr>
         <p:spPr>
           <a:xfrm>
-            <a:off x="4038600" y="6356350"/>
-            <a:ext cx="4114800" cy="365125"/>
+            <a:off x="4165600" y="6356351"/>
+            <a:ext cx="3860800" cy="365125"/>
           </a:xfrm>
           <a:prstGeom prst="rect">
             <a:avLst/>
@@ -2959,13 +2877,7 @@
       </p:sp>
       <p:sp>
         <p:nvSpPr>
-          <p:cNvPr id="6" name="Slide Number Placeholder 5">
-            <a:extLst>
-              <a:ext uri="{FF2B5EF4-FFF2-40B4-BE49-F238E27FC236}">
-                <a16:creationId xmlns:a16="http://schemas.microsoft.com/office/drawing/2014/main" id="{27D76515-0B4D-B240-9624-B26CC47FEBCF}"/>
-              </a:ext>
-            </a:extLst>
-          </p:cNvPr>
+          <p:cNvPr id="6" name="Slide Number Placeholder 5"/>
           <p:cNvSpPr>
             <a:spLocks noGrp="1"/>
           </p:cNvSpPr>
@@ -2975,8 +2887,8 @@
         </p:nvSpPr>
         <p:spPr>
           <a:xfrm>
-            <a:off x="8610600" y="6356350"/>
-            <a:ext cx="2743200" cy="365125"/>
+            <a:off x="8737600" y="6356351"/>
+            <a:ext cx="2844800" cy="365125"/>
           </a:xfrm>
           <a:prstGeom prst="rect">
             <a:avLst/>
@@ -3007,30 +2919,27 @@
     </p:spTree>
     <p:extLst>
       <p:ext uri="{BB962C8B-B14F-4D97-AF65-F5344CB8AC3E}">
-        <p14:creationId xmlns:p14="http://schemas.microsoft.com/office/powerpoint/2010/main" val="18574735"/>
+        <p14:creationId xmlns:p14="http://schemas.microsoft.com/office/powerpoint/2010/main" val="3074184427"/>
       </p:ext>
     </p:extLst>
   </p:cSld>
   <p:clrMap bg1="lt1" tx1="dk1" bg2="lt2" tx2="dk2" accent1="accent1" accent2="accent2" accent3="accent3" accent4="accent4" accent5="accent5" accent6="accent6" hlink="hlink" folHlink="folHlink"/>
   <p:sldLayoutIdLst>
-    <p:sldLayoutId id="2147483649" r:id="rId1"/>
-    <p:sldLayoutId id="2147483650" r:id="rId2"/>
-    <p:sldLayoutId id="2147483651" r:id="rId3"/>
-    <p:sldLayoutId id="2147483652" r:id="rId4"/>
-    <p:sldLayoutId id="2147483653" r:id="rId5"/>
-    <p:sldLayoutId id="2147483654" r:id="rId6"/>
-    <p:sldLayoutId id="2147483655" r:id="rId7"/>
-    <p:sldLayoutId id="2147483656" r:id="rId8"/>
-    <p:sldLayoutId id="2147483657" r:id="rId9"/>
-    <p:sldLayoutId id="2147483658" r:id="rId10"/>
-    <p:sldLayoutId id="2147483659" r:id="rId11"/>
+    <p:sldLayoutId id="2147483709" r:id="rId1"/>
+    <p:sldLayoutId id="2147483710" r:id="rId2"/>
+    <p:sldLayoutId id="2147483711" r:id="rId3"/>
+    <p:sldLayoutId id="2147483712" r:id="rId4"/>
+    <p:sldLayoutId id="2147483713" r:id="rId5"/>
+    <p:sldLayoutId id="2147483714" r:id="rId6"/>
+    <p:sldLayoutId id="2147483715" r:id="rId7"/>
+    <p:sldLayoutId id="2147483716" r:id="rId8"/>
+    <p:sldLayoutId id="2147483717" r:id="rId9"/>
+    <p:sldLayoutId id="2147483718" r:id="rId10"/>
+    <p:sldLayoutId id="2147483719" r:id="rId11"/>
   </p:sldLayoutIdLst>
   <p:txStyles>
     <p:titleStyle>
-      <a:lvl1pPr algn="l" defTabSz="914400" rtl="0" eaLnBrk="1" latinLnBrk="0" hangingPunct="1">
-        <a:lnSpc>
-          <a:spcPct val="90000"/>
-        </a:lnSpc>
+      <a:lvl1pPr algn="ctr" defTabSz="457200" rtl="0" eaLnBrk="1" latinLnBrk="0" hangingPunct="1">
         <a:spcBef>
           <a:spcPct val="0"/>
         </a:spcBef>
@@ -3046,15 +2955,27 @@
       </a:lvl1pPr>
     </p:titleStyle>
     <p:bodyStyle>
-      <a:lvl1pPr marL="228600" indent="-228600" algn="l" defTabSz="914400" rtl="0" eaLnBrk="1" latinLnBrk="0" hangingPunct="1">
-        <a:lnSpc>
-          <a:spcPct val="90000"/>
-        </a:lnSpc>
+      <a:lvl1pPr marL="342900" indent="-342900" algn="l" defTabSz="457200" rtl="0" eaLnBrk="1" latinLnBrk="0" hangingPunct="1">
         <a:spcBef>
-          <a:spcPts val="1000"/>
+          <a:spcPct val="20000"/>
         </a:spcBef>
-        <a:buFont typeface="Arial" panose="020B0604020202020204" pitchFamily="34" charset="0"/>
+        <a:buFont typeface="Arial"/>
         <a:buChar char="•"/>
+        <a:defRPr sz="3200" kern="1200">
+          <a:solidFill>
+            <a:schemeClr val="tx1"/>
+          </a:solidFill>
+          <a:latin typeface="+mn-lt"/>
+          <a:ea typeface="+mn-ea"/>
+          <a:cs typeface="+mn-cs"/>
+        </a:defRPr>
+      </a:lvl1pPr>
+      <a:lvl2pPr marL="742950" indent="-285750" algn="l" defTabSz="457200" rtl="0" eaLnBrk="1" latinLnBrk="0" hangingPunct="1">
+        <a:spcBef>
+          <a:spcPct val="20000"/>
+        </a:spcBef>
+        <a:buFont typeface="Arial"/>
+        <a:buChar char="–"/>
         <a:defRPr sz="2800" kern="1200">
           <a:solidFill>
             <a:schemeClr val="tx1"/>
@@ -3063,15 +2984,12 @@
           <a:ea typeface="+mn-ea"/>
           <a:cs typeface="+mn-cs"/>
         </a:defRPr>
-      </a:lvl1pPr>
-      <a:lvl2pPr marL="685800" indent="-228600" algn="l" defTabSz="914400" rtl="0" eaLnBrk="1" latinLnBrk="0" hangingPunct="1">
-        <a:lnSpc>
-          <a:spcPct val="90000"/>
-        </a:lnSpc>
+      </a:lvl2pPr>
+      <a:lvl3pPr marL="1143000" indent="-228600" algn="l" defTabSz="457200" rtl="0" eaLnBrk="1" latinLnBrk="0" hangingPunct="1">
         <a:spcBef>
-          <a:spcPts val="500"/>
+          <a:spcPct val="20000"/>
         </a:spcBef>
-        <a:buFont typeface="Arial" panose="020B0604020202020204" pitchFamily="34" charset="0"/>
+        <a:buFont typeface="Arial"/>
         <a:buChar char="•"/>
         <a:defRPr sz="2400" kern="1200">
           <a:solidFill>
@@ -3081,15 +2999,42 @@
           <a:ea typeface="+mn-ea"/>
           <a:cs typeface="+mn-cs"/>
         </a:defRPr>
-      </a:lvl2pPr>
-      <a:lvl3pPr marL="1143000" indent="-228600" algn="l" defTabSz="914400" rtl="0" eaLnBrk="1" latinLnBrk="0" hangingPunct="1">
-        <a:lnSpc>
-          <a:spcPct val="90000"/>
-        </a:lnSpc>
+      </a:lvl3pPr>
+      <a:lvl4pPr marL="1600200" indent="-228600" algn="l" defTabSz="457200" rtl="0" eaLnBrk="1" latinLnBrk="0" hangingPunct="1">
         <a:spcBef>
-          <a:spcPts val="500"/>
+          <a:spcPct val="20000"/>
         </a:spcBef>
-        <a:buFont typeface="Arial" panose="020B0604020202020204" pitchFamily="34" charset="0"/>
+        <a:buFont typeface="Arial"/>
+        <a:buChar char="–"/>
+        <a:defRPr sz="2000" kern="1200">
+          <a:solidFill>
+            <a:schemeClr val="tx1"/>
+          </a:solidFill>
+          <a:latin typeface="+mn-lt"/>
+          <a:ea typeface="+mn-ea"/>
+          <a:cs typeface="+mn-cs"/>
+        </a:defRPr>
+      </a:lvl4pPr>
+      <a:lvl5pPr marL="2057400" indent="-228600" algn="l" defTabSz="457200" rtl="0" eaLnBrk="1" latinLnBrk="0" hangingPunct="1">
+        <a:spcBef>
+          <a:spcPct val="20000"/>
+        </a:spcBef>
+        <a:buFont typeface="Arial"/>
+        <a:buChar char="»"/>
+        <a:defRPr sz="2000" kern="1200">
+          <a:solidFill>
+            <a:schemeClr val="tx1"/>
+          </a:solidFill>
+          <a:latin typeface="+mn-lt"/>
+          <a:ea typeface="+mn-ea"/>
+          <a:cs typeface="+mn-cs"/>
+        </a:defRPr>
+      </a:lvl5pPr>
+      <a:lvl6pPr marL="2514600" indent="-228600" algn="l" defTabSz="457200" rtl="0" eaLnBrk="1" latinLnBrk="0" hangingPunct="1">
+        <a:spcBef>
+          <a:spcPct val="20000"/>
+        </a:spcBef>
+        <a:buFont typeface="Arial"/>
         <a:buChar char="•"/>
         <a:defRPr sz="2000" kern="1200">
           <a:solidFill>
@@ -3099,71 +3044,14 @@
           <a:ea typeface="+mn-ea"/>
           <a:cs typeface="+mn-cs"/>
         </a:defRPr>
-      </a:lvl3pPr>
-      <a:lvl4pPr marL="1600200" indent="-228600" algn="l" defTabSz="914400" rtl="0" eaLnBrk="1" latinLnBrk="0" hangingPunct="1">
-        <a:lnSpc>
-          <a:spcPct val="90000"/>
-        </a:lnSpc>
+      </a:lvl6pPr>
+      <a:lvl7pPr marL="2971800" indent="-228600" algn="l" defTabSz="457200" rtl="0" eaLnBrk="1" latinLnBrk="0" hangingPunct="1">
         <a:spcBef>
-          <a:spcPts val="500"/>
+          <a:spcPct val="20000"/>
         </a:spcBef>
-        <a:buFont typeface="Arial" panose="020B0604020202020204" pitchFamily="34" charset="0"/>
+        <a:buFont typeface="Arial"/>
         <a:buChar char="•"/>
-        <a:defRPr sz="1800" kern="1200">
-          <a:solidFill>
-            <a:schemeClr val="tx1"/>
-          </a:solidFill>
-          <a:latin typeface="+mn-lt"/>
-          <a:ea typeface="+mn-ea"/>
-          <a:cs typeface="+mn-cs"/>
-        </a:defRPr>
-      </a:lvl4pPr>
-      <a:lvl5pPr marL="2057400" indent="-228600" algn="l" defTabSz="914400" rtl="0" eaLnBrk="1" latinLnBrk="0" hangingPunct="1">
-        <a:lnSpc>
-          <a:spcPct val="90000"/>
-        </a:lnSpc>
-        <a:spcBef>
-          <a:spcPts val="500"/>
-        </a:spcBef>
-        <a:buFont typeface="Arial" panose="020B0604020202020204" pitchFamily="34" charset="0"/>
-        <a:buChar char="•"/>
-        <a:defRPr sz="1800" kern="1200">
-          <a:solidFill>
-            <a:schemeClr val="tx1"/>
-          </a:solidFill>
-          <a:latin typeface="+mn-lt"/>
-          <a:ea typeface="+mn-ea"/>
-          <a:cs typeface="+mn-cs"/>
-        </a:defRPr>
-      </a:lvl5pPr>
-      <a:lvl6pPr marL="2514600" indent="-228600" algn="l" defTabSz="914400" rtl="0" eaLnBrk="1" latinLnBrk="0" hangingPunct="1">
-        <a:lnSpc>
-          <a:spcPct val="90000"/>
-        </a:lnSpc>
-        <a:spcBef>
-          <a:spcPts val="500"/>
-        </a:spcBef>
-        <a:buFont typeface="Arial" panose="020B0604020202020204" pitchFamily="34" charset="0"/>
-        <a:buChar char="•"/>
-        <a:defRPr sz="1800" kern="1200">
-          <a:solidFill>
-            <a:schemeClr val="tx1"/>
-          </a:solidFill>
-          <a:latin typeface="+mn-lt"/>
-          <a:ea typeface="+mn-ea"/>
-          <a:cs typeface="+mn-cs"/>
-        </a:defRPr>
-      </a:lvl6pPr>
-      <a:lvl7pPr marL="2971800" indent="-228600" algn="l" defTabSz="914400" rtl="0" eaLnBrk="1" latinLnBrk="0" hangingPunct="1">
-        <a:lnSpc>
-          <a:spcPct val="90000"/>
-        </a:lnSpc>
-        <a:spcBef>
-          <a:spcPts val="500"/>
-        </a:spcBef>
-        <a:buFont typeface="Arial" panose="020B0604020202020204" pitchFamily="34" charset="0"/>
-        <a:buChar char="•"/>
-        <a:defRPr sz="1800" kern="1200">
+        <a:defRPr sz="2000" kern="1200">
           <a:solidFill>
             <a:schemeClr val="tx1"/>
           </a:solidFill>
@@ -3172,16 +3060,13 @@
           <a:cs typeface="+mn-cs"/>
         </a:defRPr>
       </a:lvl7pPr>
-      <a:lvl8pPr marL="3429000" indent="-228600" algn="l" defTabSz="914400" rtl="0" eaLnBrk="1" latinLnBrk="0" hangingPunct="1">
-        <a:lnSpc>
-          <a:spcPct val="90000"/>
-        </a:lnSpc>
+      <a:lvl8pPr marL="3429000" indent="-228600" algn="l" defTabSz="457200" rtl="0" eaLnBrk="1" latinLnBrk="0" hangingPunct="1">
         <a:spcBef>
-          <a:spcPts val="500"/>
+          <a:spcPct val="20000"/>
         </a:spcBef>
-        <a:buFont typeface="Arial" panose="020B0604020202020204" pitchFamily="34" charset="0"/>
+        <a:buFont typeface="Arial"/>
         <a:buChar char="•"/>
-        <a:defRPr sz="1800" kern="1200">
+        <a:defRPr sz="2000" kern="1200">
           <a:solidFill>
             <a:schemeClr val="tx1"/>
           </a:solidFill>
@@ -3190,16 +3075,13 @@
           <a:cs typeface="+mn-cs"/>
         </a:defRPr>
       </a:lvl8pPr>
-      <a:lvl9pPr marL="3886200" indent="-228600" algn="l" defTabSz="914400" rtl="0" eaLnBrk="1" latinLnBrk="0" hangingPunct="1">
-        <a:lnSpc>
-          <a:spcPct val="90000"/>
-        </a:lnSpc>
+      <a:lvl9pPr marL="3886200" indent="-228600" algn="l" defTabSz="457200" rtl="0" eaLnBrk="1" latinLnBrk="0" hangingPunct="1">
         <a:spcBef>
-          <a:spcPts val="500"/>
+          <a:spcPct val="20000"/>
         </a:spcBef>
-        <a:buFont typeface="Arial" panose="020B0604020202020204" pitchFamily="34" charset="0"/>
+        <a:buFont typeface="Arial"/>
         <a:buChar char="•"/>
-        <a:defRPr sz="1800" kern="1200">
+        <a:defRPr sz="2000" kern="1200">
           <a:solidFill>
             <a:schemeClr val="tx1"/>
           </a:solidFill>
@@ -3213,7 +3095,7 @@
       <a:defPPr>
         <a:defRPr lang="en-US"/>
       </a:defPPr>
-      <a:lvl1pPr marL="0" algn="l" defTabSz="914400" rtl="0" eaLnBrk="1" latinLnBrk="0" hangingPunct="1">
+      <a:lvl1pPr marL="0" algn="l" defTabSz="457200" rtl="0" eaLnBrk="1" latinLnBrk="0" hangingPunct="1">
         <a:defRPr sz="1800" kern="1200">
           <a:solidFill>
             <a:schemeClr val="tx1"/>
@@ -3223,7 +3105,7 @@
           <a:cs typeface="+mn-cs"/>
         </a:defRPr>
       </a:lvl1pPr>
-      <a:lvl2pPr marL="457200" algn="l" defTabSz="914400" rtl="0" eaLnBrk="1" latinLnBrk="0" hangingPunct="1">
+      <a:lvl2pPr marL="457200" algn="l" defTabSz="457200" rtl="0" eaLnBrk="1" latinLnBrk="0" hangingPunct="1">
         <a:defRPr sz="1800" kern="1200">
           <a:solidFill>
             <a:schemeClr val="tx1"/>
@@ -3233,7 +3115,7 @@
           <a:cs typeface="+mn-cs"/>
         </a:defRPr>
       </a:lvl2pPr>
-      <a:lvl3pPr marL="914400" algn="l" defTabSz="914400" rtl="0" eaLnBrk="1" latinLnBrk="0" hangingPunct="1">
+      <a:lvl3pPr marL="914400" algn="l" defTabSz="457200" rtl="0" eaLnBrk="1" latinLnBrk="0" hangingPunct="1">
         <a:defRPr sz="1800" kern="1200">
           <a:solidFill>
             <a:schemeClr val="tx1"/>
@@ -3243,7 +3125,7 @@
           <a:cs typeface="+mn-cs"/>
         </a:defRPr>
       </a:lvl3pPr>
-      <a:lvl4pPr marL="1371600" algn="l" defTabSz="914400" rtl="0" eaLnBrk="1" latinLnBrk="0" hangingPunct="1">
+      <a:lvl4pPr marL="1371600" algn="l" defTabSz="457200" rtl="0" eaLnBrk="1" latinLnBrk="0" hangingPunct="1">
         <a:defRPr sz="1800" kern="1200">
           <a:solidFill>
             <a:schemeClr val="tx1"/>
@@ -3253,7 +3135,7 @@
           <a:cs typeface="+mn-cs"/>
         </a:defRPr>
       </a:lvl4pPr>
-      <a:lvl5pPr marL="1828800" algn="l" defTabSz="914400" rtl="0" eaLnBrk="1" latinLnBrk="0" hangingPunct="1">
+      <a:lvl5pPr marL="1828800" algn="l" defTabSz="457200" rtl="0" eaLnBrk="1" latinLnBrk="0" hangingPunct="1">
         <a:defRPr sz="1800" kern="1200">
           <a:solidFill>
             <a:schemeClr val="tx1"/>
@@ -3263,7 +3145,7 @@
           <a:cs typeface="+mn-cs"/>
         </a:defRPr>
       </a:lvl5pPr>
-      <a:lvl6pPr marL="2286000" algn="l" defTabSz="914400" rtl="0" eaLnBrk="1" latinLnBrk="0" hangingPunct="1">
+      <a:lvl6pPr marL="2286000" algn="l" defTabSz="457200" rtl="0" eaLnBrk="1" latinLnBrk="0" hangingPunct="1">
         <a:defRPr sz="1800" kern="1200">
           <a:solidFill>
             <a:schemeClr val="tx1"/>
@@ -3273,7 +3155,7 @@
           <a:cs typeface="+mn-cs"/>
         </a:defRPr>
       </a:lvl6pPr>
-      <a:lvl7pPr marL="2743200" algn="l" defTabSz="914400" rtl="0" eaLnBrk="1" latinLnBrk="0" hangingPunct="1">
+      <a:lvl7pPr marL="2743200" algn="l" defTabSz="457200" rtl="0" eaLnBrk="1" latinLnBrk="0" hangingPunct="1">
         <a:defRPr sz="1800" kern="1200">
           <a:solidFill>
             <a:schemeClr val="tx1"/>
@@ -3283,7 +3165,7 @@
           <a:cs typeface="+mn-cs"/>
         </a:defRPr>
       </a:lvl7pPr>
-      <a:lvl8pPr marL="3200400" algn="l" defTabSz="914400" rtl="0" eaLnBrk="1" latinLnBrk="0" hangingPunct="1">
+      <a:lvl8pPr marL="3200400" algn="l" defTabSz="457200" rtl="0" eaLnBrk="1" latinLnBrk="0" hangingPunct="1">
         <a:defRPr sz="1800" kern="1200">
           <a:solidFill>
             <a:schemeClr val="tx1"/>
@@ -3293,7 +3175,7 @@
           <a:cs typeface="+mn-cs"/>
         </a:defRPr>
       </a:lvl8pPr>
-      <a:lvl9pPr marL="3657600" algn="l" defTabSz="914400" rtl="0" eaLnBrk="1" latinLnBrk="0" hangingPunct="1">
+      <a:lvl9pPr marL="3657600" algn="l" defTabSz="457200" rtl="0" eaLnBrk="1" latinLnBrk="0" hangingPunct="1">
         <a:defRPr sz="1800" kern="1200">
           <a:solidFill>
             <a:schemeClr val="tx1"/>
@@ -3426,10 +3308,12 @@
         </p:nvSpPr>
         <p:spPr/>
         <p:txBody>
-          <a:bodyPr/>
-          <a:lstStyle/>
-          <a:p>
-            <a:endParaRPr lang="en-US"/>
+          <a:bodyPr>
+            <a:normAutofit/>
+          </a:bodyPr>
+          <a:lstStyle/>
+          <a:p>
+            <a:endParaRPr lang="en-US" dirty="0"/>
           </a:p>
         </p:txBody>
       </p:sp>
@@ -3536,7 +3420,9 @@
         </p:nvSpPr>
         <p:spPr/>
         <p:txBody>
-          <a:bodyPr/>
+          <a:bodyPr>
+            <a:normAutofit fontScale="90000"/>
+          </a:bodyPr>
           <a:lstStyle/>
           <a:p>
             <a:r>
@@ -3655,7 +3541,9 @@
         </p:nvSpPr>
         <p:spPr/>
         <p:txBody>
-          <a:bodyPr/>
+          <a:bodyPr>
+            <a:normAutofit/>
+          </a:bodyPr>
           <a:lstStyle/>
           <a:p>
             <a:r>
@@ -3773,16 +3661,14 @@
         </p:nvSpPr>
         <p:spPr/>
         <p:txBody>
-          <a:bodyPr/>
+          <a:bodyPr>
+            <a:normAutofit/>
+          </a:bodyPr>
           <a:lstStyle/>
           <a:p>
             <a:r>
               <a:rPr lang="en-US" dirty="0"/>
-              <a:t>Setting </a:t>
-            </a:r>
-            <a:r>
-              <a:rPr lang="en-US"/>
-              <a:t>up Git</a:t>
+              <a:t>1. Setting up git</a:t>
             </a:r>
           </a:p>
         </p:txBody>
@@ -3808,7 +3694,44 @@
           <a:bodyPr/>
           <a:lstStyle/>
           <a:p>
-            <a:endParaRPr lang="en-US"/>
+            <a:pPr marL="0" indent="0">
+              <a:buNone/>
+            </a:pPr>
+            <a:r>
+              <a:rPr lang="en-US" dirty="0"/>
+              <a:t>1.1 - Download git</a:t>
+            </a:r>
+          </a:p>
+          <a:p>
+            <a:pPr marL="0" indent="0">
+              <a:buNone/>
+            </a:pPr>
+            <a:r>
+              <a:rPr lang="en-US" dirty="0"/>
+              <a:t>1.2 - Configure git</a:t>
+            </a:r>
+          </a:p>
+          <a:p>
+            <a:pPr lvl="2"/>
+            <a:r>
+              <a:rPr lang="en-US" dirty="0"/>
+              <a:t>Username &amp; email</a:t>
+            </a:r>
+          </a:p>
+          <a:p>
+            <a:pPr lvl="2"/>
+            <a:r>
+              <a:rPr lang="en-US" dirty="0" err="1"/>
+              <a:t>Linebreak</a:t>
+            </a:r>
+            <a:endParaRPr lang="en-US" dirty="0"/>
+          </a:p>
+          <a:p>
+            <a:pPr lvl="2"/>
+            <a:r>
+              <a:rPr lang="en-US" dirty="0"/>
+              <a:t>Text editor</a:t>
+            </a:r>
           </a:p>
         </p:txBody>
       </p:sp>
@@ -3825,8 +3748,96 @@
 </p:sld>
 </file>
 
+<file path=ppt/slides/slide6.xml><?xml version="1.0" encoding="utf-8"?>
+<p:sld xmlns:a="http://schemas.openxmlformats.org/drawingml/2006/main" xmlns:r="http://schemas.openxmlformats.org/officeDocument/2006/relationships" xmlns:p="http://schemas.openxmlformats.org/presentationml/2006/main">
+  <p:cSld>
+    <p:spTree>
+      <p:nvGrpSpPr>
+        <p:cNvPr id="1" name=""/>
+        <p:cNvGrpSpPr/>
+        <p:nvPr/>
+      </p:nvGrpSpPr>
+      <p:grpSpPr>
+        <a:xfrm>
+          <a:off x="0" y="0"/>
+          <a:ext cx="0" cy="0"/>
+          <a:chOff x="0" y="0"/>
+          <a:chExt cx="0" cy="0"/>
+        </a:xfrm>
+      </p:grpSpPr>
+      <p:sp>
+        <p:nvSpPr>
+          <p:cNvPr id="2" name="Title 1">
+            <a:extLst>
+              <a:ext uri="{FF2B5EF4-FFF2-40B4-BE49-F238E27FC236}">
+                <a16:creationId xmlns:a16="http://schemas.microsoft.com/office/drawing/2014/main" id="{3004C11F-63CC-3646-B050-F9E395519B8E}"/>
+              </a:ext>
+            </a:extLst>
+          </p:cNvPr>
+          <p:cNvSpPr>
+            <a:spLocks noGrp="1"/>
+          </p:cNvSpPr>
+          <p:nvPr>
+            <p:ph type="title"/>
+          </p:nvPr>
+        </p:nvSpPr>
+        <p:spPr/>
+        <p:txBody>
+          <a:bodyPr/>
+          <a:lstStyle/>
+          <a:p>
+            <a:r>
+              <a:rPr lang="en-US" dirty="0"/>
+              <a:t>2. </a:t>
+            </a:r>
+            <a:r>
+              <a:rPr lang="en-US"/>
+              <a:t>Creating a repository</a:t>
+            </a:r>
+            <a:endParaRPr lang="en-US" dirty="0"/>
+          </a:p>
+        </p:txBody>
+      </p:sp>
+      <p:sp>
+        <p:nvSpPr>
+          <p:cNvPr id="3" name="Content Placeholder 2">
+            <a:extLst>
+              <a:ext uri="{FF2B5EF4-FFF2-40B4-BE49-F238E27FC236}">
+                <a16:creationId xmlns:a16="http://schemas.microsoft.com/office/drawing/2014/main" id="{2548549D-066A-5A46-8B3F-31379D73F9D4}"/>
+              </a:ext>
+            </a:extLst>
+          </p:cNvPr>
+          <p:cNvSpPr>
+            <a:spLocks noGrp="1"/>
+          </p:cNvSpPr>
+          <p:nvPr>
+            <p:ph idx="1"/>
+          </p:nvPr>
+        </p:nvSpPr>
+        <p:spPr/>
+        <p:txBody>
+          <a:bodyPr/>
+          <a:lstStyle/>
+          <a:p>
+            <a:endParaRPr lang="en-US" dirty="0"/>
+          </a:p>
+        </p:txBody>
+      </p:sp>
+    </p:spTree>
+    <p:extLst>
+      <p:ext uri="{BB962C8B-B14F-4D97-AF65-F5344CB8AC3E}">
+        <p14:creationId xmlns:p14="http://schemas.microsoft.com/office/powerpoint/2010/main" val="2143766347"/>
+      </p:ext>
+    </p:extLst>
+  </p:cSld>
+  <p:clrMapOvr>
+    <a:masterClrMapping/>
+  </p:clrMapOvr>
+</p:sld>
+</file>
+
 <file path=ppt/theme/theme1.xml><?xml version="1.0" encoding="utf-8"?>
-<a:theme xmlns:a="http://schemas.openxmlformats.org/drawingml/2006/main" name="Office Theme">
+<a:theme xmlns:a="http://schemas.openxmlformats.org/drawingml/2006/main" name="Dissertationthmx">
   <a:themeElements>
     <a:clrScheme name="Office">
       <a:dk1>
@@ -3836,44 +3847,44 @@
         <a:sysClr val="window" lastClr="FFFFFF"/>
       </a:lt1>
       <a:dk2>
-        <a:srgbClr val="44546A"/>
+        <a:srgbClr val="1F497D"/>
       </a:dk2>
       <a:lt2>
-        <a:srgbClr val="E7E6E6"/>
+        <a:srgbClr val="EEECE1"/>
       </a:lt2>
       <a:accent1>
-        <a:srgbClr val="4472C4"/>
+        <a:srgbClr val="4F81BD"/>
       </a:accent1>
       <a:accent2>
-        <a:srgbClr val="ED7D31"/>
+        <a:srgbClr val="C0504D"/>
       </a:accent2>
       <a:accent3>
-        <a:srgbClr val="A5A5A5"/>
+        <a:srgbClr val="9BBB59"/>
       </a:accent3>
       <a:accent4>
-        <a:srgbClr val="FFC000"/>
+        <a:srgbClr val="8064A2"/>
       </a:accent4>
       <a:accent5>
-        <a:srgbClr val="5B9BD5"/>
+        <a:srgbClr val="4BACC6"/>
       </a:accent5>
       <a:accent6>
-        <a:srgbClr val="70AD47"/>
+        <a:srgbClr val="F79646"/>
       </a:accent6>
       <a:hlink>
-        <a:srgbClr val="0563C1"/>
+        <a:srgbClr val="0000FF"/>
       </a:hlink>
       <a:folHlink>
-        <a:srgbClr val="954F72"/>
+        <a:srgbClr val="800080"/>
       </a:folHlink>
     </a:clrScheme>
     <a:fontScheme name="Office">
       <a:majorFont>
-        <a:latin typeface="Calibri Light" panose="020F0302020204030204"/>
+        <a:latin typeface="Calibri"/>
         <a:ea typeface=""/>
         <a:cs typeface=""/>
-        <a:font script="Jpan" typeface="游ゴシック Light"/>
+        <a:font script="Jpan" typeface="ＭＳ Ｐゴシック"/>
         <a:font script="Hang" typeface="맑은 고딕"/>
-        <a:font script="Hans" typeface="等线 Light"/>
+        <a:font script="Hans" typeface="宋体"/>
         <a:font script="Hant" typeface="新細明體"/>
         <a:font script="Arab" typeface="Times New Roman"/>
         <a:font script="Hebr" typeface="Times New Roman"/>
@@ -3901,31 +3912,14 @@
         <a:font script="Viet" typeface="Times New Roman"/>
         <a:font script="Uigh" typeface="Microsoft Uighur"/>
         <a:font script="Geor" typeface="Sylfaen"/>
-        <a:font script="Armn" typeface="Arial"/>
-        <a:font script="Bugi" typeface="Leelawadee UI"/>
-        <a:font script="Bopo" typeface="Microsoft JhengHei"/>
-        <a:font script="Java" typeface="Javanese Text"/>
-        <a:font script="Lisu" typeface="Segoe UI"/>
-        <a:font script="Mymr" typeface="Myanmar Text"/>
-        <a:font script="Nkoo" typeface="Ebrima"/>
-        <a:font script="Olck" typeface="Nirmala UI"/>
-        <a:font script="Osma" typeface="Ebrima"/>
-        <a:font script="Phag" typeface="Phagspa"/>
-        <a:font script="Syrn" typeface="Estrangelo Edessa"/>
-        <a:font script="Syrj" typeface="Estrangelo Edessa"/>
-        <a:font script="Syre" typeface="Estrangelo Edessa"/>
-        <a:font script="Sora" typeface="Nirmala UI"/>
-        <a:font script="Tale" typeface="Microsoft Tai Le"/>
-        <a:font script="Talu" typeface="Microsoft New Tai Lue"/>
-        <a:font script="Tfng" typeface="Ebrima"/>
       </a:majorFont>
       <a:minorFont>
-        <a:latin typeface="Calibri" panose="020F0502020204030204"/>
+        <a:latin typeface="Calibri"/>
         <a:ea typeface=""/>
         <a:cs typeface=""/>
-        <a:font script="Jpan" typeface="游ゴシック"/>
+        <a:font script="Jpan" typeface="ＭＳ Ｐゴシック"/>
         <a:font script="Hang" typeface="맑은 고딕"/>
-        <a:font script="Hans" typeface="等线"/>
+        <a:font script="Hans" typeface="宋体"/>
         <a:font script="Hant" typeface="新細明體"/>
         <a:font script="Arab" typeface="Arial"/>
         <a:font script="Hebr" typeface="Arial"/>
@@ -3953,23 +3947,6 @@
         <a:font script="Viet" typeface="Arial"/>
         <a:font script="Uigh" typeface="Microsoft Uighur"/>
         <a:font script="Geor" typeface="Sylfaen"/>
-        <a:font script="Armn" typeface="Arial"/>
-        <a:font script="Bugi" typeface="Leelawadee UI"/>
-        <a:font script="Bopo" typeface="Microsoft JhengHei"/>
-        <a:font script="Java" typeface="Javanese Text"/>
-        <a:font script="Lisu" typeface="Segoe UI"/>
-        <a:font script="Mymr" typeface="Myanmar Text"/>
-        <a:font script="Nkoo" typeface="Ebrima"/>
-        <a:font script="Olck" typeface="Nirmala UI"/>
-        <a:font script="Osma" typeface="Ebrima"/>
-        <a:font script="Phag" typeface="Phagspa"/>
-        <a:font script="Syrn" typeface="Estrangelo Edessa"/>
-        <a:font script="Syrj" typeface="Estrangelo Edessa"/>
-        <a:font script="Syre" typeface="Estrangelo Edessa"/>
-        <a:font script="Sora" typeface="Nirmala UI"/>
-        <a:font script="Tale" typeface="Microsoft Tai Le"/>
-        <a:font script="Talu" typeface="Microsoft New Tai Lue"/>
-        <a:font script="Tfng" typeface="Ebrima"/>
       </a:minorFont>
     </a:fontScheme>
     <a:fmtScheme name="Office">
@@ -3981,141 +3958,200 @@
           <a:gsLst>
             <a:gs pos="0">
               <a:schemeClr val="phClr">
-                <a:lumMod val="110000"/>
-                <a:satMod val="105000"/>
-                <a:tint val="67000"/>
+                <a:tint val="50000"/>
+                <a:satMod val="300000"/>
               </a:schemeClr>
             </a:gs>
-            <a:gs pos="50000">
+            <a:gs pos="35000">
               <a:schemeClr val="phClr">
-                <a:lumMod val="105000"/>
-                <a:satMod val="103000"/>
-                <a:tint val="73000"/>
+                <a:tint val="37000"/>
+                <a:satMod val="300000"/>
               </a:schemeClr>
             </a:gs>
             <a:gs pos="100000">
               <a:schemeClr val="phClr">
-                <a:lumMod val="105000"/>
-                <a:satMod val="109000"/>
-                <a:tint val="81000"/>
+                <a:tint val="15000"/>
+                <a:satMod val="350000"/>
               </a:schemeClr>
             </a:gs>
           </a:gsLst>
-          <a:lin ang="5400000" scaled="0"/>
+          <a:lin ang="16200000" scaled="1"/>
         </a:gradFill>
         <a:gradFill rotWithShape="1">
           <a:gsLst>
             <a:gs pos="0">
               <a:schemeClr val="phClr">
-                <a:satMod val="103000"/>
-                <a:lumMod val="102000"/>
-                <a:tint val="94000"/>
-              </a:schemeClr>
-            </a:gs>
-            <a:gs pos="50000">
-              <a:schemeClr val="phClr">
-                <a:satMod val="110000"/>
-                <a:lumMod val="100000"/>
+                <a:tint val="100000"/>
                 <a:shade val="100000"/>
+                <a:satMod val="130000"/>
               </a:schemeClr>
             </a:gs>
             <a:gs pos="100000">
               <a:schemeClr val="phClr">
-                <a:lumMod val="99000"/>
-                <a:satMod val="120000"/>
-                <a:shade val="78000"/>
+                <a:tint val="50000"/>
+                <a:shade val="100000"/>
+                <a:satMod val="350000"/>
               </a:schemeClr>
             </a:gs>
           </a:gsLst>
-          <a:lin ang="5400000" scaled="0"/>
+          <a:lin ang="16200000" scaled="0"/>
         </a:gradFill>
       </a:fillStyleLst>
       <a:lnStyleLst>
-        <a:ln w="6350" cap="flat" cmpd="sng" algn="ctr">
+        <a:ln w="9525" cap="flat" cmpd="sng" algn="ctr">
+          <a:solidFill>
+            <a:schemeClr val="phClr">
+              <a:shade val="95000"/>
+              <a:satMod val="105000"/>
+            </a:schemeClr>
+          </a:solidFill>
+          <a:prstDash val="solid"/>
+        </a:ln>
+        <a:ln w="25400" cap="flat" cmpd="sng" algn="ctr">
           <a:solidFill>
             <a:schemeClr val="phClr"/>
           </a:solidFill>
           <a:prstDash val="solid"/>
-          <a:miter lim="800000"/>
         </a:ln>
-        <a:ln w="12700" cap="flat" cmpd="sng" algn="ctr">
+        <a:ln w="38100" cap="flat" cmpd="sng" algn="ctr">
           <a:solidFill>
             <a:schemeClr val="phClr"/>
           </a:solidFill>
           <a:prstDash val="solid"/>
-          <a:miter lim="800000"/>
-        </a:ln>
-        <a:ln w="19050" cap="flat" cmpd="sng" algn="ctr">
-          <a:solidFill>
-            <a:schemeClr val="phClr"/>
-          </a:solidFill>
-          <a:prstDash val="solid"/>
-          <a:miter lim="800000"/>
         </a:ln>
       </a:lnStyleLst>
       <a:effectStyleLst>
         <a:effectStyle>
-          <a:effectLst/>
-        </a:effectStyle>
-        <a:effectStyle>
-          <a:effectLst/>
+          <a:effectLst>
+            <a:outerShdw blurRad="40000" dist="20000" dir="5400000" rotWithShape="0">
+              <a:srgbClr val="000000">
+                <a:alpha val="38000"/>
+              </a:srgbClr>
+            </a:outerShdw>
+          </a:effectLst>
         </a:effectStyle>
         <a:effectStyle>
           <a:effectLst>
-            <a:outerShdw blurRad="57150" dist="19050" dir="5400000" algn="ctr" rotWithShape="0">
+            <a:outerShdw blurRad="40000" dist="23000" dir="5400000" rotWithShape="0">
               <a:srgbClr val="000000">
-                <a:alpha val="63000"/>
+                <a:alpha val="35000"/>
               </a:srgbClr>
             </a:outerShdw>
           </a:effectLst>
+        </a:effectStyle>
+        <a:effectStyle>
+          <a:effectLst>
+            <a:outerShdw blurRad="40000" dist="23000" dir="5400000" rotWithShape="0">
+              <a:srgbClr val="000000">
+                <a:alpha val="35000"/>
+              </a:srgbClr>
+            </a:outerShdw>
+          </a:effectLst>
+          <a:scene3d>
+            <a:camera prst="orthographicFront">
+              <a:rot lat="0" lon="0" rev="0"/>
+            </a:camera>
+            <a:lightRig rig="threePt" dir="t">
+              <a:rot lat="0" lon="0" rev="1200000"/>
+            </a:lightRig>
+          </a:scene3d>
+          <a:sp3d>
+            <a:bevelT w="63500" h="25400"/>
+          </a:sp3d>
         </a:effectStyle>
       </a:effectStyleLst>
       <a:bgFillStyleLst>
         <a:solidFill>
           <a:schemeClr val="phClr"/>
         </a:solidFill>
-        <a:solidFill>
-          <a:schemeClr val="phClr">
-            <a:tint val="95000"/>
-            <a:satMod val="170000"/>
-          </a:schemeClr>
-        </a:solidFill>
         <a:gradFill rotWithShape="1">
           <a:gsLst>
             <a:gs pos="0">
               <a:schemeClr val="phClr">
-                <a:tint val="93000"/>
-                <a:satMod val="150000"/>
-                <a:shade val="98000"/>
-                <a:lumMod val="102000"/>
+                <a:tint val="40000"/>
+                <a:satMod val="350000"/>
               </a:schemeClr>
             </a:gs>
-            <a:gs pos="50000">
+            <a:gs pos="40000">
               <a:schemeClr val="phClr">
-                <a:tint val="98000"/>
-                <a:satMod val="130000"/>
-                <a:shade val="90000"/>
-                <a:lumMod val="103000"/>
+                <a:tint val="45000"/>
+                <a:shade val="99000"/>
+                <a:satMod val="350000"/>
               </a:schemeClr>
             </a:gs>
             <a:gs pos="100000">
               <a:schemeClr val="phClr">
-                <a:shade val="63000"/>
-                <a:satMod val="120000"/>
+                <a:shade val="20000"/>
+                <a:satMod val="255000"/>
               </a:schemeClr>
             </a:gs>
           </a:gsLst>
-          <a:lin ang="5400000" scaled="0"/>
+          <a:path path="circle">
+            <a:fillToRect l="50000" t="-80000" r="50000" b="180000"/>
+          </a:path>
+        </a:gradFill>
+        <a:gradFill rotWithShape="1">
+          <a:gsLst>
+            <a:gs pos="0">
+              <a:schemeClr val="phClr">
+                <a:tint val="80000"/>
+                <a:satMod val="300000"/>
+              </a:schemeClr>
+            </a:gs>
+            <a:gs pos="100000">
+              <a:schemeClr val="phClr">
+                <a:shade val="30000"/>
+                <a:satMod val="200000"/>
+              </a:schemeClr>
+            </a:gs>
+          </a:gsLst>
+          <a:path path="circle">
+            <a:fillToRect l="50000" t="50000" r="50000" b="50000"/>
+          </a:path>
         </a:gradFill>
       </a:bgFillStyleLst>
     </a:fmtScheme>
   </a:themeElements>
-  <a:objectDefaults/>
+  <a:objectDefaults>
+    <a:spDef>
+      <a:spPr/>
+      <a:bodyPr/>
+      <a:lstStyle/>
+      <a:style>
+        <a:lnRef idx="1">
+          <a:schemeClr val="accent1"/>
+        </a:lnRef>
+        <a:fillRef idx="3">
+          <a:schemeClr val="accent1"/>
+        </a:fillRef>
+        <a:effectRef idx="2">
+          <a:schemeClr val="accent1"/>
+        </a:effectRef>
+        <a:fontRef idx="minor">
+          <a:schemeClr val="lt1"/>
+        </a:fontRef>
+      </a:style>
+    </a:spDef>
+    <a:lnDef>
+      <a:spPr/>
+      <a:bodyPr/>
+      <a:lstStyle/>
+      <a:style>
+        <a:lnRef idx="2">
+          <a:schemeClr val="accent1"/>
+        </a:lnRef>
+        <a:fillRef idx="0">
+          <a:schemeClr val="accent1"/>
+        </a:fillRef>
+        <a:effectRef idx="1">
+          <a:schemeClr val="accent1"/>
+        </a:effectRef>
+        <a:fontRef idx="minor">
+          <a:schemeClr val="tx1"/>
+        </a:fontRef>
+      </a:style>
+    </a:lnDef>
+  </a:objectDefaults>
   <a:extraClrSchemeLst/>
-  <a:extLst>
-    <a:ext uri="{05A4C25C-085E-4340-85A3-A5531E510DB2}">
-      <thm15:themeFamily xmlns:thm15="http://schemas.microsoft.com/office/thememl/2012/main" name="Office Theme" id="{62F939B6-93AF-4DB8-9C6B-D6C7DFDC589F}" vid="{4A3C46E8-61CC-4603-A589-7422A47A8E4A}"/>
-    </a:ext>
-  </a:extLst>
 </a:theme>
 </file>
--- a/Presentation1.pptx
+++ b/Presentation1.pptx
@@ -11,6 +11,8 @@
     <p:sldId id="259" r:id="rId5"/>
     <p:sldId id="260" r:id="rId6"/>
     <p:sldId id="261" r:id="rId7"/>
+    <p:sldId id="262" r:id="rId8"/>
+    <p:sldId id="263" r:id="rId9"/>
   </p:sldIdLst>
   <p:sldSz cx="12192000" cy="6858000"/>
   <p:notesSz cx="6858000" cy="9144000"/>
@@ -3421,20 +3423,13 @@
         <p:spPr/>
         <p:txBody>
           <a:bodyPr>
-            <a:normAutofit fontScale="90000"/>
+            <a:normAutofit/>
           </a:bodyPr>
           <a:lstStyle/>
           <a:p>
             <a:r>
               <a:rPr lang="en-US" dirty="0"/>
-              <a:t>Version control:  </a:t>
-            </a:r>
-            <a:br>
-              <a:rPr lang="en-US" dirty="0"/>
-            </a:br>
-            <a:r>
-              <a:rPr lang="en-US" dirty="0"/>
-              <a:t>Like track changes &amp; version history</a:t>
+              <a:t>Version Control</a:t>
             </a:r>
           </a:p>
         </p:txBody>
@@ -3462,24 +3457,32 @@
           <a:p>
             <a:r>
               <a:rPr lang="en-US" dirty="0"/>
+              <a:t>Like track changes &amp; version history</a:t>
+            </a:r>
+          </a:p>
+          <a:p>
+            <a:pPr lvl="2"/>
+            <a:r>
+              <a:rPr lang="en-US" dirty="0"/>
               <a:t>Microsoft Word </a:t>
             </a:r>
           </a:p>
           <a:p>
-            <a:pPr lvl="1"/>
+            <a:pPr lvl="3"/>
             <a:r>
               <a:rPr lang="en-US" dirty="0"/>
               <a:t>Changes are highlighted, and you know who did it (ideally)</a:t>
             </a:r>
           </a:p>
           <a:p>
+            <a:pPr lvl="2"/>
             <a:r>
               <a:rPr lang="en-US" dirty="0"/>
               <a:t>Google-doc/Wikipedia </a:t>
             </a:r>
           </a:p>
           <a:p>
-            <a:pPr lvl="1"/>
+            <a:pPr lvl="3"/>
             <a:r>
               <a:rPr lang="en-US" dirty="0"/>
               <a:t>All changes are recorded, and you can go back to see how things were like before a certain change. </a:t>
@@ -3783,18 +3786,39 @@
         </p:nvSpPr>
         <p:spPr/>
         <p:txBody>
-          <a:bodyPr/>
+          <a:bodyPr>
+            <a:normAutofit/>
+          </a:bodyPr>
           <a:lstStyle/>
           <a:p>
             <a:r>
               <a:rPr lang="en-US" dirty="0"/>
-              <a:t>2. </a:t>
-            </a:r>
-            <a:r>
-              <a:rPr lang="en-US"/>
-              <a:t>Creating a repository</a:t>
-            </a:r>
-            <a:endParaRPr lang="en-US" dirty="0"/>
+              <a:t>2. Creating a repository</a:t>
+            </a:r>
+            <a:br>
+              <a:rPr lang="en-US" dirty="0"/>
+            </a:br>
+            <a:r>
+              <a:rPr lang="en-US" sz="2400" dirty="0">
+                <a:latin typeface="Monaco" pitchFamily="2" charset="77"/>
+              </a:rPr>
+              <a:t>&gt; </a:t>
+            </a:r>
+            <a:r>
+              <a:rPr lang="en-US" sz="2400" b="1" dirty="0">
+                <a:latin typeface="Monaco" pitchFamily="2" charset="77"/>
+              </a:rPr>
+              <a:t>git </a:t>
+            </a:r>
+            <a:r>
+              <a:rPr lang="en-US" sz="2400" b="1" dirty="0" err="1">
+                <a:latin typeface="Monaco" pitchFamily="2" charset="77"/>
+              </a:rPr>
+              <a:t>init</a:t>
+            </a:r>
+            <a:endParaRPr lang="en-US" sz="2400" b="1" dirty="0">
+              <a:latin typeface="Monaco" pitchFamily="2" charset="77"/>
+            </a:endParaRPr>
           </a:p>
         </p:txBody>
       </p:sp>
@@ -3819,6 +3843,156 @@
           <a:bodyPr/>
           <a:lstStyle/>
           <a:p>
+            <a:pPr marL="0" indent="0">
+              <a:buNone/>
+            </a:pPr>
+            <a:r>
+              <a:rPr lang="en-US" dirty="0"/>
+              <a:t>2.1 – Create a directory in your Desktop</a:t>
+            </a:r>
+          </a:p>
+          <a:p>
+            <a:pPr marL="0" indent="0">
+              <a:buNone/>
+            </a:pPr>
+            <a:r>
+              <a:rPr lang="en-US" sz="2800" dirty="0">
+                <a:solidFill>
+                  <a:srgbClr val="C00000"/>
+                </a:solidFill>
+              </a:rPr>
+              <a:t>		&gt; </a:t>
+            </a:r>
+            <a:r>
+              <a:rPr lang="en-US" sz="2800" dirty="0" err="1">
+                <a:solidFill>
+                  <a:srgbClr val="C00000"/>
+                </a:solidFill>
+                <a:latin typeface="Monaco" pitchFamily="2" charset="77"/>
+              </a:rPr>
+              <a:t>mkdir</a:t>
+            </a:r>
+            <a:r>
+              <a:rPr lang="en-US" sz="2800" dirty="0">
+                <a:solidFill>
+                  <a:srgbClr val="C00000"/>
+                </a:solidFill>
+                <a:latin typeface="Monaco" pitchFamily="2" charset="77"/>
+              </a:rPr>
+              <a:t> ~/Desktop/</a:t>
+            </a:r>
+            <a:r>
+              <a:rPr lang="en-US" sz="2800" dirty="0" err="1">
+                <a:solidFill>
+                  <a:srgbClr val="C00000"/>
+                </a:solidFill>
+                <a:latin typeface="Monaco" pitchFamily="2" charset="77"/>
+              </a:rPr>
+              <a:t>workdir</a:t>
+            </a:r>
+            <a:endParaRPr lang="en-US" sz="2800" dirty="0">
+              <a:solidFill>
+                <a:srgbClr val="C00000"/>
+              </a:solidFill>
+              <a:latin typeface="Monaco" pitchFamily="2" charset="77"/>
+            </a:endParaRPr>
+          </a:p>
+          <a:p>
+            <a:pPr marL="0" indent="0">
+              <a:buNone/>
+            </a:pPr>
+            <a:r>
+              <a:rPr lang="en-US" sz="2800" dirty="0">
+                <a:solidFill>
+                  <a:srgbClr val="C00000"/>
+                </a:solidFill>
+              </a:rPr>
+              <a:t>		&gt; </a:t>
+            </a:r>
+            <a:r>
+              <a:rPr lang="en-US" sz="2800" dirty="0">
+                <a:solidFill>
+                  <a:srgbClr val="C00000"/>
+                </a:solidFill>
+                <a:latin typeface="Monaco" pitchFamily="2" charset="77"/>
+              </a:rPr>
+              <a:t>cd ~/Desktop/</a:t>
+            </a:r>
+            <a:r>
+              <a:rPr lang="en-US" sz="2800" dirty="0" err="1">
+                <a:solidFill>
+                  <a:srgbClr val="C00000"/>
+                </a:solidFill>
+                <a:latin typeface="Monaco" pitchFamily="2" charset="77"/>
+              </a:rPr>
+              <a:t>workdir</a:t>
+            </a:r>
+            <a:endParaRPr lang="en-US" sz="2800" dirty="0">
+              <a:solidFill>
+                <a:srgbClr val="C00000"/>
+              </a:solidFill>
+              <a:latin typeface="Monaco" pitchFamily="2" charset="77"/>
+            </a:endParaRPr>
+          </a:p>
+          <a:p>
+            <a:pPr marL="0" indent="0">
+              <a:buNone/>
+            </a:pPr>
+            <a:endParaRPr lang="en-US" dirty="0"/>
+          </a:p>
+          <a:p>
+            <a:pPr marL="0" indent="0">
+              <a:buNone/>
+            </a:pPr>
+            <a:r>
+              <a:rPr lang="en-US" dirty="0"/>
+              <a:t>2.2 – Create a </a:t>
+            </a:r>
+            <a:r>
+              <a:rPr lang="en-US" b="1" dirty="0"/>
+              <a:t>repository</a:t>
+            </a:r>
+            <a:r>
+              <a:rPr lang="en-US" dirty="0"/>
+              <a:t> (stores the versions of your files)</a:t>
+            </a:r>
+          </a:p>
+          <a:p>
+            <a:pPr marL="0" indent="0">
+              <a:buNone/>
+            </a:pPr>
+            <a:r>
+              <a:rPr lang="en-US" sz="2800" dirty="0">
+                <a:solidFill>
+                  <a:srgbClr val="C00000"/>
+                </a:solidFill>
+              </a:rPr>
+              <a:t>		&gt; </a:t>
+            </a:r>
+            <a:r>
+              <a:rPr lang="en-US" sz="2800" dirty="0">
+                <a:solidFill>
+                  <a:srgbClr val="C00000"/>
+                </a:solidFill>
+                <a:latin typeface="Monaco" pitchFamily="2" charset="77"/>
+              </a:rPr>
+              <a:t>git </a:t>
+            </a:r>
+            <a:r>
+              <a:rPr lang="en-US" sz="2800" dirty="0" err="1">
+                <a:solidFill>
+                  <a:srgbClr val="C00000"/>
+                </a:solidFill>
+                <a:latin typeface="Monaco" pitchFamily="2" charset="77"/>
+              </a:rPr>
+              <a:t>init</a:t>
+            </a:r>
+            <a:endParaRPr lang="en-US" sz="2800" dirty="0"/>
+          </a:p>
+          <a:p>
+            <a:pPr marL="0" indent="0">
+              <a:buNone/>
+            </a:pPr>
             <a:endParaRPr lang="en-US" dirty="0"/>
           </a:p>
         </p:txBody>
@@ -3827,6 +4001,354 @@
     <p:extLst>
       <p:ext uri="{BB962C8B-B14F-4D97-AF65-F5344CB8AC3E}">
         <p14:creationId xmlns:p14="http://schemas.microsoft.com/office/powerpoint/2010/main" val="2143766347"/>
+      </p:ext>
+    </p:extLst>
+  </p:cSld>
+  <p:clrMapOvr>
+    <a:masterClrMapping/>
+  </p:clrMapOvr>
+</p:sld>
+</file>
+
+<file path=ppt/slides/slide7.xml><?xml version="1.0" encoding="utf-8"?>
+<p:sld xmlns:a="http://schemas.openxmlformats.org/drawingml/2006/main" xmlns:r="http://schemas.openxmlformats.org/officeDocument/2006/relationships" xmlns:p="http://schemas.openxmlformats.org/presentationml/2006/main">
+  <p:cSld>
+    <p:spTree>
+      <p:nvGrpSpPr>
+        <p:cNvPr id="1" name=""/>
+        <p:cNvGrpSpPr/>
+        <p:nvPr/>
+      </p:nvGrpSpPr>
+      <p:grpSpPr>
+        <a:xfrm>
+          <a:off x="0" y="0"/>
+          <a:ext cx="0" cy="0"/>
+          <a:chOff x="0" y="0"/>
+          <a:chExt cx="0" cy="0"/>
+        </a:xfrm>
+      </p:grpSpPr>
+      <p:sp>
+        <p:nvSpPr>
+          <p:cNvPr id="2" name="Title 1">
+            <a:extLst>
+              <a:ext uri="{FF2B5EF4-FFF2-40B4-BE49-F238E27FC236}">
+                <a16:creationId xmlns:a16="http://schemas.microsoft.com/office/drawing/2014/main" id="{E171E2D6-216C-6648-8A7E-8983681B1F06}"/>
+              </a:ext>
+            </a:extLst>
+          </p:cNvPr>
+          <p:cNvSpPr>
+            <a:spLocks noGrp="1"/>
+          </p:cNvSpPr>
+          <p:nvPr>
+            <p:ph type="title"/>
+          </p:nvPr>
+        </p:nvSpPr>
+        <p:spPr/>
+        <p:txBody>
+          <a:bodyPr>
+            <a:normAutofit/>
+          </a:bodyPr>
+          <a:lstStyle/>
+          <a:p>
+            <a:r>
+              <a:rPr lang="en-US" dirty="0"/>
+              <a:t>3. Tracking Changes</a:t>
+            </a:r>
+            <a:br>
+              <a:rPr lang="en-US" dirty="0"/>
+            </a:br>
+            <a:r>
+              <a:rPr lang="en-US" sz="2400" dirty="0">
+                <a:latin typeface="Monaco" pitchFamily="2" charset="77"/>
+              </a:rPr>
+              <a:t>&gt; </a:t>
+            </a:r>
+            <a:r>
+              <a:rPr lang="en-US" sz="2400" b="1" dirty="0">
+                <a:latin typeface="Monaco" pitchFamily="2" charset="77"/>
+              </a:rPr>
+              <a:t>git</a:t>
+            </a:r>
+            <a:r>
+              <a:rPr lang="en-US" sz="2400" dirty="0">
+                <a:latin typeface="Monaco" pitchFamily="2" charset="77"/>
+              </a:rPr>
+              <a:t> </a:t>
+            </a:r>
+            <a:r>
+              <a:rPr lang="en-US" sz="2400" b="1" dirty="0">
+                <a:latin typeface="Monaco" pitchFamily="2" charset="77"/>
+              </a:rPr>
+              <a:t>add, commit</a:t>
+            </a:r>
+            <a:endParaRPr lang="en-US" sz="2400" dirty="0">
+              <a:latin typeface="Monaco" pitchFamily="2" charset="77"/>
+            </a:endParaRPr>
+          </a:p>
+        </p:txBody>
+      </p:sp>
+      <p:sp>
+        <p:nvSpPr>
+          <p:cNvPr id="3" name="Content Placeholder 2">
+            <a:extLst>
+              <a:ext uri="{FF2B5EF4-FFF2-40B4-BE49-F238E27FC236}">
+                <a16:creationId xmlns:a16="http://schemas.microsoft.com/office/drawing/2014/main" id="{8EDF34F1-5F16-9D4D-8698-88959651B81B}"/>
+              </a:ext>
+            </a:extLst>
+          </p:cNvPr>
+          <p:cNvSpPr>
+            <a:spLocks noGrp="1"/>
+          </p:cNvSpPr>
+          <p:nvPr>
+            <p:ph idx="1"/>
+          </p:nvPr>
+        </p:nvSpPr>
+        <p:spPr>
+          <a:xfrm>
+            <a:off x="182795" y="1248385"/>
+            <a:ext cx="11814383" cy="3291342"/>
+          </a:xfrm>
+        </p:spPr>
+        <p:txBody>
+          <a:bodyPr/>
+          <a:lstStyle/>
+          <a:p>
+            <a:pPr marL="0" indent="0">
+              <a:buNone/>
+            </a:pPr>
+            <a:r>
+              <a:rPr lang="en-US" dirty="0"/>
+              <a:t>3.1 – Adding new files/modification to </a:t>
+            </a:r>
+            <a:r>
+              <a:rPr lang="en-US" b="1" dirty="0"/>
+              <a:t>staging area</a:t>
+            </a:r>
+          </a:p>
+          <a:p>
+            <a:pPr marL="0" indent="0">
+              <a:buNone/>
+            </a:pPr>
+            <a:r>
+              <a:rPr lang="en-US" sz="2800" dirty="0">
+                <a:solidFill>
+                  <a:srgbClr val="C00000"/>
+                </a:solidFill>
+              </a:rPr>
+              <a:t>		</a:t>
+            </a:r>
+            <a:r>
+              <a:rPr lang="en-US" sz="2800" dirty="0">
+                <a:solidFill>
+                  <a:srgbClr val="C00000"/>
+                </a:solidFill>
+                <a:latin typeface="Monaco" pitchFamily="2" charset="77"/>
+              </a:rPr>
+              <a:t>&gt; git add</a:t>
+            </a:r>
+          </a:p>
+          <a:p>
+            <a:pPr marL="0" indent="0">
+              <a:buNone/>
+            </a:pPr>
+            <a:r>
+              <a:rPr lang="en-US" dirty="0"/>
+              <a:t>3.2 – Saving these changes to the </a:t>
+            </a:r>
+            <a:r>
+              <a:rPr lang="en-US" b="1" dirty="0"/>
+              <a:t>repository</a:t>
+            </a:r>
+          </a:p>
+          <a:p>
+            <a:pPr marL="0" indent="0">
+              <a:buNone/>
+            </a:pPr>
+            <a:r>
+              <a:rPr lang="en-US" sz="2800" dirty="0">
+                <a:solidFill>
+                  <a:srgbClr val="C00000"/>
+                </a:solidFill>
+              </a:rPr>
+              <a:t>		</a:t>
+            </a:r>
+            <a:r>
+              <a:rPr lang="en-US" sz="2800" dirty="0">
+                <a:solidFill>
+                  <a:srgbClr val="C00000"/>
+                </a:solidFill>
+                <a:latin typeface="Monaco" pitchFamily="2" charset="77"/>
+              </a:rPr>
+              <a:t>&gt; git commit</a:t>
+            </a:r>
+          </a:p>
+          <a:p>
+            <a:pPr marL="0" indent="0">
+              <a:buNone/>
+            </a:pPr>
+            <a:r>
+              <a:rPr lang="en-US" dirty="0"/>
+              <a:t>BONUS – Checking what has changed before add/commit</a:t>
+            </a:r>
+          </a:p>
+          <a:p>
+            <a:pPr marL="0" indent="0">
+              <a:buNone/>
+            </a:pPr>
+            <a:r>
+              <a:rPr lang="en-US" sz="2800" dirty="0">
+                <a:solidFill>
+                  <a:srgbClr val="C00000"/>
+                </a:solidFill>
+              </a:rPr>
+              <a:t>		</a:t>
+            </a:r>
+            <a:r>
+              <a:rPr lang="en-US" sz="2800" dirty="0">
+                <a:solidFill>
+                  <a:srgbClr val="C00000"/>
+                </a:solidFill>
+                <a:latin typeface="Monaco" pitchFamily="2" charset="77"/>
+              </a:rPr>
+              <a:t>&gt; git diff</a:t>
+            </a:r>
+          </a:p>
+          <a:p>
+            <a:pPr marL="0" indent="0">
+              <a:buNone/>
+            </a:pPr>
+            <a:endParaRPr lang="en-US" dirty="0"/>
+          </a:p>
+        </p:txBody>
+      </p:sp>
+      <p:pic>
+        <p:nvPicPr>
+          <p:cNvPr id="4" name="Picture 3">
+            <a:extLst>
+              <a:ext uri="{FF2B5EF4-FFF2-40B4-BE49-F238E27FC236}">
+                <a16:creationId xmlns:a16="http://schemas.microsoft.com/office/drawing/2014/main" id="{66999947-8CB4-B94C-A55B-C3E8A293356C}"/>
+              </a:ext>
+            </a:extLst>
+          </p:cNvPr>
+          <p:cNvPicPr>
+            <a:picLocks noChangeAspect="1"/>
+          </p:cNvPicPr>
+          <p:nvPr/>
+        </p:nvPicPr>
+        <p:blipFill>
+          <a:blip r:embed="rId2"/>
+          <a:stretch>
+            <a:fillRect/>
+          </a:stretch>
+        </p:blipFill>
+        <p:spPr>
+          <a:xfrm>
+            <a:off x="4502225" y="4089400"/>
+            <a:ext cx="7899400" cy="2768600"/>
+          </a:xfrm>
+          <a:prstGeom prst="rect">
+            <a:avLst/>
+          </a:prstGeom>
+        </p:spPr>
+      </p:pic>
+    </p:spTree>
+    <p:extLst>
+      <p:ext uri="{BB962C8B-B14F-4D97-AF65-F5344CB8AC3E}">
+        <p14:creationId xmlns:p14="http://schemas.microsoft.com/office/powerpoint/2010/main" val="1626759077"/>
+      </p:ext>
+    </p:extLst>
+  </p:cSld>
+  <p:clrMapOvr>
+    <a:masterClrMapping/>
+  </p:clrMapOvr>
+</p:sld>
+</file>
+
+<file path=ppt/slides/slide8.xml><?xml version="1.0" encoding="utf-8"?>
+<p:sld xmlns:a="http://schemas.openxmlformats.org/drawingml/2006/main" xmlns:r="http://schemas.openxmlformats.org/officeDocument/2006/relationships" xmlns:p="http://schemas.openxmlformats.org/presentationml/2006/main">
+  <p:cSld>
+    <p:spTree>
+      <p:nvGrpSpPr>
+        <p:cNvPr id="1" name=""/>
+        <p:cNvGrpSpPr/>
+        <p:nvPr/>
+      </p:nvGrpSpPr>
+      <p:grpSpPr>
+        <a:xfrm>
+          <a:off x="0" y="0"/>
+          <a:ext cx="0" cy="0"/>
+          <a:chOff x="0" y="0"/>
+          <a:chExt cx="0" cy="0"/>
+        </a:xfrm>
+      </p:grpSpPr>
+      <p:sp>
+        <p:nvSpPr>
+          <p:cNvPr id="2" name="Title 1">
+            <a:extLst>
+              <a:ext uri="{FF2B5EF4-FFF2-40B4-BE49-F238E27FC236}">
+                <a16:creationId xmlns:a16="http://schemas.microsoft.com/office/drawing/2014/main" id="{986499DB-8CBB-8141-BACC-28947438B354}"/>
+              </a:ext>
+            </a:extLst>
+          </p:cNvPr>
+          <p:cNvSpPr>
+            <a:spLocks noGrp="1"/>
+          </p:cNvSpPr>
+          <p:nvPr>
+            <p:ph type="title"/>
+          </p:nvPr>
+        </p:nvSpPr>
+        <p:spPr/>
+        <p:txBody>
+          <a:bodyPr>
+            <a:normAutofit/>
+          </a:bodyPr>
+          <a:lstStyle/>
+          <a:p>
+            <a:r>
+              <a:rPr lang="en-US" dirty="0"/>
+              <a:t>4. Exploring History</a:t>
+            </a:r>
+            <a:br>
+              <a:rPr lang="en-US" dirty="0"/>
+            </a:br>
+            <a:r>
+              <a:rPr lang="en-US" sz="2400" dirty="0">
+                <a:latin typeface="Monaco" pitchFamily="2" charset="77"/>
+              </a:rPr>
+              <a:t>&gt; git diff &amp; checkout</a:t>
+            </a:r>
+          </a:p>
+        </p:txBody>
+      </p:sp>
+      <p:sp>
+        <p:nvSpPr>
+          <p:cNvPr id="3" name="Content Placeholder 2">
+            <a:extLst>
+              <a:ext uri="{FF2B5EF4-FFF2-40B4-BE49-F238E27FC236}">
+                <a16:creationId xmlns:a16="http://schemas.microsoft.com/office/drawing/2014/main" id="{DDF15195-8335-6A4B-B958-7BDF4020BAA1}"/>
+              </a:ext>
+            </a:extLst>
+          </p:cNvPr>
+          <p:cNvSpPr>
+            <a:spLocks noGrp="1"/>
+          </p:cNvSpPr>
+          <p:nvPr>
+            <p:ph idx="1"/>
+          </p:nvPr>
+        </p:nvSpPr>
+        <p:spPr/>
+        <p:txBody>
+          <a:bodyPr/>
+          <a:lstStyle/>
+          <a:p>
+            <a:endParaRPr lang="en-US"/>
+          </a:p>
+        </p:txBody>
+      </p:sp>
+    </p:spTree>
+    <p:extLst>
+      <p:ext uri="{BB962C8B-B14F-4D97-AF65-F5344CB8AC3E}">
+        <p14:creationId xmlns:p14="http://schemas.microsoft.com/office/powerpoint/2010/main" val="2069254717"/>
       </p:ext>
     </p:extLst>
   </p:cSld>

--- a/Presentation1.pptx
+++ b/Presentation1.pptx
@@ -13,6 +13,7 @@
     <p:sldId id="261" r:id="rId7"/>
     <p:sldId id="262" r:id="rId8"/>
     <p:sldId id="263" r:id="rId9"/>
+    <p:sldId id="264" r:id="rId10"/>
   </p:sldIdLst>
   <p:sldSz cx="12192000" cy="6858000"/>
   <p:notesSz cx="6858000" cy="9144000"/>
@@ -4105,23 +4106,25 @@
         </p:nvSpPr>
         <p:spPr>
           <a:xfrm>
-            <a:off x="182795" y="1248385"/>
-            <a:ext cx="11814383" cy="3291342"/>
+            <a:off x="182795" y="1248384"/>
+            <a:ext cx="11814383" cy="5609615"/>
           </a:xfrm>
         </p:spPr>
         <p:txBody>
-          <a:bodyPr/>
+          <a:bodyPr>
+            <a:normAutofit/>
+          </a:bodyPr>
           <a:lstStyle/>
           <a:p>
             <a:pPr marL="0" indent="0">
               <a:buNone/>
             </a:pPr>
             <a:r>
-              <a:rPr lang="en-US" dirty="0"/>
+              <a:rPr lang="en-US" sz="2800" dirty="0"/>
               <a:t>3.1 – Adding new files/modification to </a:t>
             </a:r>
             <a:r>
-              <a:rPr lang="en-US" b="1" dirty="0"/>
+              <a:rPr lang="en-US" sz="2800" b="1" dirty="0"/>
               <a:t>staging area</a:t>
             </a:r>
           </a:p>
@@ -4130,7 +4133,36 @@
               <a:buNone/>
             </a:pPr>
             <a:r>
-              <a:rPr lang="en-US" sz="2800" dirty="0">
+              <a:rPr lang="en-US" sz="2400" dirty="0">
+                <a:solidFill>
+                  <a:srgbClr val="C00000"/>
+                </a:solidFill>
+                <a:latin typeface="Monaco" pitchFamily="2" charset="77"/>
+              </a:rPr>
+              <a:t>		&gt; touch </a:t>
+            </a:r>
+            <a:r>
+              <a:rPr lang="en-US" sz="2400" dirty="0" err="1">
+                <a:solidFill>
+                  <a:srgbClr val="C00000"/>
+                </a:solidFill>
+                <a:latin typeface="Monaco" pitchFamily="2" charset="77"/>
+              </a:rPr>
+              <a:t>foo.txt</a:t>
+            </a:r>
+            <a:endParaRPr lang="en-US" sz="2400" dirty="0">
+              <a:solidFill>
+                <a:srgbClr val="C00000"/>
+              </a:solidFill>
+              <a:latin typeface="Monaco" pitchFamily="2" charset="77"/>
+            </a:endParaRPr>
+          </a:p>
+          <a:p>
+            <a:pPr marL="0" indent="0">
+              <a:buNone/>
+            </a:pPr>
+            <a:r>
+              <a:rPr lang="en-US" sz="2400" dirty="0">
                 <a:solidFill>
                   <a:srgbClr val="C00000"/>
                 </a:solidFill>
@@ -4138,25 +4170,40 @@
               <a:t>		</a:t>
             </a:r>
             <a:r>
-              <a:rPr lang="en-US" sz="2800" dirty="0">
+              <a:rPr lang="en-US" sz="2400" dirty="0">
                 <a:solidFill>
                   <a:srgbClr val="C00000"/>
                 </a:solidFill>
                 <a:latin typeface="Monaco" pitchFamily="2" charset="77"/>
               </a:rPr>
-              <a:t>&gt; git add</a:t>
-            </a:r>
+              <a:t>&gt; git add </a:t>
+            </a:r>
+            <a:r>
+              <a:rPr lang="en-US" sz="2400" dirty="0" err="1">
+                <a:solidFill>
+                  <a:srgbClr val="C00000"/>
+                </a:solidFill>
+                <a:latin typeface="Monaco" pitchFamily="2" charset="77"/>
+              </a:rPr>
+              <a:t>foo.txt</a:t>
+            </a:r>
+            <a:endParaRPr lang="en-US" sz="2400" dirty="0">
+              <a:solidFill>
+                <a:srgbClr val="C00000"/>
+              </a:solidFill>
+              <a:latin typeface="Monaco" pitchFamily="2" charset="77"/>
+            </a:endParaRPr>
           </a:p>
           <a:p>
             <a:pPr marL="0" indent="0">
               <a:buNone/>
             </a:pPr>
             <a:r>
-              <a:rPr lang="en-US" dirty="0"/>
+              <a:rPr lang="en-US" sz="2800" dirty="0"/>
               <a:t>3.2 – Saving these changes to the </a:t>
             </a:r>
             <a:r>
-              <a:rPr lang="en-US" b="1" dirty="0"/>
+              <a:rPr lang="en-US" sz="2800" b="1" dirty="0"/>
               <a:t>repository</a:t>
             </a:r>
           </a:p>
@@ -4165,7 +4212,7 @@
               <a:buNone/>
             </a:pPr>
             <a:r>
-              <a:rPr lang="en-US" sz="2800" dirty="0">
+              <a:rPr lang="en-US" sz="2400" dirty="0">
                 <a:solidFill>
                   <a:srgbClr val="C00000"/>
                 </a:solidFill>
@@ -4173,13 +4220,31 @@
               <a:t>		</a:t>
             </a:r>
             <a:r>
-              <a:rPr lang="en-US" sz="2800" dirty="0">
+              <a:rPr lang="en-US" sz="2400" dirty="0">
                 <a:solidFill>
                   <a:srgbClr val="C00000"/>
                 </a:solidFill>
                 <a:latin typeface="Monaco" pitchFamily="2" charset="77"/>
               </a:rPr>
-              <a:t>&gt; git commit</a:t>
+              <a:t>&gt; git commit –m “Add </a:t>
+            </a:r>
+            <a:r>
+              <a:rPr lang="en-US" sz="2400" dirty="0" err="1">
+                <a:solidFill>
+                  <a:srgbClr val="C00000"/>
+                </a:solidFill>
+                <a:latin typeface="Monaco" pitchFamily="2" charset="77"/>
+              </a:rPr>
+              <a:t>foo.txt</a:t>
+            </a:r>
+            <a:r>
+              <a:rPr lang="en-US" sz="2400" dirty="0">
+                <a:solidFill>
+                  <a:srgbClr val="C00000"/>
+                </a:solidFill>
+                <a:latin typeface="Monaco" pitchFamily="2" charset="77"/>
+              </a:rPr>
+              <a:t> to repo”</a:t>
             </a:r>
           </a:p>
           <a:p>
@@ -4187,7 +4252,7 @@
               <a:buNone/>
             </a:pPr>
             <a:r>
-              <a:rPr lang="en-US" dirty="0"/>
+              <a:rPr lang="en-US" sz="2800" dirty="0"/>
               <a:t>BONUS – Checking what has changed before add/commit</a:t>
             </a:r>
           </a:p>
@@ -4196,7 +4261,7 @@
               <a:buNone/>
             </a:pPr>
             <a:r>
-              <a:rPr lang="en-US" sz="2800" dirty="0">
+              <a:rPr lang="en-US" sz="2400" dirty="0">
                 <a:solidFill>
                   <a:srgbClr val="C00000"/>
                 </a:solidFill>
@@ -4204,13 +4269,87 @@
               <a:t>		</a:t>
             </a:r>
             <a:r>
-              <a:rPr lang="en-US" sz="2800" dirty="0">
+              <a:rPr lang="en-US" sz="2400" dirty="0">
                 <a:solidFill>
                   <a:srgbClr val="C00000"/>
                 </a:solidFill>
                 <a:latin typeface="Monaco" pitchFamily="2" charset="77"/>
               </a:rPr>
-              <a:t>&gt; git diff</a:t>
+              <a:t>&gt; echo hello &gt;&gt; </a:t>
+            </a:r>
+            <a:r>
+              <a:rPr lang="en-US" sz="2400" dirty="0" err="1">
+                <a:solidFill>
+                  <a:srgbClr val="C00000"/>
+                </a:solidFill>
+                <a:latin typeface="Monaco" pitchFamily="2" charset="77"/>
+              </a:rPr>
+              <a:t>foo.txt</a:t>
+            </a:r>
+            <a:r>
+              <a:rPr lang="en-US" sz="2400" dirty="0">
+                <a:solidFill>
+                  <a:srgbClr val="C00000"/>
+                </a:solidFill>
+                <a:latin typeface="Monaco" pitchFamily="2" charset="77"/>
+              </a:rPr>
+              <a:t> </a:t>
+            </a:r>
+          </a:p>
+          <a:p>
+            <a:pPr marL="0" indent="0">
+              <a:buNone/>
+            </a:pPr>
+            <a:r>
+              <a:rPr lang="en-US" sz="2400" dirty="0">
+                <a:solidFill>
+                  <a:srgbClr val="C00000"/>
+                </a:solidFill>
+                <a:latin typeface="Monaco" pitchFamily="2" charset="77"/>
+              </a:rPr>
+              <a:t>		&gt; git diff</a:t>
+            </a:r>
+          </a:p>
+          <a:p>
+            <a:pPr marL="0" indent="0">
+              <a:buNone/>
+            </a:pPr>
+            <a:r>
+              <a:rPr lang="en-US" sz="2400" dirty="0">
+                <a:solidFill>
+                  <a:srgbClr val="C00000"/>
+                </a:solidFill>
+                <a:latin typeface="Monaco" pitchFamily="2" charset="77"/>
+              </a:rPr>
+              <a:t>		&gt; git add –A</a:t>
+            </a:r>
+          </a:p>
+          <a:p>
+            <a:pPr marL="0" indent="0">
+              <a:buNone/>
+            </a:pPr>
+            <a:r>
+              <a:rPr lang="en-US" sz="2400" dirty="0">
+                <a:solidFill>
+                  <a:srgbClr val="C00000"/>
+                </a:solidFill>
+                <a:latin typeface="Monaco" pitchFamily="2" charset="77"/>
+              </a:rPr>
+              <a:t>		&gt; git commit</a:t>
+            </a:r>
+          </a:p>
+          <a:p>
+            <a:pPr marL="0" indent="0">
+              <a:buNone/>
+            </a:pPr>
+            <a:r>
+              <a:rPr lang="en-US" sz="2400" dirty="0">
+                <a:solidFill>
+                  <a:srgbClr val="C00000"/>
+                </a:solidFill>
+                <a:latin typeface="Monaco" pitchFamily="2" charset="77"/>
+              </a:rPr>
+              <a:t>		&gt; git log</a:t>
             </a:r>
           </a:p>
           <a:p>
@@ -4315,7 +4454,7 @@
               <a:rPr lang="en-US" sz="2400" dirty="0">
                 <a:latin typeface="Monaco" pitchFamily="2" charset="77"/>
               </a:rPr>
-              <a:t>&gt; git diff &amp; checkout</a:t>
+              <a:t>&gt; git diff &amp; show</a:t>
             </a:r>
           </a:p>
         </p:txBody>
@@ -4341,14 +4480,498 @@
           <a:bodyPr/>
           <a:lstStyle/>
           <a:p>
-            <a:endParaRPr lang="en-US"/>
-          </a:p>
-        </p:txBody>
-      </p:sp>
+            <a:pPr marL="0" indent="0">
+              <a:buNone/>
+            </a:pPr>
+            <a:r>
+              <a:rPr lang="en-US" dirty="0"/>
+              <a:t>4.1 – Difference between current file and N commit ago </a:t>
+            </a:r>
+          </a:p>
+          <a:p>
+            <a:pPr marL="0" indent="0">
+              <a:buNone/>
+            </a:pPr>
+            <a:r>
+              <a:rPr lang="en-US" sz="2800" dirty="0">
+                <a:solidFill>
+                  <a:srgbClr val="C00000"/>
+                </a:solidFill>
+                <a:latin typeface="Monaco" pitchFamily="2" charset="77"/>
+              </a:rPr>
+              <a:t>		&gt; git diff HEAD</a:t>
+            </a:r>
+          </a:p>
+          <a:p>
+            <a:pPr marL="0" indent="0">
+              <a:buNone/>
+            </a:pPr>
+            <a:r>
+              <a:rPr lang="en-US" sz="2800" dirty="0">
+                <a:solidFill>
+                  <a:srgbClr val="C00000"/>
+                </a:solidFill>
+                <a:latin typeface="Monaco" pitchFamily="2" charset="77"/>
+              </a:rPr>
+              <a:t>		&gt; git diff HEAD~1</a:t>
+            </a:r>
+          </a:p>
+          <a:p>
+            <a:pPr marL="0" indent="0">
+              <a:buNone/>
+            </a:pPr>
+            <a:r>
+              <a:rPr lang="en-US" sz="2800" dirty="0">
+                <a:solidFill>
+                  <a:srgbClr val="C00000"/>
+                </a:solidFill>
+                <a:latin typeface="Monaco" pitchFamily="2" charset="77"/>
+              </a:rPr>
+              <a:t>		&gt; git diff </a:t>
+            </a:r>
+            <a:r>
+              <a:rPr lang="en-US" sz="2800" dirty="0">
+                <a:solidFill>
+                  <a:srgbClr val="C00000"/>
+                </a:solidFill>
+                <a:highlight>
+                  <a:srgbClr val="FFFF00"/>
+                </a:highlight>
+                <a:latin typeface="Monaco" pitchFamily="2" charset="77"/>
+              </a:rPr>
+              <a:t>efakb1</a:t>
+            </a:r>
+            <a:r>
+              <a:rPr lang="en-US" sz="2800" dirty="0">
+                <a:solidFill>
+                  <a:srgbClr val="C00000"/>
+                </a:solidFill>
+                <a:latin typeface="Monaco" pitchFamily="2" charset="77"/>
+              </a:rPr>
+              <a:t> </a:t>
+            </a:r>
+          </a:p>
+          <a:p>
+            <a:pPr marL="0" indent="0">
+              <a:buNone/>
+            </a:pPr>
+            <a:r>
+              <a:rPr lang="en-US" dirty="0"/>
+              <a:t>4.2 – What was done in ____ commit?</a:t>
+            </a:r>
+          </a:p>
+          <a:p>
+            <a:pPr marL="0" indent="0">
+              <a:buNone/>
+            </a:pPr>
+            <a:r>
+              <a:rPr lang="en-US" sz="2800" dirty="0">
+                <a:solidFill>
+                  <a:srgbClr val="C00000"/>
+                </a:solidFill>
+                <a:latin typeface="Monaco" pitchFamily="2" charset="77"/>
+              </a:rPr>
+              <a:t>		&gt; commit show HEAD~1 </a:t>
+            </a:r>
+            <a:r>
+              <a:rPr lang="en-US" sz="2800" dirty="0" err="1">
+                <a:solidFill>
+                  <a:srgbClr val="C00000"/>
+                </a:solidFill>
+                <a:latin typeface="Monaco" pitchFamily="2" charset="77"/>
+              </a:rPr>
+              <a:t>foo.txt</a:t>
+            </a:r>
+            <a:endParaRPr lang="en-US" sz="2800" dirty="0">
+              <a:solidFill>
+                <a:srgbClr val="C00000"/>
+              </a:solidFill>
+              <a:latin typeface="Monaco" pitchFamily="2" charset="77"/>
+            </a:endParaRPr>
+          </a:p>
+        </p:txBody>
+      </p:sp>
+      <p:sp>
+        <p:nvSpPr>
+          <p:cNvPr id="4" name="Rounded Rectangle 3">
+            <a:extLst>
+              <a:ext uri="{FF2B5EF4-FFF2-40B4-BE49-F238E27FC236}">
+                <a16:creationId xmlns:a16="http://schemas.microsoft.com/office/drawing/2014/main" id="{76D51D0D-1585-F340-BD41-BE008D4106E2}"/>
+              </a:ext>
+            </a:extLst>
+          </p:cNvPr>
+          <p:cNvSpPr/>
+          <p:nvPr/>
+        </p:nvSpPr>
+        <p:spPr>
+          <a:xfrm>
+            <a:off x="6605195" y="1990164"/>
+            <a:ext cx="2528048" cy="1030045"/>
+          </a:xfrm>
+          <a:prstGeom prst="roundRect">
+            <a:avLst/>
+          </a:prstGeom>
+        </p:spPr>
+        <p:style>
+          <a:lnRef idx="2">
+            <a:schemeClr val="dk1"/>
+          </a:lnRef>
+          <a:fillRef idx="1">
+            <a:schemeClr val="lt1"/>
+          </a:fillRef>
+          <a:effectRef idx="0">
+            <a:schemeClr val="dk1"/>
+          </a:effectRef>
+          <a:fontRef idx="minor">
+            <a:schemeClr val="dk1"/>
+          </a:fontRef>
+        </p:style>
+        <p:txBody>
+          <a:bodyPr rtlCol="0" anchor="ctr"/>
+          <a:lstStyle/>
+          <a:p>
+            <a:pPr algn="ctr"/>
+            <a:r>
+              <a:rPr lang="en-US" dirty="0"/>
+              <a:t>This is different for every commit/repo, use </a:t>
+            </a:r>
+            <a:r>
+              <a:rPr lang="en-US" dirty="0">
+                <a:latin typeface="Monaco" pitchFamily="2" charset="77"/>
+              </a:rPr>
+              <a:t>git log </a:t>
+            </a:r>
+            <a:r>
+              <a:rPr lang="en-US" dirty="0"/>
+              <a:t>to check</a:t>
+            </a:r>
+          </a:p>
+        </p:txBody>
+      </p:sp>
+      <p:cxnSp>
+        <p:nvCxnSpPr>
+          <p:cNvPr id="6" name="Straight Arrow Connector 5">
+            <a:extLst>
+              <a:ext uri="{FF2B5EF4-FFF2-40B4-BE49-F238E27FC236}">
+                <a16:creationId xmlns:a16="http://schemas.microsoft.com/office/drawing/2014/main" id="{398CAE36-118C-6541-98F2-D1198D7E116E}"/>
+              </a:ext>
+            </a:extLst>
+          </p:cNvPr>
+          <p:cNvCxnSpPr>
+            <a:cxnSpLocks/>
+          </p:cNvCxnSpPr>
+          <p:nvPr/>
+        </p:nvCxnSpPr>
+        <p:spPr>
+          <a:xfrm flipH="1">
+            <a:off x="5637007" y="2659331"/>
+            <a:ext cx="968188" cy="360878"/>
+          </a:xfrm>
+          <a:prstGeom prst="straightConnector1">
+            <a:avLst/>
+          </a:prstGeom>
+          <a:ln>
+            <a:tailEnd type="triangle"/>
+          </a:ln>
+          <a:effectLst/>
+        </p:spPr>
+        <p:style>
+          <a:lnRef idx="2">
+            <a:schemeClr val="dk1"/>
+          </a:lnRef>
+          <a:fillRef idx="0">
+            <a:schemeClr val="dk1"/>
+          </a:fillRef>
+          <a:effectRef idx="1">
+            <a:schemeClr val="dk1"/>
+          </a:effectRef>
+          <a:fontRef idx="minor">
+            <a:schemeClr val="tx1"/>
+          </a:fontRef>
+        </p:style>
+      </p:cxnSp>
     </p:spTree>
     <p:extLst>
       <p:ext uri="{BB962C8B-B14F-4D97-AF65-F5344CB8AC3E}">
         <p14:creationId xmlns:p14="http://schemas.microsoft.com/office/powerpoint/2010/main" val="2069254717"/>
+      </p:ext>
+    </p:extLst>
+  </p:cSld>
+  <p:clrMapOvr>
+    <a:masterClrMapping/>
+  </p:clrMapOvr>
+</p:sld>
+</file>
+
+<file path=ppt/slides/slide9.xml><?xml version="1.0" encoding="utf-8"?>
+<p:sld xmlns:a="http://schemas.openxmlformats.org/drawingml/2006/main" xmlns:r="http://schemas.openxmlformats.org/officeDocument/2006/relationships" xmlns:p="http://schemas.openxmlformats.org/presentationml/2006/main">
+  <p:cSld>
+    <p:spTree>
+      <p:nvGrpSpPr>
+        <p:cNvPr id="1" name=""/>
+        <p:cNvGrpSpPr/>
+        <p:nvPr/>
+      </p:nvGrpSpPr>
+      <p:grpSpPr>
+        <a:xfrm>
+          <a:off x="0" y="0"/>
+          <a:ext cx="0" cy="0"/>
+          <a:chOff x="0" y="0"/>
+          <a:chExt cx="0" cy="0"/>
+        </a:xfrm>
+      </p:grpSpPr>
+      <p:sp>
+        <p:nvSpPr>
+          <p:cNvPr id="2" name="Title 1">
+            <a:extLst>
+              <a:ext uri="{FF2B5EF4-FFF2-40B4-BE49-F238E27FC236}">
+                <a16:creationId xmlns:a16="http://schemas.microsoft.com/office/drawing/2014/main" id="{DCCEBE2C-C98C-994D-897F-7CDD771F3370}"/>
+              </a:ext>
+            </a:extLst>
+          </p:cNvPr>
+          <p:cNvSpPr>
+            <a:spLocks noGrp="1"/>
+          </p:cNvSpPr>
+          <p:nvPr>
+            <p:ph type="title"/>
+          </p:nvPr>
+        </p:nvSpPr>
+        <p:spPr/>
+        <p:txBody>
+          <a:bodyPr>
+            <a:normAutofit fontScale="90000"/>
+          </a:bodyPr>
+          <a:lstStyle/>
+          <a:p>
+            <a:r>
+              <a:rPr lang="en-US" dirty="0"/>
+              <a:t>5. Reverting to a previous commit</a:t>
+            </a:r>
+            <a:br>
+              <a:rPr lang="en-US" dirty="0"/>
+            </a:br>
+            <a:r>
+              <a:rPr lang="en-US" dirty="0"/>
+              <a:t>&gt; git checkout</a:t>
+            </a:r>
+          </a:p>
+        </p:txBody>
+      </p:sp>
+      <p:sp>
+        <p:nvSpPr>
+          <p:cNvPr id="3" name="Content Placeholder 2">
+            <a:extLst>
+              <a:ext uri="{FF2B5EF4-FFF2-40B4-BE49-F238E27FC236}">
+                <a16:creationId xmlns:a16="http://schemas.microsoft.com/office/drawing/2014/main" id="{47496551-1D9F-CD4A-921F-E9A1A29DE20A}"/>
+              </a:ext>
+            </a:extLst>
+          </p:cNvPr>
+          <p:cNvSpPr>
+            <a:spLocks noGrp="1"/>
+          </p:cNvSpPr>
+          <p:nvPr>
+            <p:ph idx="1"/>
+          </p:nvPr>
+        </p:nvSpPr>
+        <p:spPr>
+          <a:xfrm>
+            <a:off x="182795" y="1248384"/>
+            <a:ext cx="11814383" cy="5518175"/>
+          </a:xfrm>
+        </p:spPr>
+        <p:txBody>
+          <a:bodyPr>
+            <a:normAutofit fontScale="92500" lnSpcReduction="10000"/>
+          </a:bodyPr>
+          <a:lstStyle/>
+          <a:p>
+            <a:pPr marL="0" indent="0">
+              <a:buNone/>
+            </a:pPr>
+            <a:r>
+              <a:rPr lang="en-US" dirty="0"/>
+              <a:t>5.1 – Going back to a specific version of a file </a:t>
+            </a:r>
+          </a:p>
+          <a:p>
+            <a:pPr marL="0" indent="0">
+              <a:buNone/>
+            </a:pPr>
+            <a:r>
+              <a:rPr lang="en-US" sz="2800" dirty="0">
+                <a:solidFill>
+                  <a:srgbClr val="C00000"/>
+                </a:solidFill>
+                <a:latin typeface="Monaco" pitchFamily="2" charset="77"/>
+              </a:rPr>
+              <a:t>		&gt; git checkout HEAD~1 </a:t>
+            </a:r>
+            <a:r>
+              <a:rPr lang="en-US" sz="2800" dirty="0" err="1">
+                <a:solidFill>
+                  <a:srgbClr val="C00000"/>
+                </a:solidFill>
+                <a:latin typeface="Monaco" pitchFamily="2" charset="77"/>
+              </a:rPr>
+              <a:t>foo.txt</a:t>
+            </a:r>
+            <a:endParaRPr lang="en-US" sz="2800" dirty="0">
+              <a:solidFill>
+                <a:srgbClr val="C00000"/>
+              </a:solidFill>
+              <a:latin typeface="Monaco" pitchFamily="2" charset="77"/>
+            </a:endParaRPr>
+          </a:p>
+          <a:p>
+            <a:pPr marL="0" indent="0">
+              <a:buNone/>
+            </a:pPr>
+            <a:r>
+              <a:rPr lang="en-US" sz="2800" dirty="0">
+                <a:solidFill>
+                  <a:srgbClr val="C00000"/>
+                </a:solidFill>
+                <a:latin typeface="Monaco" pitchFamily="2" charset="77"/>
+              </a:rPr>
+              <a:t>		&gt; cat </a:t>
+            </a:r>
+            <a:r>
+              <a:rPr lang="en-US" sz="2800" dirty="0" err="1">
+                <a:solidFill>
+                  <a:srgbClr val="C00000"/>
+                </a:solidFill>
+                <a:latin typeface="Monaco" pitchFamily="2" charset="77"/>
+              </a:rPr>
+              <a:t>foo.txt</a:t>
+            </a:r>
+            <a:endParaRPr lang="en-US" sz="2800" dirty="0">
+              <a:solidFill>
+                <a:srgbClr val="C00000"/>
+              </a:solidFill>
+              <a:latin typeface="Monaco" pitchFamily="2" charset="77"/>
+            </a:endParaRPr>
+          </a:p>
+          <a:p>
+            <a:pPr marL="0" indent="0">
+              <a:buNone/>
+            </a:pPr>
+            <a:r>
+              <a:rPr lang="en-US" sz="2800" dirty="0">
+                <a:solidFill>
+                  <a:srgbClr val="C00000"/>
+                </a:solidFill>
+                <a:latin typeface="Monaco" pitchFamily="2" charset="77"/>
+              </a:rPr>
+              <a:t>		&gt; git checkout HEAD </a:t>
+            </a:r>
+            <a:r>
+              <a:rPr lang="en-US" sz="2800" dirty="0" err="1">
+                <a:solidFill>
+                  <a:srgbClr val="C00000"/>
+                </a:solidFill>
+                <a:latin typeface="Monaco" pitchFamily="2" charset="77"/>
+              </a:rPr>
+              <a:t>foo.txt</a:t>
+            </a:r>
+            <a:r>
+              <a:rPr lang="en-US" sz="2800" dirty="0">
+                <a:solidFill>
+                  <a:srgbClr val="C00000"/>
+                </a:solidFill>
+                <a:latin typeface="Monaco" pitchFamily="2" charset="77"/>
+              </a:rPr>
+              <a:t> </a:t>
+            </a:r>
+          </a:p>
+          <a:p>
+            <a:pPr marL="0" indent="0">
+              <a:buNone/>
+            </a:pPr>
+            <a:endParaRPr lang="en-US" dirty="0"/>
+          </a:p>
+          <a:p>
+            <a:pPr marL="0" indent="0">
+              <a:buNone/>
+            </a:pPr>
+            <a:r>
+              <a:rPr lang="en-US" dirty="0"/>
+              <a:t>5.2 Going back to an entire commit - Detached HEAD </a:t>
+            </a:r>
+            <a:r>
+              <a:rPr lang="en-US" b="1" dirty="0">
+                <a:highlight>
+                  <a:srgbClr val="FFFF00"/>
+                </a:highlight>
+              </a:rPr>
+              <a:t>(CAUTION)</a:t>
+            </a:r>
+          </a:p>
+          <a:p>
+            <a:pPr marL="0" indent="0">
+              <a:buNone/>
+            </a:pPr>
+            <a:r>
+              <a:rPr lang="en-US" sz="2800" dirty="0">
+                <a:solidFill>
+                  <a:srgbClr val="C00000"/>
+                </a:solidFill>
+                <a:latin typeface="Monaco" pitchFamily="2" charset="77"/>
+              </a:rPr>
+              <a:t>		&gt; git checkout HEAD~1</a:t>
+            </a:r>
+          </a:p>
+          <a:p>
+            <a:pPr marL="0" indent="0">
+              <a:buNone/>
+            </a:pPr>
+            <a:endParaRPr lang="en-US" sz="2800" dirty="0">
+              <a:solidFill>
+                <a:srgbClr val="C00000"/>
+              </a:solidFill>
+              <a:latin typeface="Monaco" pitchFamily="2" charset="77"/>
+            </a:endParaRPr>
+          </a:p>
+          <a:p>
+            <a:pPr marL="0" indent="0">
+              <a:buNone/>
+            </a:pPr>
+            <a:r>
+              <a:rPr lang="en-US" sz="3500" dirty="0">
+                <a:latin typeface="Helvetica" pitchFamily="2" charset="0"/>
+              </a:rPr>
+              <a:t>IF you checkout a previous commit without first committing your current state, then anything not committed would be lost!!!</a:t>
+            </a:r>
+          </a:p>
+          <a:p>
+            <a:pPr marL="0" indent="0">
+              <a:buNone/>
+            </a:pPr>
+            <a:r>
+              <a:rPr lang="en-US" sz="2800" dirty="0">
+                <a:solidFill>
+                  <a:srgbClr val="C00000"/>
+                </a:solidFill>
+                <a:latin typeface="Monaco" pitchFamily="2" charset="77"/>
+              </a:rPr>
+              <a:t>		&gt; git checkout HEAD</a:t>
+            </a:r>
+          </a:p>
+          <a:p>
+            <a:pPr marL="0" indent="0">
+              <a:buNone/>
+            </a:pPr>
+            <a:endParaRPr lang="en-US" b="1" dirty="0">
+              <a:highlight>
+                <a:srgbClr val="FFFF00"/>
+              </a:highlight>
+            </a:endParaRPr>
+          </a:p>
+        </p:txBody>
+      </p:sp>
+    </p:spTree>
+    <p:extLst>
+      <p:ext uri="{BB962C8B-B14F-4D97-AF65-F5344CB8AC3E}">
+        <p14:creationId xmlns:p14="http://schemas.microsoft.com/office/powerpoint/2010/main" val="2408537366"/>
       </p:ext>
     </p:extLst>
   </p:cSld>

--- a/Presentation1.pptx
+++ b/Presentation1.pptx
@@ -4,6 +4,9 @@
   <p:sldMasterIdLst>
     <p:sldMasterId id="2147483708" r:id="rId1"/>
   </p:sldMasterIdLst>
+  <p:notesMasterIdLst>
+    <p:notesMasterId r:id="rId15"/>
+  </p:notesMasterIdLst>
   <p:sldIdLst>
     <p:sldId id="256" r:id="rId2"/>
     <p:sldId id="257" r:id="rId3"/>
@@ -12,8 +15,12 @@
     <p:sldId id="260" r:id="rId6"/>
     <p:sldId id="261" r:id="rId7"/>
     <p:sldId id="262" r:id="rId8"/>
-    <p:sldId id="263" r:id="rId9"/>
-    <p:sldId id="264" r:id="rId10"/>
+    <p:sldId id="268" r:id="rId9"/>
+    <p:sldId id="263" r:id="rId10"/>
+    <p:sldId id="264" r:id="rId11"/>
+    <p:sldId id="265" r:id="rId12"/>
+    <p:sldId id="267" r:id="rId13"/>
+    <p:sldId id="266" r:id="rId14"/>
   </p:sldIdLst>
   <p:sldSz cx="12192000" cy="6858000"/>
   <p:notesSz cx="6858000" cy="9144000"/>
@@ -113,6 +120,530 @@
     </a:lvl9pPr>
   </p:defaultTextStyle>
 </p:presentation>
+</file>
+
+<file path=ppt/notesMasters/notesMaster1.xml><?xml version="1.0" encoding="utf-8"?>
+<p:notesMaster xmlns:a="http://schemas.openxmlformats.org/drawingml/2006/main" xmlns:r="http://schemas.openxmlformats.org/officeDocument/2006/relationships" xmlns:p="http://schemas.openxmlformats.org/presentationml/2006/main">
+  <p:cSld>
+    <p:bg>
+      <p:bgRef idx="1001">
+        <a:schemeClr val="bg1"/>
+      </p:bgRef>
+    </p:bg>
+    <p:spTree>
+      <p:nvGrpSpPr>
+        <p:cNvPr id="1" name=""/>
+        <p:cNvGrpSpPr/>
+        <p:nvPr/>
+      </p:nvGrpSpPr>
+      <p:grpSpPr>
+        <a:xfrm>
+          <a:off x="0" y="0"/>
+          <a:ext cx="0" cy="0"/>
+          <a:chOff x="0" y="0"/>
+          <a:chExt cx="0" cy="0"/>
+        </a:xfrm>
+      </p:grpSpPr>
+      <p:sp>
+        <p:nvSpPr>
+          <p:cNvPr id="2" name="Header Placeholder 1"/>
+          <p:cNvSpPr>
+            <a:spLocks noGrp="1"/>
+          </p:cNvSpPr>
+          <p:nvPr>
+            <p:ph type="hdr" sz="quarter"/>
+          </p:nvPr>
+        </p:nvSpPr>
+        <p:spPr>
+          <a:xfrm>
+            <a:off x="0" y="0"/>
+            <a:ext cx="2971800" cy="458788"/>
+          </a:xfrm>
+          <a:prstGeom prst="rect">
+            <a:avLst/>
+          </a:prstGeom>
+        </p:spPr>
+        <p:txBody>
+          <a:bodyPr vert="horz" lIns="91440" tIns="45720" rIns="91440" bIns="45720" rtlCol="0"/>
+          <a:lstStyle>
+            <a:lvl1pPr algn="l">
+              <a:defRPr sz="1200"/>
+            </a:lvl1pPr>
+          </a:lstStyle>
+          <a:p>
+            <a:endParaRPr lang="en-US"/>
+          </a:p>
+        </p:txBody>
+      </p:sp>
+      <p:sp>
+        <p:nvSpPr>
+          <p:cNvPr id="3" name="Date Placeholder 2"/>
+          <p:cNvSpPr>
+            <a:spLocks noGrp="1"/>
+          </p:cNvSpPr>
+          <p:nvPr>
+            <p:ph type="dt" idx="1"/>
+          </p:nvPr>
+        </p:nvSpPr>
+        <p:spPr>
+          <a:xfrm>
+            <a:off x="3884613" y="0"/>
+            <a:ext cx="2971800" cy="458788"/>
+          </a:xfrm>
+          <a:prstGeom prst="rect">
+            <a:avLst/>
+          </a:prstGeom>
+        </p:spPr>
+        <p:txBody>
+          <a:bodyPr vert="horz" lIns="91440" tIns="45720" rIns="91440" bIns="45720" rtlCol="0"/>
+          <a:lstStyle>
+            <a:lvl1pPr algn="r">
+              <a:defRPr sz="1200"/>
+            </a:lvl1pPr>
+          </a:lstStyle>
+          <a:p>
+            <a:fld id="{D817BDA2-E97A-144A-BB75-B7258D089255}" type="datetimeFigureOut">
+              <a:rPr lang="en-US" smtClean="0"/>
+              <a:t>9/9/19</a:t>
+            </a:fld>
+            <a:endParaRPr lang="en-US"/>
+          </a:p>
+        </p:txBody>
+      </p:sp>
+      <p:sp>
+        <p:nvSpPr>
+          <p:cNvPr id="4" name="Slide Image Placeholder 3"/>
+          <p:cNvSpPr>
+            <a:spLocks noGrp="1" noRot="1" noChangeAspect="1"/>
+          </p:cNvSpPr>
+          <p:nvPr>
+            <p:ph type="sldImg" idx="2"/>
+          </p:nvPr>
+        </p:nvSpPr>
+        <p:spPr>
+          <a:xfrm>
+            <a:off x="685800" y="1143000"/>
+            <a:ext cx="5486400" cy="3086100"/>
+          </a:xfrm>
+          <a:prstGeom prst="rect">
+            <a:avLst/>
+          </a:prstGeom>
+          <a:noFill/>
+          <a:ln w="12700">
+            <a:solidFill>
+              <a:prstClr val="black"/>
+            </a:solidFill>
+          </a:ln>
+        </p:spPr>
+        <p:txBody>
+          <a:bodyPr vert="horz" lIns="91440" tIns="45720" rIns="91440" bIns="45720" rtlCol="0" anchor="ctr"/>
+          <a:lstStyle/>
+          <a:p>
+            <a:endParaRPr lang="en-US"/>
+          </a:p>
+        </p:txBody>
+      </p:sp>
+      <p:sp>
+        <p:nvSpPr>
+          <p:cNvPr id="5" name="Notes Placeholder 4"/>
+          <p:cNvSpPr>
+            <a:spLocks noGrp="1"/>
+          </p:cNvSpPr>
+          <p:nvPr>
+            <p:ph type="body" sz="quarter" idx="3"/>
+          </p:nvPr>
+        </p:nvSpPr>
+        <p:spPr>
+          <a:xfrm>
+            <a:off x="685800" y="4400550"/>
+            <a:ext cx="5486400" cy="3600450"/>
+          </a:xfrm>
+          <a:prstGeom prst="rect">
+            <a:avLst/>
+          </a:prstGeom>
+        </p:spPr>
+        <p:txBody>
+          <a:bodyPr vert="horz" lIns="91440" tIns="45720" rIns="91440" bIns="45720" rtlCol="0"/>
+          <a:lstStyle/>
+          <a:p>
+            <a:pPr lvl="0"/>
+            <a:r>
+              <a:rPr lang="en-US"/>
+              <a:t>Click to edit Master text styles</a:t>
+            </a:r>
+          </a:p>
+          <a:p>
+            <a:pPr lvl="1"/>
+            <a:r>
+              <a:rPr lang="en-US"/>
+              <a:t>Second level</a:t>
+            </a:r>
+          </a:p>
+          <a:p>
+            <a:pPr lvl="2"/>
+            <a:r>
+              <a:rPr lang="en-US"/>
+              <a:t>Third level</a:t>
+            </a:r>
+          </a:p>
+          <a:p>
+            <a:pPr lvl="3"/>
+            <a:r>
+              <a:rPr lang="en-US"/>
+              <a:t>Fourth level</a:t>
+            </a:r>
+          </a:p>
+          <a:p>
+            <a:pPr lvl="4"/>
+            <a:r>
+              <a:rPr lang="en-US"/>
+              <a:t>Fifth level</a:t>
+            </a:r>
+          </a:p>
+        </p:txBody>
+      </p:sp>
+      <p:sp>
+        <p:nvSpPr>
+          <p:cNvPr id="6" name="Footer Placeholder 5"/>
+          <p:cNvSpPr>
+            <a:spLocks noGrp="1"/>
+          </p:cNvSpPr>
+          <p:nvPr>
+            <p:ph type="ftr" sz="quarter" idx="4"/>
+          </p:nvPr>
+        </p:nvSpPr>
+        <p:spPr>
+          <a:xfrm>
+            <a:off x="0" y="8685213"/>
+            <a:ext cx="2971800" cy="458787"/>
+          </a:xfrm>
+          <a:prstGeom prst="rect">
+            <a:avLst/>
+          </a:prstGeom>
+        </p:spPr>
+        <p:txBody>
+          <a:bodyPr vert="horz" lIns="91440" tIns="45720" rIns="91440" bIns="45720" rtlCol="0" anchor="b"/>
+          <a:lstStyle>
+            <a:lvl1pPr algn="l">
+              <a:defRPr sz="1200"/>
+            </a:lvl1pPr>
+          </a:lstStyle>
+          <a:p>
+            <a:endParaRPr lang="en-US"/>
+          </a:p>
+        </p:txBody>
+      </p:sp>
+      <p:sp>
+        <p:nvSpPr>
+          <p:cNvPr id="7" name="Slide Number Placeholder 6"/>
+          <p:cNvSpPr>
+            <a:spLocks noGrp="1"/>
+          </p:cNvSpPr>
+          <p:nvPr>
+            <p:ph type="sldNum" sz="quarter" idx="5"/>
+          </p:nvPr>
+        </p:nvSpPr>
+        <p:spPr>
+          <a:xfrm>
+            <a:off x="3884613" y="8685213"/>
+            <a:ext cx="2971800" cy="458787"/>
+          </a:xfrm>
+          <a:prstGeom prst="rect">
+            <a:avLst/>
+          </a:prstGeom>
+        </p:spPr>
+        <p:txBody>
+          <a:bodyPr vert="horz" lIns="91440" tIns="45720" rIns="91440" bIns="45720" rtlCol="0" anchor="b"/>
+          <a:lstStyle>
+            <a:lvl1pPr algn="r">
+              <a:defRPr sz="1200"/>
+            </a:lvl1pPr>
+          </a:lstStyle>
+          <a:p>
+            <a:fld id="{F59206B0-DA7A-2A44-8167-A53EF7139A9F}" type="slidenum">
+              <a:rPr lang="en-US" smtClean="0"/>
+              <a:t>‹#›</a:t>
+            </a:fld>
+            <a:endParaRPr lang="en-US"/>
+          </a:p>
+        </p:txBody>
+      </p:sp>
+    </p:spTree>
+    <p:extLst>
+      <p:ext uri="{BB962C8B-B14F-4D97-AF65-F5344CB8AC3E}">
+        <p14:creationId xmlns:p14="http://schemas.microsoft.com/office/powerpoint/2010/main" val="2420493487"/>
+      </p:ext>
+    </p:extLst>
+  </p:cSld>
+  <p:clrMap bg1="lt1" tx1="dk1" bg2="lt2" tx2="dk2" accent1="accent1" accent2="accent2" accent3="accent3" accent4="accent4" accent5="accent5" accent6="accent6" hlink="hlink" folHlink="folHlink"/>
+  <p:notesStyle>
+    <a:lvl1pPr marL="0" algn="l" defTabSz="914400" rtl="0" eaLnBrk="1" latinLnBrk="0" hangingPunct="1">
+      <a:defRPr sz="1200" kern="1200">
+        <a:solidFill>
+          <a:schemeClr val="tx1"/>
+        </a:solidFill>
+        <a:latin typeface="+mn-lt"/>
+        <a:ea typeface="+mn-ea"/>
+        <a:cs typeface="+mn-cs"/>
+      </a:defRPr>
+    </a:lvl1pPr>
+    <a:lvl2pPr marL="457200" algn="l" defTabSz="914400" rtl="0" eaLnBrk="1" latinLnBrk="0" hangingPunct="1">
+      <a:defRPr sz="1200" kern="1200">
+        <a:solidFill>
+          <a:schemeClr val="tx1"/>
+        </a:solidFill>
+        <a:latin typeface="+mn-lt"/>
+        <a:ea typeface="+mn-ea"/>
+        <a:cs typeface="+mn-cs"/>
+      </a:defRPr>
+    </a:lvl2pPr>
+    <a:lvl3pPr marL="914400" algn="l" defTabSz="914400" rtl="0" eaLnBrk="1" latinLnBrk="0" hangingPunct="1">
+      <a:defRPr sz="1200" kern="1200">
+        <a:solidFill>
+          <a:schemeClr val="tx1"/>
+        </a:solidFill>
+        <a:latin typeface="+mn-lt"/>
+        <a:ea typeface="+mn-ea"/>
+        <a:cs typeface="+mn-cs"/>
+      </a:defRPr>
+    </a:lvl3pPr>
+    <a:lvl4pPr marL="1371600" algn="l" defTabSz="914400" rtl="0" eaLnBrk="1" latinLnBrk="0" hangingPunct="1">
+      <a:defRPr sz="1200" kern="1200">
+        <a:solidFill>
+          <a:schemeClr val="tx1"/>
+        </a:solidFill>
+        <a:latin typeface="+mn-lt"/>
+        <a:ea typeface="+mn-ea"/>
+        <a:cs typeface="+mn-cs"/>
+      </a:defRPr>
+    </a:lvl4pPr>
+    <a:lvl5pPr marL="1828800" algn="l" defTabSz="914400" rtl="0" eaLnBrk="1" latinLnBrk="0" hangingPunct="1">
+      <a:defRPr sz="1200" kern="1200">
+        <a:solidFill>
+          <a:schemeClr val="tx1"/>
+        </a:solidFill>
+        <a:latin typeface="+mn-lt"/>
+        <a:ea typeface="+mn-ea"/>
+        <a:cs typeface="+mn-cs"/>
+      </a:defRPr>
+    </a:lvl5pPr>
+    <a:lvl6pPr marL="2286000" algn="l" defTabSz="914400" rtl="0" eaLnBrk="1" latinLnBrk="0" hangingPunct="1">
+      <a:defRPr sz="1200" kern="1200">
+        <a:solidFill>
+          <a:schemeClr val="tx1"/>
+        </a:solidFill>
+        <a:latin typeface="+mn-lt"/>
+        <a:ea typeface="+mn-ea"/>
+        <a:cs typeface="+mn-cs"/>
+      </a:defRPr>
+    </a:lvl6pPr>
+    <a:lvl7pPr marL="2743200" algn="l" defTabSz="914400" rtl="0" eaLnBrk="1" latinLnBrk="0" hangingPunct="1">
+      <a:defRPr sz="1200" kern="1200">
+        <a:solidFill>
+          <a:schemeClr val="tx1"/>
+        </a:solidFill>
+        <a:latin typeface="+mn-lt"/>
+        <a:ea typeface="+mn-ea"/>
+        <a:cs typeface="+mn-cs"/>
+      </a:defRPr>
+    </a:lvl7pPr>
+    <a:lvl8pPr marL="3200400" algn="l" defTabSz="914400" rtl="0" eaLnBrk="1" latinLnBrk="0" hangingPunct="1">
+      <a:defRPr sz="1200" kern="1200">
+        <a:solidFill>
+          <a:schemeClr val="tx1"/>
+        </a:solidFill>
+        <a:latin typeface="+mn-lt"/>
+        <a:ea typeface="+mn-ea"/>
+        <a:cs typeface="+mn-cs"/>
+      </a:defRPr>
+    </a:lvl8pPr>
+    <a:lvl9pPr marL="3657600" algn="l" defTabSz="914400" rtl="0" eaLnBrk="1" latinLnBrk="0" hangingPunct="1">
+      <a:defRPr sz="1200" kern="1200">
+        <a:solidFill>
+          <a:schemeClr val="tx1"/>
+        </a:solidFill>
+        <a:latin typeface="+mn-lt"/>
+        <a:ea typeface="+mn-ea"/>
+        <a:cs typeface="+mn-cs"/>
+      </a:defRPr>
+    </a:lvl9pPr>
+  </p:notesStyle>
+</p:notesMaster>
+</file>
+
+<file path=ppt/notesSlides/notesSlide1.xml><?xml version="1.0" encoding="utf-8"?>
+<p:notes xmlns:a="http://schemas.openxmlformats.org/drawingml/2006/main" xmlns:r="http://schemas.openxmlformats.org/officeDocument/2006/relationships" xmlns:p="http://schemas.openxmlformats.org/presentationml/2006/main">
+  <p:cSld>
+    <p:spTree>
+      <p:nvGrpSpPr>
+        <p:cNvPr id="1" name=""/>
+        <p:cNvGrpSpPr/>
+        <p:nvPr/>
+      </p:nvGrpSpPr>
+      <p:grpSpPr>
+        <a:xfrm>
+          <a:off x="0" y="0"/>
+          <a:ext cx="0" cy="0"/>
+          <a:chOff x="0" y="0"/>
+          <a:chExt cx="0" cy="0"/>
+        </a:xfrm>
+      </p:grpSpPr>
+      <p:sp>
+        <p:nvSpPr>
+          <p:cNvPr id="2" name="Slide Image Placeholder 1"/>
+          <p:cNvSpPr>
+            <a:spLocks noGrp="1" noRot="1" noChangeAspect="1"/>
+          </p:cNvSpPr>
+          <p:nvPr>
+            <p:ph type="sldImg"/>
+          </p:nvPr>
+        </p:nvSpPr>
+        <p:spPr/>
+      </p:sp>
+      <p:sp>
+        <p:nvSpPr>
+          <p:cNvPr id="3" name="Notes Placeholder 2"/>
+          <p:cNvSpPr>
+            <a:spLocks noGrp="1"/>
+          </p:cNvSpPr>
+          <p:nvPr>
+            <p:ph type="body" idx="1"/>
+          </p:nvPr>
+        </p:nvSpPr>
+        <p:spPr/>
+        <p:txBody>
+          <a:bodyPr/>
+          <a:lstStyle/>
+          <a:p>
+            <a:r>
+              <a:rPr lang="en-US" dirty="0"/>
+              <a:t>Give example </a:t>
+            </a:r>
+            <a:r>
+              <a:rPr lang="en-US"/>
+              <a:t>from gitlab</a:t>
+            </a:r>
+          </a:p>
+        </p:txBody>
+      </p:sp>
+      <p:sp>
+        <p:nvSpPr>
+          <p:cNvPr id="4" name="Slide Number Placeholder 3"/>
+          <p:cNvSpPr>
+            <a:spLocks noGrp="1"/>
+          </p:cNvSpPr>
+          <p:nvPr>
+            <p:ph type="sldNum" sz="quarter" idx="5"/>
+          </p:nvPr>
+        </p:nvSpPr>
+        <p:spPr/>
+        <p:txBody>
+          <a:bodyPr/>
+          <a:lstStyle/>
+          <a:p>
+            <a:fld id="{F59206B0-DA7A-2A44-8167-A53EF7139A9F}" type="slidenum">
+              <a:rPr lang="en-US" smtClean="0"/>
+              <a:t>8</a:t>
+            </a:fld>
+            <a:endParaRPr lang="en-US"/>
+          </a:p>
+        </p:txBody>
+      </p:sp>
+    </p:spTree>
+    <p:extLst>
+      <p:ext uri="{BB962C8B-B14F-4D97-AF65-F5344CB8AC3E}">
+        <p14:creationId xmlns:p14="http://schemas.microsoft.com/office/powerpoint/2010/main" val="538666587"/>
+      </p:ext>
+    </p:extLst>
+  </p:cSld>
+  <p:clrMapOvr>
+    <a:masterClrMapping/>
+  </p:clrMapOvr>
+</p:notes>
+</file>
+
+<file path=ppt/notesSlides/notesSlide2.xml><?xml version="1.0" encoding="utf-8"?>
+<p:notes xmlns:a="http://schemas.openxmlformats.org/drawingml/2006/main" xmlns:r="http://schemas.openxmlformats.org/officeDocument/2006/relationships" xmlns:p="http://schemas.openxmlformats.org/presentationml/2006/main">
+  <p:cSld>
+    <p:spTree>
+      <p:nvGrpSpPr>
+        <p:cNvPr id="1" name=""/>
+        <p:cNvGrpSpPr/>
+        <p:nvPr/>
+      </p:nvGrpSpPr>
+      <p:grpSpPr>
+        <a:xfrm>
+          <a:off x="0" y="0"/>
+          <a:ext cx="0" cy="0"/>
+          <a:chOff x="0" y="0"/>
+          <a:chExt cx="0" cy="0"/>
+        </a:xfrm>
+      </p:grpSpPr>
+      <p:sp>
+        <p:nvSpPr>
+          <p:cNvPr id="2" name="Slide Image Placeholder 1"/>
+          <p:cNvSpPr>
+            <a:spLocks noGrp="1" noRot="1" noChangeAspect="1"/>
+          </p:cNvSpPr>
+          <p:nvPr>
+            <p:ph type="sldImg"/>
+          </p:nvPr>
+        </p:nvSpPr>
+        <p:spPr/>
+      </p:sp>
+      <p:sp>
+        <p:nvSpPr>
+          <p:cNvPr id="3" name="Notes Placeholder 2"/>
+          <p:cNvSpPr>
+            <a:spLocks noGrp="1"/>
+          </p:cNvSpPr>
+          <p:nvPr>
+            <p:ph type="body" idx="1"/>
+          </p:nvPr>
+        </p:nvSpPr>
+        <p:spPr/>
+        <p:txBody>
+          <a:bodyPr/>
+          <a:lstStyle/>
+          <a:p>
+            <a:endParaRPr lang="en-US" dirty="0"/>
+          </a:p>
+        </p:txBody>
+      </p:sp>
+      <p:sp>
+        <p:nvSpPr>
+          <p:cNvPr id="4" name="Slide Number Placeholder 3"/>
+          <p:cNvSpPr>
+            <a:spLocks noGrp="1"/>
+          </p:cNvSpPr>
+          <p:nvPr>
+            <p:ph type="sldNum" sz="quarter" idx="5"/>
+          </p:nvPr>
+        </p:nvSpPr>
+        <p:spPr/>
+        <p:txBody>
+          <a:bodyPr/>
+          <a:lstStyle/>
+          <a:p>
+            <a:fld id="{F59206B0-DA7A-2A44-8167-A53EF7139A9F}" type="slidenum">
+              <a:rPr lang="en-US" smtClean="0"/>
+              <a:t>11</a:t>
+            </a:fld>
+            <a:endParaRPr lang="en-US"/>
+          </a:p>
+        </p:txBody>
+      </p:sp>
+    </p:spTree>
+    <p:extLst>
+      <p:ext uri="{BB962C8B-B14F-4D97-AF65-F5344CB8AC3E}">
+        <p14:creationId xmlns:p14="http://schemas.microsoft.com/office/powerpoint/2010/main" val="3084883114"/>
+      </p:ext>
+    </p:extLst>
+  </p:cSld>
+  <p:clrMapOvr>
+    <a:masterClrMapping/>
+  </p:clrMapOvr>
+</p:notes>
 </file>
 
 <file path=ppt/slideLayouts/slideLayout1.xml><?xml version="1.0" encoding="utf-8"?>
@@ -3276,6 +3807,1124 @@
 </p:sld>
 </file>
 
+<file path=ppt/slides/slide10.xml><?xml version="1.0" encoding="utf-8"?>
+<p:sld xmlns:a="http://schemas.openxmlformats.org/drawingml/2006/main" xmlns:r="http://schemas.openxmlformats.org/officeDocument/2006/relationships" xmlns:p="http://schemas.openxmlformats.org/presentationml/2006/main">
+  <p:cSld>
+    <p:spTree>
+      <p:nvGrpSpPr>
+        <p:cNvPr id="1" name=""/>
+        <p:cNvGrpSpPr/>
+        <p:nvPr/>
+      </p:nvGrpSpPr>
+      <p:grpSpPr>
+        <a:xfrm>
+          <a:off x="0" y="0"/>
+          <a:ext cx="0" cy="0"/>
+          <a:chOff x="0" y="0"/>
+          <a:chExt cx="0" cy="0"/>
+        </a:xfrm>
+      </p:grpSpPr>
+      <p:sp>
+        <p:nvSpPr>
+          <p:cNvPr id="2" name="Title 1">
+            <a:extLst>
+              <a:ext uri="{FF2B5EF4-FFF2-40B4-BE49-F238E27FC236}">
+                <a16:creationId xmlns:a16="http://schemas.microsoft.com/office/drawing/2014/main" id="{DCCEBE2C-C98C-994D-897F-7CDD771F3370}"/>
+              </a:ext>
+            </a:extLst>
+          </p:cNvPr>
+          <p:cNvSpPr>
+            <a:spLocks noGrp="1"/>
+          </p:cNvSpPr>
+          <p:nvPr>
+            <p:ph type="title"/>
+          </p:nvPr>
+        </p:nvSpPr>
+        <p:spPr/>
+        <p:txBody>
+          <a:bodyPr>
+            <a:normAutofit fontScale="90000"/>
+          </a:bodyPr>
+          <a:lstStyle/>
+          <a:p>
+            <a:r>
+              <a:rPr lang="en-US" dirty="0"/>
+              <a:t>5. Reverting to a previous commit</a:t>
+            </a:r>
+            <a:br>
+              <a:rPr lang="en-US" dirty="0"/>
+            </a:br>
+            <a:r>
+              <a:rPr lang="en-US" dirty="0"/>
+              <a:t>&gt; git checkout</a:t>
+            </a:r>
+          </a:p>
+        </p:txBody>
+      </p:sp>
+      <p:sp>
+        <p:nvSpPr>
+          <p:cNvPr id="3" name="Content Placeholder 2">
+            <a:extLst>
+              <a:ext uri="{FF2B5EF4-FFF2-40B4-BE49-F238E27FC236}">
+                <a16:creationId xmlns:a16="http://schemas.microsoft.com/office/drawing/2014/main" id="{47496551-1D9F-CD4A-921F-E9A1A29DE20A}"/>
+              </a:ext>
+            </a:extLst>
+          </p:cNvPr>
+          <p:cNvSpPr>
+            <a:spLocks noGrp="1"/>
+          </p:cNvSpPr>
+          <p:nvPr>
+            <p:ph idx="1"/>
+          </p:nvPr>
+        </p:nvSpPr>
+        <p:spPr>
+          <a:xfrm>
+            <a:off x="182795" y="1248384"/>
+            <a:ext cx="11814383" cy="5518175"/>
+          </a:xfrm>
+        </p:spPr>
+        <p:txBody>
+          <a:bodyPr>
+            <a:normAutofit fontScale="92500" lnSpcReduction="10000"/>
+          </a:bodyPr>
+          <a:lstStyle/>
+          <a:p>
+            <a:pPr marL="0" indent="0">
+              <a:buNone/>
+            </a:pPr>
+            <a:r>
+              <a:rPr lang="en-US" dirty="0"/>
+              <a:t>5.1 – Going back to a specific version of a file </a:t>
+            </a:r>
+          </a:p>
+          <a:p>
+            <a:pPr marL="0" indent="0">
+              <a:buNone/>
+            </a:pPr>
+            <a:r>
+              <a:rPr lang="en-US" sz="2800" dirty="0">
+                <a:solidFill>
+                  <a:srgbClr val="C00000"/>
+                </a:solidFill>
+                <a:latin typeface="Monaco" pitchFamily="2" charset="77"/>
+              </a:rPr>
+              <a:t>		&gt; git checkout HEAD~1 </a:t>
+            </a:r>
+            <a:r>
+              <a:rPr lang="en-US" sz="2800" dirty="0" err="1">
+                <a:solidFill>
+                  <a:srgbClr val="C00000"/>
+                </a:solidFill>
+                <a:latin typeface="Monaco" pitchFamily="2" charset="77"/>
+              </a:rPr>
+              <a:t>foo.txt</a:t>
+            </a:r>
+            <a:endParaRPr lang="en-US" sz="2800" dirty="0">
+              <a:solidFill>
+                <a:srgbClr val="C00000"/>
+              </a:solidFill>
+              <a:latin typeface="Monaco" pitchFamily="2" charset="77"/>
+            </a:endParaRPr>
+          </a:p>
+          <a:p>
+            <a:pPr marL="0" indent="0">
+              <a:buNone/>
+            </a:pPr>
+            <a:r>
+              <a:rPr lang="en-US" sz="2800" dirty="0">
+                <a:solidFill>
+                  <a:srgbClr val="C00000"/>
+                </a:solidFill>
+                <a:latin typeface="Monaco" pitchFamily="2" charset="77"/>
+              </a:rPr>
+              <a:t>		&gt; cat </a:t>
+            </a:r>
+            <a:r>
+              <a:rPr lang="en-US" sz="2800" dirty="0" err="1">
+                <a:solidFill>
+                  <a:srgbClr val="C00000"/>
+                </a:solidFill>
+                <a:latin typeface="Monaco" pitchFamily="2" charset="77"/>
+              </a:rPr>
+              <a:t>foo.txt</a:t>
+            </a:r>
+            <a:endParaRPr lang="en-US" sz="2800" dirty="0">
+              <a:solidFill>
+                <a:srgbClr val="C00000"/>
+              </a:solidFill>
+              <a:latin typeface="Monaco" pitchFamily="2" charset="77"/>
+            </a:endParaRPr>
+          </a:p>
+          <a:p>
+            <a:pPr marL="0" indent="0">
+              <a:buNone/>
+            </a:pPr>
+            <a:r>
+              <a:rPr lang="en-US" sz="2800" dirty="0">
+                <a:solidFill>
+                  <a:srgbClr val="C00000"/>
+                </a:solidFill>
+                <a:latin typeface="Monaco" pitchFamily="2" charset="77"/>
+              </a:rPr>
+              <a:t>		&gt; git checkout HEAD </a:t>
+            </a:r>
+            <a:r>
+              <a:rPr lang="en-US" sz="2800" dirty="0" err="1">
+                <a:solidFill>
+                  <a:srgbClr val="C00000"/>
+                </a:solidFill>
+                <a:latin typeface="Monaco" pitchFamily="2" charset="77"/>
+              </a:rPr>
+              <a:t>foo.txt</a:t>
+            </a:r>
+            <a:r>
+              <a:rPr lang="en-US" sz="2800" dirty="0">
+                <a:solidFill>
+                  <a:srgbClr val="C00000"/>
+                </a:solidFill>
+                <a:latin typeface="Monaco" pitchFamily="2" charset="77"/>
+              </a:rPr>
+              <a:t> </a:t>
+            </a:r>
+          </a:p>
+          <a:p>
+            <a:pPr marL="0" indent="0">
+              <a:buNone/>
+            </a:pPr>
+            <a:endParaRPr lang="en-US" dirty="0"/>
+          </a:p>
+          <a:p>
+            <a:pPr marL="0" indent="0">
+              <a:buNone/>
+            </a:pPr>
+            <a:r>
+              <a:rPr lang="en-US" dirty="0"/>
+              <a:t>5.2 Going back to an entire commit - Detached HEAD </a:t>
+            </a:r>
+            <a:r>
+              <a:rPr lang="en-US" b="1" dirty="0">
+                <a:highlight>
+                  <a:srgbClr val="FFFF00"/>
+                </a:highlight>
+              </a:rPr>
+              <a:t>(CAUTION)</a:t>
+            </a:r>
+          </a:p>
+          <a:p>
+            <a:pPr marL="0" indent="0">
+              <a:buNone/>
+            </a:pPr>
+            <a:r>
+              <a:rPr lang="en-US" sz="2800" dirty="0">
+                <a:solidFill>
+                  <a:srgbClr val="C00000"/>
+                </a:solidFill>
+                <a:latin typeface="Monaco" pitchFamily="2" charset="77"/>
+              </a:rPr>
+              <a:t>		&gt; git checkout HEAD~1</a:t>
+            </a:r>
+          </a:p>
+          <a:p>
+            <a:pPr marL="0" indent="0">
+              <a:buNone/>
+            </a:pPr>
+            <a:endParaRPr lang="en-US" sz="2800" dirty="0">
+              <a:solidFill>
+                <a:srgbClr val="C00000"/>
+              </a:solidFill>
+              <a:latin typeface="Monaco" pitchFamily="2" charset="77"/>
+            </a:endParaRPr>
+          </a:p>
+          <a:p>
+            <a:pPr marL="0" indent="0">
+              <a:buNone/>
+            </a:pPr>
+            <a:r>
+              <a:rPr lang="en-US" sz="3500" dirty="0">
+                <a:latin typeface="Helvetica" pitchFamily="2" charset="0"/>
+              </a:rPr>
+              <a:t>IF you checkout a previous commit without first committing your current state, then anything not committed would be lost!!!</a:t>
+            </a:r>
+          </a:p>
+          <a:p>
+            <a:pPr marL="0" indent="0">
+              <a:buNone/>
+            </a:pPr>
+            <a:r>
+              <a:rPr lang="en-US" sz="2800" dirty="0">
+                <a:solidFill>
+                  <a:srgbClr val="C00000"/>
+                </a:solidFill>
+                <a:latin typeface="Monaco" pitchFamily="2" charset="77"/>
+              </a:rPr>
+              <a:t>		&gt; git checkout HEAD</a:t>
+            </a:r>
+          </a:p>
+          <a:p>
+            <a:pPr marL="0" indent="0">
+              <a:buNone/>
+            </a:pPr>
+            <a:endParaRPr lang="en-US" b="1" dirty="0">
+              <a:highlight>
+                <a:srgbClr val="FFFF00"/>
+              </a:highlight>
+            </a:endParaRPr>
+          </a:p>
+        </p:txBody>
+      </p:sp>
+    </p:spTree>
+    <p:extLst>
+      <p:ext uri="{BB962C8B-B14F-4D97-AF65-F5344CB8AC3E}">
+        <p14:creationId xmlns:p14="http://schemas.microsoft.com/office/powerpoint/2010/main" val="2408537366"/>
+      </p:ext>
+    </p:extLst>
+  </p:cSld>
+  <p:clrMapOvr>
+    <a:masterClrMapping/>
+  </p:clrMapOvr>
+</p:sld>
+</file>
+
+<file path=ppt/slides/slide11.xml><?xml version="1.0" encoding="utf-8"?>
+<p:sld xmlns:a="http://schemas.openxmlformats.org/drawingml/2006/main" xmlns:r="http://schemas.openxmlformats.org/officeDocument/2006/relationships" xmlns:p="http://schemas.openxmlformats.org/presentationml/2006/main">
+  <p:cSld>
+    <p:spTree>
+      <p:nvGrpSpPr>
+        <p:cNvPr id="1" name=""/>
+        <p:cNvGrpSpPr/>
+        <p:nvPr/>
+      </p:nvGrpSpPr>
+      <p:grpSpPr>
+        <a:xfrm>
+          <a:off x="0" y="0"/>
+          <a:ext cx="0" cy="0"/>
+          <a:chOff x="0" y="0"/>
+          <a:chExt cx="0" cy="0"/>
+        </a:xfrm>
+      </p:grpSpPr>
+      <p:sp>
+        <p:nvSpPr>
+          <p:cNvPr id="2" name="Title 1">
+            <a:extLst>
+              <a:ext uri="{FF2B5EF4-FFF2-40B4-BE49-F238E27FC236}">
+                <a16:creationId xmlns:a16="http://schemas.microsoft.com/office/drawing/2014/main" id="{67B6F8C0-65AF-434C-B027-C75076105FB3}"/>
+              </a:ext>
+            </a:extLst>
+          </p:cNvPr>
+          <p:cNvSpPr>
+            <a:spLocks noGrp="1"/>
+          </p:cNvSpPr>
+          <p:nvPr>
+            <p:ph type="title"/>
+          </p:nvPr>
+        </p:nvSpPr>
+        <p:spPr/>
+        <p:txBody>
+          <a:bodyPr>
+            <a:normAutofit/>
+          </a:bodyPr>
+          <a:lstStyle/>
+          <a:p>
+            <a:r>
+              <a:rPr lang="en-US" dirty="0"/>
+              <a:t>6. Telling git to ignore certain files</a:t>
+            </a:r>
+            <a:br>
+              <a:rPr lang="en-US" dirty="0"/>
+            </a:br>
+            <a:r>
+              <a:rPr lang="en-US" sz="2800" dirty="0">
+                <a:latin typeface="Monaco" pitchFamily="2" charset="77"/>
+              </a:rPr>
+              <a:t>.</a:t>
+            </a:r>
+            <a:r>
+              <a:rPr lang="en-US" sz="2800" dirty="0" err="1">
+                <a:latin typeface="Monaco" pitchFamily="2" charset="77"/>
+              </a:rPr>
+              <a:t>gitignore</a:t>
+            </a:r>
+            <a:endParaRPr lang="en-US" sz="2800" dirty="0">
+              <a:latin typeface="Monaco" pitchFamily="2" charset="77"/>
+            </a:endParaRPr>
+          </a:p>
+        </p:txBody>
+      </p:sp>
+      <p:sp>
+        <p:nvSpPr>
+          <p:cNvPr id="3" name="Content Placeholder 2">
+            <a:extLst>
+              <a:ext uri="{FF2B5EF4-FFF2-40B4-BE49-F238E27FC236}">
+                <a16:creationId xmlns:a16="http://schemas.microsoft.com/office/drawing/2014/main" id="{BB89041B-0A4C-CA44-BD9E-9A9EF5D12759}"/>
+              </a:ext>
+            </a:extLst>
+          </p:cNvPr>
+          <p:cNvSpPr>
+            <a:spLocks noGrp="1"/>
+          </p:cNvSpPr>
+          <p:nvPr>
+            <p:ph idx="1"/>
+          </p:nvPr>
+        </p:nvSpPr>
+        <p:spPr>
+          <a:xfrm>
+            <a:off x="182795" y="1248384"/>
+            <a:ext cx="11814383" cy="5609615"/>
+          </a:xfrm>
+        </p:spPr>
+        <p:txBody>
+          <a:bodyPr>
+            <a:normAutofit/>
+          </a:bodyPr>
+          <a:lstStyle/>
+          <a:p>
+            <a:r>
+              <a:rPr lang="en-US" sz="2800" dirty="0"/>
+              <a:t>Sometimes we don’t want git to track a certain type of files</a:t>
+            </a:r>
+          </a:p>
+          <a:p>
+            <a:pPr lvl="2"/>
+            <a:r>
+              <a:rPr lang="en-US" sz="2000" dirty="0"/>
+              <a:t>Temporary files (e.g., </a:t>
+            </a:r>
+            <a:r>
+              <a:rPr lang="en-US" sz="2000" dirty="0" err="1">
+                <a:latin typeface="Monaco" pitchFamily="2" charset="77"/>
+              </a:rPr>
+              <a:t>bla.m</a:t>
+            </a:r>
+            <a:r>
+              <a:rPr lang="en-US" sz="2000" dirty="0">
+                <a:latin typeface="Monaco" pitchFamily="2" charset="77"/>
+              </a:rPr>
+              <a:t>~, .</a:t>
+            </a:r>
+            <a:r>
+              <a:rPr lang="en-US" sz="2000" dirty="0" err="1">
+                <a:latin typeface="Monaco" pitchFamily="2" charset="77"/>
+              </a:rPr>
+              <a:t>bla.txt</a:t>
+            </a:r>
+            <a:r>
+              <a:rPr lang="en-US" sz="2000" dirty="0"/>
+              <a:t>)</a:t>
+            </a:r>
+          </a:p>
+          <a:p>
+            <a:pPr lvl="2"/>
+            <a:r>
+              <a:rPr lang="en-US" sz="2000" dirty="0"/>
+              <a:t>Big data files (e.g., </a:t>
+            </a:r>
+            <a:r>
+              <a:rPr lang="en-US" sz="2000" dirty="0" err="1">
+                <a:latin typeface="Monaco" pitchFamily="2" charset="77"/>
+              </a:rPr>
+              <a:t>huge_matrix.mat</a:t>
+            </a:r>
+            <a:r>
+              <a:rPr lang="en-US" sz="2000" dirty="0">
+                <a:latin typeface="Monaco" pitchFamily="2" charset="77"/>
+              </a:rPr>
+              <a:t>, </a:t>
+            </a:r>
+            <a:r>
+              <a:rPr lang="en-US" sz="2000" dirty="0" err="1">
+                <a:latin typeface="Monaco" pitchFamily="2" charset="77"/>
+              </a:rPr>
+              <a:t>pca_result.Rdata</a:t>
+            </a:r>
+            <a:r>
+              <a:rPr lang="en-US" sz="2000" dirty="0">
+                <a:latin typeface="Monaco" pitchFamily="2" charset="77"/>
+              </a:rPr>
+              <a:t>)</a:t>
+            </a:r>
+          </a:p>
+          <a:p>
+            <a:pPr lvl="2"/>
+            <a:r>
+              <a:rPr lang="en-US" sz="2000" dirty="0">
+                <a:latin typeface="Helvetica Neue" panose="02000503000000020004" pitchFamily="2" charset="0"/>
+                <a:ea typeface="Helvetica Neue" panose="02000503000000020004" pitchFamily="2" charset="0"/>
+                <a:cs typeface="Helvetica Neue" panose="02000503000000020004" pitchFamily="2" charset="0"/>
+              </a:rPr>
+              <a:t>OS files (e.g., </a:t>
+            </a:r>
+            <a:r>
+              <a:rPr lang="en-US" sz="2000" dirty="0">
+                <a:latin typeface="Monaco" pitchFamily="2" charset="77"/>
+              </a:rPr>
+              <a:t>.</a:t>
+            </a:r>
+            <a:r>
+              <a:rPr lang="en-US" sz="2000" dirty="0" err="1">
+                <a:latin typeface="Monaco" pitchFamily="2" charset="77"/>
+              </a:rPr>
+              <a:t>DS_Store</a:t>
+            </a:r>
+            <a:r>
+              <a:rPr lang="en-US" sz="2000" dirty="0">
+                <a:latin typeface="Monaco" pitchFamily="2" charset="77"/>
+              </a:rPr>
+              <a:t>)</a:t>
+            </a:r>
+          </a:p>
+          <a:p>
+            <a:pPr lvl="2"/>
+            <a:endParaRPr lang="en-US" sz="2000" dirty="0">
+              <a:latin typeface="Monaco" pitchFamily="2" charset="77"/>
+            </a:endParaRPr>
+          </a:p>
+          <a:p>
+            <a:r>
+              <a:rPr lang="en-US" sz="2800" dirty="0">
+                <a:latin typeface="Helvetica Neue" panose="02000503000000020004" pitchFamily="2" charset="0"/>
+                <a:ea typeface="Helvetica Neue" panose="02000503000000020004" pitchFamily="2" charset="0"/>
+                <a:cs typeface="Helvetica Neue" panose="02000503000000020004" pitchFamily="2" charset="0"/>
+              </a:rPr>
+              <a:t>Use a </a:t>
+            </a:r>
+            <a:r>
+              <a:rPr lang="en-US" sz="2800" dirty="0">
+                <a:latin typeface="Monaco" pitchFamily="2" charset="77"/>
+                <a:ea typeface="Helvetica Neue" panose="02000503000000020004" pitchFamily="2" charset="0"/>
+                <a:cs typeface="Helvetica Neue" panose="02000503000000020004" pitchFamily="2" charset="0"/>
+              </a:rPr>
+              <a:t>.</a:t>
+            </a:r>
+            <a:r>
+              <a:rPr lang="en-US" sz="2800" dirty="0" err="1">
+                <a:latin typeface="Monaco" pitchFamily="2" charset="77"/>
+                <a:ea typeface="Helvetica Neue" panose="02000503000000020004" pitchFamily="2" charset="0"/>
+                <a:cs typeface="Helvetica Neue" panose="02000503000000020004" pitchFamily="2" charset="0"/>
+              </a:rPr>
+              <a:t>gitignore</a:t>
+            </a:r>
+            <a:r>
+              <a:rPr lang="en-US" sz="2800" dirty="0">
+                <a:latin typeface="Monaco" pitchFamily="2" charset="77"/>
+                <a:ea typeface="Helvetica Neue" panose="02000503000000020004" pitchFamily="2" charset="0"/>
+                <a:cs typeface="Helvetica Neue" panose="02000503000000020004" pitchFamily="2" charset="0"/>
+              </a:rPr>
+              <a:t> </a:t>
+            </a:r>
+            <a:r>
+              <a:rPr lang="en-US" sz="2800" dirty="0">
+                <a:latin typeface="Helvetica Neue" panose="02000503000000020004" pitchFamily="2" charset="0"/>
+                <a:ea typeface="Helvetica Neue" panose="02000503000000020004" pitchFamily="2" charset="0"/>
+                <a:cs typeface="Helvetica Neue" panose="02000503000000020004" pitchFamily="2" charset="0"/>
+              </a:rPr>
+              <a:t>file</a:t>
+            </a:r>
+          </a:p>
+          <a:p>
+            <a:pPr marL="0" indent="0">
+              <a:buNone/>
+            </a:pPr>
+            <a:r>
+              <a:rPr lang="en-US" sz="2400" dirty="0">
+                <a:solidFill>
+                  <a:srgbClr val="C00000"/>
+                </a:solidFill>
+                <a:latin typeface="Monaco" pitchFamily="2" charset="77"/>
+                <a:ea typeface="Helvetica Neue" panose="02000503000000020004" pitchFamily="2" charset="0"/>
+                <a:cs typeface="Helvetica Neue" panose="02000503000000020004" pitchFamily="2" charset="0"/>
+              </a:rPr>
+              <a:t>		&gt; touch </a:t>
+            </a:r>
+            <a:r>
+              <a:rPr lang="en-US" sz="2400" dirty="0" err="1">
+                <a:solidFill>
+                  <a:srgbClr val="C00000"/>
+                </a:solidFill>
+                <a:latin typeface="Monaco" pitchFamily="2" charset="77"/>
+                <a:ea typeface="Helvetica Neue" panose="02000503000000020004" pitchFamily="2" charset="0"/>
+                <a:cs typeface="Helvetica Neue" panose="02000503000000020004" pitchFamily="2" charset="0"/>
+              </a:rPr>
+              <a:t>ignore_this.txt</a:t>
+            </a:r>
+            <a:endParaRPr lang="en-US" sz="2400" dirty="0">
+              <a:solidFill>
+                <a:srgbClr val="C00000"/>
+              </a:solidFill>
+              <a:latin typeface="Monaco" pitchFamily="2" charset="77"/>
+              <a:ea typeface="Helvetica Neue" panose="02000503000000020004" pitchFamily="2" charset="0"/>
+              <a:cs typeface="Helvetica Neue" panose="02000503000000020004" pitchFamily="2" charset="0"/>
+            </a:endParaRPr>
+          </a:p>
+          <a:p>
+            <a:pPr marL="0" indent="0">
+              <a:buNone/>
+            </a:pPr>
+            <a:r>
+              <a:rPr lang="en-US" sz="2400" dirty="0">
+                <a:solidFill>
+                  <a:srgbClr val="C00000"/>
+                </a:solidFill>
+                <a:latin typeface="Monaco" pitchFamily="2" charset="77"/>
+                <a:ea typeface="Helvetica Neue" panose="02000503000000020004" pitchFamily="2" charset="0"/>
+                <a:cs typeface="Helvetica Neue" panose="02000503000000020004" pitchFamily="2" charset="0"/>
+              </a:rPr>
+              <a:t>		&gt; echo </a:t>
+            </a:r>
+            <a:r>
+              <a:rPr lang="en-US" sz="2400" dirty="0" err="1">
+                <a:solidFill>
+                  <a:srgbClr val="C00000"/>
+                </a:solidFill>
+                <a:latin typeface="Monaco" pitchFamily="2" charset="77"/>
+                <a:ea typeface="Helvetica Neue" panose="02000503000000020004" pitchFamily="2" charset="0"/>
+                <a:cs typeface="Helvetica Neue" panose="02000503000000020004" pitchFamily="2" charset="0"/>
+              </a:rPr>
+              <a:t>ignore_this.txt</a:t>
+            </a:r>
+            <a:r>
+              <a:rPr lang="en-US" sz="2400" dirty="0">
+                <a:solidFill>
+                  <a:srgbClr val="C00000"/>
+                </a:solidFill>
+                <a:latin typeface="Monaco" pitchFamily="2" charset="77"/>
+                <a:ea typeface="Helvetica Neue" panose="02000503000000020004" pitchFamily="2" charset="0"/>
+                <a:cs typeface="Helvetica Neue" panose="02000503000000020004" pitchFamily="2" charset="0"/>
+              </a:rPr>
+              <a:t> &gt;&gt; .</a:t>
+            </a:r>
+            <a:r>
+              <a:rPr lang="en-US" sz="2400" dirty="0" err="1">
+                <a:solidFill>
+                  <a:srgbClr val="C00000"/>
+                </a:solidFill>
+                <a:latin typeface="Monaco" pitchFamily="2" charset="77"/>
+                <a:ea typeface="Helvetica Neue" panose="02000503000000020004" pitchFamily="2" charset="0"/>
+                <a:cs typeface="Helvetica Neue" panose="02000503000000020004" pitchFamily="2" charset="0"/>
+              </a:rPr>
+              <a:t>gitignore</a:t>
+            </a:r>
+            <a:endParaRPr lang="en-US" sz="2400" dirty="0">
+              <a:solidFill>
+                <a:srgbClr val="C00000"/>
+              </a:solidFill>
+              <a:latin typeface="Monaco" pitchFamily="2" charset="77"/>
+              <a:ea typeface="Helvetica Neue" panose="02000503000000020004" pitchFamily="2" charset="0"/>
+              <a:cs typeface="Helvetica Neue" panose="02000503000000020004" pitchFamily="2" charset="0"/>
+            </a:endParaRPr>
+          </a:p>
+          <a:p>
+            <a:pPr marL="0" indent="0">
+              <a:buNone/>
+            </a:pPr>
+            <a:r>
+              <a:rPr lang="en-US" sz="2400" dirty="0">
+                <a:solidFill>
+                  <a:srgbClr val="C00000"/>
+                </a:solidFill>
+                <a:latin typeface="Monaco" pitchFamily="2" charset="77"/>
+                <a:ea typeface="Helvetica Neue" panose="02000503000000020004" pitchFamily="2" charset="0"/>
+                <a:cs typeface="Helvetica Neue" panose="02000503000000020004" pitchFamily="2" charset="0"/>
+              </a:rPr>
+              <a:t>		&gt; git add </a:t>
+            </a:r>
+            <a:r>
+              <a:rPr lang="en-US" sz="2400" dirty="0" err="1">
+                <a:solidFill>
+                  <a:srgbClr val="C00000"/>
+                </a:solidFill>
+                <a:latin typeface="Monaco" pitchFamily="2" charset="77"/>
+                <a:ea typeface="Helvetica Neue" panose="02000503000000020004" pitchFamily="2" charset="0"/>
+                <a:cs typeface="Helvetica Neue" panose="02000503000000020004" pitchFamily="2" charset="0"/>
+              </a:rPr>
+              <a:t>ignore_this.txt</a:t>
+            </a:r>
+            <a:endParaRPr lang="en-US" sz="2400" dirty="0">
+              <a:solidFill>
+                <a:srgbClr val="C00000"/>
+              </a:solidFill>
+              <a:latin typeface="Monaco" pitchFamily="2" charset="77"/>
+              <a:ea typeface="Helvetica Neue" panose="02000503000000020004" pitchFamily="2" charset="0"/>
+              <a:cs typeface="Helvetica Neue" panose="02000503000000020004" pitchFamily="2" charset="0"/>
+            </a:endParaRPr>
+          </a:p>
+          <a:p>
+            <a:pPr marL="0" indent="0">
+              <a:buNone/>
+            </a:pPr>
+            <a:endParaRPr lang="en-US" sz="2400" dirty="0">
+              <a:solidFill>
+                <a:srgbClr val="C00000"/>
+              </a:solidFill>
+              <a:latin typeface="Monaco" pitchFamily="2" charset="77"/>
+              <a:ea typeface="Helvetica Neue" panose="02000503000000020004" pitchFamily="2" charset="0"/>
+              <a:cs typeface="Helvetica Neue" panose="02000503000000020004" pitchFamily="2" charset="0"/>
+            </a:endParaRPr>
+          </a:p>
+          <a:p>
+            <a:pPr marL="0" indent="0">
+              <a:buNone/>
+            </a:pPr>
+            <a:r>
+              <a:rPr lang="en-US" sz="2800" dirty="0">
+                <a:latin typeface="Helvetica Neue" panose="02000503000000020004" pitchFamily="2" charset="0"/>
+                <a:ea typeface="Helvetica Neue" panose="02000503000000020004" pitchFamily="2" charset="0"/>
+                <a:cs typeface="Helvetica Neue" panose="02000503000000020004" pitchFamily="2" charset="0"/>
+              </a:rPr>
+              <a:t>NOTE: .</a:t>
+            </a:r>
+            <a:r>
+              <a:rPr lang="en-US" sz="2800" dirty="0" err="1">
+                <a:latin typeface="Helvetica Neue" panose="02000503000000020004" pitchFamily="2" charset="0"/>
+                <a:ea typeface="Helvetica Neue" panose="02000503000000020004" pitchFamily="2" charset="0"/>
+                <a:cs typeface="Helvetica Neue" panose="02000503000000020004" pitchFamily="2" charset="0"/>
+              </a:rPr>
+              <a:t>gitignore</a:t>
+            </a:r>
+            <a:r>
+              <a:rPr lang="en-US" sz="2800" dirty="0">
+                <a:latin typeface="Helvetica Neue" panose="02000503000000020004" pitchFamily="2" charset="0"/>
+                <a:ea typeface="Helvetica Neue" panose="02000503000000020004" pitchFamily="2" charset="0"/>
+                <a:cs typeface="Helvetica Neue" panose="02000503000000020004" pitchFamily="2" charset="0"/>
+              </a:rPr>
+              <a:t> can ignore an entire subdirectory. </a:t>
+            </a:r>
+          </a:p>
+          <a:p>
+            <a:pPr marL="0" indent="0">
+              <a:buNone/>
+            </a:pPr>
+            <a:r>
+              <a:rPr lang="en-US" sz="2800" dirty="0">
+                <a:latin typeface="Helvetica Neue" panose="02000503000000020004" pitchFamily="2" charset="0"/>
+                <a:ea typeface="Helvetica Neue" panose="02000503000000020004" pitchFamily="2" charset="0"/>
+                <a:cs typeface="Helvetica Neue" panose="02000503000000020004" pitchFamily="2" charset="0"/>
+              </a:rPr>
+              <a:t>Here is how a typical .</a:t>
+            </a:r>
+            <a:r>
+              <a:rPr lang="en-US" sz="2800" dirty="0" err="1">
+                <a:latin typeface="Helvetica Neue" panose="02000503000000020004" pitchFamily="2" charset="0"/>
+                <a:ea typeface="Helvetica Neue" panose="02000503000000020004" pitchFamily="2" charset="0"/>
+                <a:cs typeface="Helvetica Neue" panose="02000503000000020004" pitchFamily="2" charset="0"/>
+              </a:rPr>
+              <a:t>gitignore</a:t>
+            </a:r>
+            <a:r>
+              <a:rPr lang="en-US" sz="2800" dirty="0">
+                <a:latin typeface="Helvetica Neue" panose="02000503000000020004" pitchFamily="2" charset="0"/>
+                <a:ea typeface="Helvetica Neue" panose="02000503000000020004" pitchFamily="2" charset="0"/>
+                <a:cs typeface="Helvetica Neue" panose="02000503000000020004" pitchFamily="2" charset="0"/>
+              </a:rPr>
+              <a:t> file might look like:</a:t>
+            </a:r>
+          </a:p>
+          <a:p>
+            <a:pPr marL="0" indent="0">
+              <a:buNone/>
+            </a:pPr>
+            <a:endParaRPr lang="en-US" sz="2800" dirty="0">
+              <a:latin typeface="Helvetica Neue" panose="02000503000000020004" pitchFamily="2" charset="0"/>
+              <a:ea typeface="Helvetica Neue" panose="02000503000000020004" pitchFamily="2" charset="0"/>
+              <a:cs typeface="Helvetica Neue" panose="02000503000000020004" pitchFamily="2" charset="0"/>
+            </a:endParaRPr>
+          </a:p>
+          <a:p>
+            <a:pPr marL="0" indent="0">
+              <a:buNone/>
+            </a:pPr>
+            <a:endParaRPr lang="en-US" sz="2800" dirty="0">
+              <a:latin typeface="Helvetica Neue" panose="02000503000000020004" pitchFamily="2" charset="0"/>
+              <a:ea typeface="Helvetica Neue" panose="02000503000000020004" pitchFamily="2" charset="0"/>
+              <a:cs typeface="Helvetica Neue" panose="02000503000000020004" pitchFamily="2" charset="0"/>
+            </a:endParaRPr>
+          </a:p>
+        </p:txBody>
+      </p:sp>
+      <p:sp>
+        <p:nvSpPr>
+          <p:cNvPr id="4" name="Rounded Rectangle 3">
+            <a:extLst>
+              <a:ext uri="{FF2B5EF4-FFF2-40B4-BE49-F238E27FC236}">
+                <a16:creationId xmlns:a16="http://schemas.microsoft.com/office/drawing/2014/main" id="{8B74FA6A-1D26-1448-B138-50E014562329}"/>
+              </a:ext>
+            </a:extLst>
+          </p:cNvPr>
+          <p:cNvSpPr/>
+          <p:nvPr/>
+        </p:nvSpPr>
+        <p:spPr>
+          <a:xfrm>
+            <a:off x="8566032" y="3091543"/>
+            <a:ext cx="2528048" cy="1030045"/>
+          </a:xfrm>
+          <a:prstGeom prst="roundRect">
+            <a:avLst/>
+          </a:prstGeom>
+        </p:spPr>
+        <p:style>
+          <a:lnRef idx="2">
+            <a:schemeClr val="dk1"/>
+          </a:lnRef>
+          <a:fillRef idx="1">
+            <a:schemeClr val="lt1"/>
+          </a:fillRef>
+          <a:effectRef idx="0">
+            <a:schemeClr val="dk1"/>
+          </a:effectRef>
+          <a:fontRef idx="minor">
+            <a:schemeClr val="dk1"/>
+          </a:fontRef>
+        </p:style>
+        <p:txBody>
+          <a:bodyPr rtlCol="0" anchor="ctr"/>
+          <a:lstStyle/>
+          <a:p>
+            <a:pPr algn="ctr"/>
+            <a:r>
+              <a:rPr lang="en-US" dirty="0"/>
+              <a:t>This will now tell Git to not track </a:t>
+            </a:r>
+            <a:r>
+              <a:rPr lang="en-US" dirty="0" err="1"/>
+              <a:t>ignore_this.txt</a:t>
+            </a:r>
+            <a:endParaRPr lang="en-US" dirty="0"/>
+          </a:p>
+        </p:txBody>
+      </p:sp>
+      <p:cxnSp>
+        <p:nvCxnSpPr>
+          <p:cNvPr id="5" name="Straight Arrow Connector 4">
+            <a:extLst>
+              <a:ext uri="{FF2B5EF4-FFF2-40B4-BE49-F238E27FC236}">
+                <a16:creationId xmlns:a16="http://schemas.microsoft.com/office/drawing/2014/main" id="{2DD2BA9E-B8BA-DE4A-A923-3F3FA2253392}"/>
+              </a:ext>
+            </a:extLst>
+          </p:cNvPr>
+          <p:cNvCxnSpPr>
+            <a:cxnSpLocks/>
+          </p:cNvCxnSpPr>
+          <p:nvPr/>
+        </p:nvCxnSpPr>
+        <p:spPr>
+          <a:xfrm flipH="1">
+            <a:off x="7597844" y="3760710"/>
+            <a:ext cx="968188" cy="360878"/>
+          </a:xfrm>
+          <a:prstGeom prst="straightConnector1">
+            <a:avLst/>
+          </a:prstGeom>
+          <a:ln>
+            <a:tailEnd type="triangle"/>
+          </a:ln>
+          <a:effectLst/>
+        </p:spPr>
+        <p:style>
+          <a:lnRef idx="2">
+            <a:schemeClr val="dk1"/>
+          </a:lnRef>
+          <a:fillRef idx="0">
+            <a:schemeClr val="dk1"/>
+          </a:fillRef>
+          <a:effectRef idx="1">
+            <a:schemeClr val="dk1"/>
+          </a:effectRef>
+          <a:fontRef idx="minor">
+            <a:schemeClr val="tx1"/>
+          </a:fontRef>
+        </p:style>
+      </p:cxnSp>
+      <p:pic>
+        <p:nvPicPr>
+          <p:cNvPr id="7" name="Picture 6">
+            <a:extLst>
+              <a:ext uri="{FF2B5EF4-FFF2-40B4-BE49-F238E27FC236}">
+                <a16:creationId xmlns:a16="http://schemas.microsoft.com/office/drawing/2014/main" id="{A49B1BCE-0047-0644-8E2C-2B1BF7AD1A6C}"/>
+              </a:ext>
+            </a:extLst>
+          </p:cNvPr>
+          <p:cNvPicPr>
+            <a:picLocks noChangeAspect="1"/>
+          </p:cNvPicPr>
+          <p:nvPr/>
+        </p:nvPicPr>
+        <p:blipFill>
+          <a:blip r:embed="rId3"/>
+          <a:stretch>
+            <a:fillRect/>
+          </a:stretch>
+        </p:blipFill>
+        <p:spPr>
+          <a:xfrm>
+            <a:off x="8332769" y="5175324"/>
+            <a:ext cx="1206500" cy="1219200"/>
+          </a:xfrm>
+          <a:prstGeom prst="rect">
+            <a:avLst/>
+          </a:prstGeom>
+        </p:spPr>
+      </p:pic>
+    </p:spTree>
+    <p:extLst>
+      <p:ext uri="{BB962C8B-B14F-4D97-AF65-F5344CB8AC3E}">
+        <p14:creationId xmlns:p14="http://schemas.microsoft.com/office/powerpoint/2010/main" val="1257286139"/>
+      </p:ext>
+    </p:extLst>
+  </p:cSld>
+  <p:clrMapOvr>
+    <a:masterClrMapping/>
+  </p:clrMapOvr>
+</p:sld>
+</file>
+
+<file path=ppt/slides/slide12.xml><?xml version="1.0" encoding="utf-8"?>
+<p:sld xmlns:a="http://schemas.openxmlformats.org/drawingml/2006/main" xmlns:r="http://schemas.openxmlformats.org/officeDocument/2006/relationships" xmlns:p="http://schemas.openxmlformats.org/presentationml/2006/main">
+  <p:cSld>
+    <p:spTree>
+      <p:nvGrpSpPr>
+        <p:cNvPr id="1" name=""/>
+        <p:cNvGrpSpPr/>
+        <p:nvPr/>
+      </p:nvGrpSpPr>
+      <p:grpSpPr>
+        <a:xfrm>
+          <a:off x="0" y="0"/>
+          <a:ext cx="0" cy="0"/>
+          <a:chOff x="0" y="0"/>
+          <a:chExt cx="0" cy="0"/>
+        </a:xfrm>
+      </p:grpSpPr>
+      <p:sp>
+        <p:nvSpPr>
+          <p:cNvPr id="2" name="Title 1">
+            <a:extLst>
+              <a:ext uri="{FF2B5EF4-FFF2-40B4-BE49-F238E27FC236}">
+                <a16:creationId xmlns:a16="http://schemas.microsoft.com/office/drawing/2014/main" id="{815AA906-BA2D-5746-903D-7C6177ACF329}"/>
+              </a:ext>
+            </a:extLst>
+          </p:cNvPr>
+          <p:cNvSpPr>
+            <a:spLocks noGrp="1"/>
+          </p:cNvSpPr>
+          <p:nvPr>
+            <p:ph type="title"/>
+          </p:nvPr>
+        </p:nvSpPr>
+        <p:spPr/>
+        <p:txBody>
+          <a:bodyPr/>
+          <a:lstStyle/>
+          <a:p>
+            <a:r>
+              <a:rPr lang="en-US" dirty="0"/>
+              <a:t>BREAK</a:t>
+            </a:r>
+          </a:p>
+        </p:txBody>
+      </p:sp>
+      <p:sp>
+        <p:nvSpPr>
+          <p:cNvPr id="3" name="Content Placeholder 2">
+            <a:extLst>
+              <a:ext uri="{FF2B5EF4-FFF2-40B4-BE49-F238E27FC236}">
+                <a16:creationId xmlns:a16="http://schemas.microsoft.com/office/drawing/2014/main" id="{C0126B9C-C239-D04E-AE20-670B85A326AA}"/>
+              </a:ext>
+            </a:extLst>
+          </p:cNvPr>
+          <p:cNvSpPr>
+            <a:spLocks noGrp="1"/>
+          </p:cNvSpPr>
+          <p:nvPr>
+            <p:ph idx="1"/>
+          </p:nvPr>
+        </p:nvSpPr>
+        <p:spPr/>
+        <p:txBody>
+          <a:bodyPr/>
+          <a:lstStyle/>
+          <a:p>
+            <a:pPr marL="0" indent="0" algn="ctr">
+              <a:buNone/>
+            </a:pPr>
+            <a:r>
+              <a:rPr lang="en-US" dirty="0"/>
+              <a:t>This ends the </a:t>
+            </a:r>
+            <a:r>
+              <a:rPr lang="en-US" b="1" dirty="0"/>
+              <a:t>version control</a:t>
+            </a:r>
+            <a:r>
+              <a:rPr lang="en-US" dirty="0"/>
+              <a:t> portion of git. </a:t>
+            </a:r>
+          </a:p>
+          <a:p>
+            <a:pPr marL="0" indent="0" algn="ctr">
+              <a:buNone/>
+            </a:pPr>
+            <a:r>
+              <a:rPr lang="en-US" dirty="0"/>
+              <a:t>There is a lot more, google is your friend.</a:t>
+            </a:r>
+          </a:p>
+          <a:p>
+            <a:pPr marL="0" indent="0" algn="ctr">
+              <a:buNone/>
+            </a:pPr>
+            <a:endParaRPr lang="en-US" dirty="0"/>
+          </a:p>
+          <a:p>
+            <a:pPr marL="0" indent="0" algn="ctr">
+              <a:buNone/>
+            </a:pPr>
+            <a:endParaRPr lang="en-US" dirty="0"/>
+          </a:p>
+          <a:p>
+            <a:pPr marL="0" indent="0" algn="ctr">
+              <a:buNone/>
+            </a:pPr>
+            <a:endParaRPr lang="en-US" dirty="0"/>
+          </a:p>
+          <a:p>
+            <a:pPr marL="0" indent="0" algn="ctr">
+              <a:buNone/>
+            </a:pPr>
+            <a:r>
+              <a:rPr lang="en-US" dirty="0"/>
+              <a:t>What makes </a:t>
+            </a:r>
+            <a:r>
+              <a:rPr lang="en-US" dirty="0">
+                <a:latin typeface="Monaco" pitchFamily="2" charset="77"/>
+              </a:rPr>
+              <a:t>git</a:t>
+            </a:r>
+            <a:r>
+              <a:rPr lang="en-US" dirty="0"/>
+              <a:t> a very strong tool in science is the power to collaborate via sharing and incorporating codes with others.</a:t>
+            </a:r>
+          </a:p>
+        </p:txBody>
+      </p:sp>
+    </p:spTree>
+    <p:extLst>
+      <p:ext uri="{BB962C8B-B14F-4D97-AF65-F5344CB8AC3E}">
+        <p14:creationId xmlns:p14="http://schemas.microsoft.com/office/powerpoint/2010/main" val="72598996"/>
+      </p:ext>
+    </p:extLst>
+  </p:cSld>
+  <p:clrMapOvr>
+    <a:masterClrMapping/>
+  </p:clrMapOvr>
+</p:sld>
+</file>
+
+<file path=ppt/slides/slide13.xml><?xml version="1.0" encoding="utf-8"?>
+<p:sld xmlns:a="http://schemas.openxmlformats.org/drawingml/2006/main" xmlns:r="http://schemas.openxmlformats.org/officeDocument/2006/relationships" xmlns:p="http://schemas.openxmlformats.org/presentationml/2006/main">
+  <p:cSld>
+    <p:spTree>
+      <p:nvGrpSpPr>
+        <p:cNvPr id="1" name=""/>
+        <p:cNvGrpSpPr/>
+        <p:nvPr/>
+      </p:nvGrpSpPr>
+      <p:grpSpPr>
+        <a:xfrm>
+          <a:off x="0" y="0"/>
+          <a:ext cx="0" cy="0"/>
+          <a:chOff x="0" y="0"/>
+          <a:chExt cx="0" cy="0"/>
+        </a:xfrm>
+      </p:grpSpPr>
+      <p:sp>
+        <p:nvSpPr>
+          <p:cNvPr id="2" name="Title 1">
+            <a:extLst>
+              <a:ext uri="{FF2B5EF4-FFF2-40B4-BE49-F238E27FC236}">
+                <a16:creationId xmlns:a16="http://schemas.microsoft.com/office/drawing/2014/main" id="{C365F5EE-6978-6148-B352-69ED28B779ED}"/>
+              </a:ext>
+            </a:extLst>
+          </p:cNvPr>
+          <p:cNvSpPr>
+            <a:spLocks noGrp="1"/>
+          </p:cNvSpPr>
+          <p:nvPr>
+            <p:ph type="title"/>
+          </p:nvPr>
+        </p:nvSpPr>
+        <p:spPr/>
+        <p:txBody>
+          <a:bodyPr/>
+          <a:lstStyle/>
+          <a:p>
+            <a:r>
+              <a:rPr lang="en-US" dirty="0"/>
+              <a:t>7. </a:t>
+            </a:r>
+            <a:r>
+              <a:rPr lang="en-US" dirty="0" err="1"/>
+              <a:t>Github</a:t>
+            </a:r>
+            <a:r>
+              <a:rPr lang="en-US" dirty="0"/>
+              <a:t> and other remote hosts</a:t>
+            </a:r>
+          </a:p>
+        </p:txBody>
+      </p:sp>
+      <p:sp>
+        <p:nvSpPr>
+          <p:cNvPr id="3" name="Content Placeholder 2">
+            <a:extLst>
+              <a:ext uri="{FF2B5EF4-FFF2-40B4-BE49-F238E27FC236}">
+                <a16:creationId xmlns:a16="http://schemas.microsoft.com/office/drawing/2014/main" id="{8466DFBF-DAA3-C944-B466-6919C188EDFB}"/>
+              </a:ext>
+            </a:extLst>
+          </p:cNvPr>
+          <p:cNvSpPr>
+            <a:spLocks noGrp="1"/>
+          </p:cNvSpPr>
+          <p:nvPr>
+            <p:ph idx="1"/>
+          </p:nvPr>
+        </p:nvSpPr>
+        <p:spPr/>
+        <p:txBody>
+          <a:bodyPr/>
+          <a:lstStyle/>
+          <a:p>
+            <a:pPr marL="0" indent="0">
+              <a:buNone/>
+            </a:pPr>
+            <a:r>
+              <a:rPr lang="en-US" dirty="0"/>
+              <a:t>Thus far everything is within your local computer and done using `git`. That is the </a:t>
+            </a:r>
+            <a:r>
+              <a:rPr lang="en-US" b="1" dirty="0"/>
+              <a:t>version control</a:t>
+            </a:r>
+            <a:r>
+              <a:rPr lang="en-US" dirty="0"/>
+              <a:t> portion of git. Which is important and powerful. But what makes git a very strong tool for collaboration.</a:t>
+            </a:r>
+          </a:p>
+        </p:txBody>
+      </p:sp>
+    </p:spTree>
+    <p:extLst>
+      <p:ext uri="{BB962C8B-B14F-4D97-AF65-F5344CB8AC3E}">
+        <p14:creationId xmlns:p14="http://schemas.microsoft.com/office/powerpoint/2010/main" val="52755702"/>
+      </p:ext>
+    </p:extLst>
+  </p:cSld>
+  <p:clrMapOvr>
+    <a:masterClrMapping/>
+  </p:clrMapOvr>
+</p:sld>
+</file>
+
 <file path=ppt/slides/slide2.xml><?xml version="1.0" encoding="utf-8"?>
 <p:sld xmlns:a="http://schemas.openxmlformats.org/drawingml/2006/main" xmlns:r="http://schemas.openxmlformats.org/officeDocument/2006/relationships" xmlns:p="http://schemas.openxmlformats.org/presentationml/2006/main">
   <p:cSld>
@@ -3479,7 +5128,7 @@
             <a:pPr lvl="2"/>
             <a:r>
               <a:rPr lang="en-US" dirty="0"/>
-              <a:t>Google-doc/Wikipedia </a:t>
+              <a:t>Google-doc</a:t>
             </a:r>
           </a:p>
           <a:p>
@@ -3497,6 +5146,36 @@
           </a:p>
         </p:txBody>
       </p:sp>
+      <p:pic>
+        <p:nvPicPr>
+          <p:cNvPr id="5" name="Picture 4">
+            <a:extLst>
+              <a:ext uri="{FF2B5EF4-FFF2-40B4-BE49-F238E27FC236}">
+                <a16:creationId xmlns:a16="http://schemas.microsoft.com/office/drawing/2014/main" id="{8357237F-F765-0C40-96A2-51434AC46083}"/>
+              </a:ext>
+            </a:extLst>
+          </p:cNvPr>
+          <p:cNvPicPr>
+            <a:picLocks noChangeAspect="1"/>
+          </p:cNvPicPr>
+          <p:nvPr/>
+        </p:nvPicPr>
+        <p:blipFill>
+          <a:blip r:embed="rId2"/>
+          <a:stretch>
+            <a:fillRect/>
+          </a:stretch>
+        </p:blipFill>
+        <p:spPr>
+          <a:xfrm>
+            <a:off x="3875313" y="3429000"/>
+            <a:ext cx="5417658" cy="3246358"/>
+          </a:xfrm>
+          <a:prstGeom prst="rect">
+            <a:avLst/>
+          </a:prstGeom>
+        </p:spPr>
+      </p:pic>
     </p:spTree>
     <p:extLst>
       <p:ext uri="{BB962C8B-B14F-4D97-AF65-F5344CB8AC3E}">
@@ -3725,10 +5404,9 @@
           <a:p>
             <a:pPr lvl="2"/>
             <a:r>
-              <a:rPr lang="en-US" dirty="0" err="1"/>
-              <a:t>Linebreak</a:t>
-            </a:r>
-            <a:endParaRPr lang="en-US" dirty="0"/>
+              <a:rPr lang="en-US" dirty="0"/>
+              <a:t>Line break</a:t>
+            </a:r>
           </a:p>
           <a:p>
             <a:pPr lvl="2"/>
@@ -4120,11 +5798,11 @@
               <a:buNone/>
             </a:pPr>
             <a:r>
-              <a:rPr lang="en-US" sz="2800" dirty="0"/>
+              <a:rPr lang="en-US" sz="2400" dirty="0"/>
               <a:t>3.1 – Adding new files/modification to </a:t>
             </a:r>
             <a:r>
-              <a:rPr lang="en-US" sz="2800" b="1" dirty="0"/>
+              <a:rPr lang="en-US" sz="2400" b="1" dirty="0"/>
               <a:t>staging area</a:t>
             </a:r>
           </a:p>
@@ -4133,7 +5811,7 @@
               <a:buNone/>
             </a:pPr>
             <a:r>
-              <a:rPr lang="en-US" sz="2400" dirty="0">
+              <a:rPr lang="en-US" sz="2000" dirty="0">
                 <a:solidFill>
                   <a:srgbClr val="C00000"/>
                 </a:solidFill>
@@ -4142,7 +5820,7 @@
               <a:t>		&gt; touch </a:t>
             </a:r>
             <a:r>
-              <a:rPr lang="en-US" sz="2400" dirty="0" err="1">
+              <a:rPr lang="en-US" sz="2000" dirty="0" err="1">
                 <a:solidFill>
                   <a:srgbClr val="C00000"/>
                 </a:solidFill>
@@ -4150,7 +5828,7 @@
               </a:rPr>
               <a:t>foo.txt</a:t>
             </a:r>
-            <a:endParaRPr lang="en-US" sz="2400" dirty="0">
+            <a:endParaRPr lang="en-US" sz="2000" dirty="0">
               <a:solidFill>
                 <a:srgbClr val="C00000"/>
               </a:solidFill>
@@ -4162,7 +5840,7 @@
               <a:buNone/>
             </a:pPr>
             <a:r>
-              <a:rPr lang="en-US" sz="2400" dirty="0">
+              <a:rPr lang="en-US" sz="2000" dirty="0">
                 <a:solidFill>
                   <a:srgbClr val="C00000"/>
                 </a:solidFill>
@@ -4170,7 +5848,7 @@
               <a:t>		</a:t>
             </a:r>
             <a:r>
-              <a:rPr lang="en-US" sz="2400" dirty="0">
+              <a:rPr lang="en-US" sz="2000" dirty="0">
                 <a:solidFill>
                   <a:srgbClr val="C00000"/>
                 </a:solidFill>
@@ -4179,7 +5857,7 @@
               <a:t>&gt; git add </a:t>
             </a:r>
             <a:r>
-              <a:rPr lang="en-US" sz="2400" dirty="0" err="1">
+              <a:rPr lang="en-US" sz="2000" dirty="0" err="1">
                 <a:solidFill>
                   <a:srgbClr val="C00000"/>
                 </a:solidFill>
@@ -4187,7 +5865,7 @@
               </a:rPr>
               <a:t>foo.txt</a:t>
             </a:r>
-            <a:endParaRPr lang="en-US" sz="2400" dirty="0">
+            <a:endParaRPr lang="en-US" sz="2000" dirty="0">
               <a:solidFill>
                 <a:srgbClr val="C00000"/>
               </a:solidFill>
@@ -4199,11 +5877,11 @@
               <a:buNone/>
             </a:pPr>
             <a:r>
-              <a:rPr lang="en-US" sz="2800" dirty="0"/>
+              <a:rPr lang="en-US" sz="2400" dirty="0"/>
               <a:t>3.2 – Saving these changes to the </a:t>
             </a:r>
             <a:r>
-              <a:rPr lang="en-US" sz="2800" b="1" dirty="0"/>
+              <a:rPr lang="en-US" sz="2400" b="1" dirty="0"/>
               <a:t>repository</a:t>
             </a:r>
           </a:p>
@@ -4212,7 +5890,7 @@
               <a:buNone/>
             </a:pPr>
             <a:r>
-              <a:rPr lang="en-US" sz="2400" dirty="0">
+              <a:rPr lang="en-US" sz="2000" dirty="0">
                 <a:solidFill>
                   <a:srgbClr val="C00000"/>
                 </a:solidFill>
@@ -4220,7 +5898,7 @@
               <a:t>		</a:t>
             </a:r>
             <a:r>
-              <a:rPr lang="en-US" sz="2400" dirty="0">
+              <a:rPr lang="en-US" sz="2000" dirty="0">
                 <a:solidFill>
                   <a:srgbClr val="C00000"/>
                 </a:solidFill>
@@ -4229,7 +5907,7 @@
               <a:t>&gt; git commit –m “Add </a:t>
             </a:r>
             <a:r>
-              <a:rPr lang="en-US" sz="2400" dirty="0" err="1">
+              <a:rPr lang="en-US" sz="2000" dirty="0" err="1">
                 <a:solidFill>
                   <a:srgbClr val="C00000"/>
                 </a:solidFill>
@@ -4238,7 +5916,7 @@
               <a:t>foo.txt</a:t>
             </a:r>
             <a:r>
-              <a:rPr lang="en-US" sz="2400" dirty="0">
+              <a:rPr lang="en-US" sz="2000" dirty="0">
                 <a:solidFill>
                   <a:srgbClr val="C00000"/>
                 </a:solidFill>
@@ -4252,7 +5930,7 @@
               <a:buNone/>
             </a:pPr>
             <a:r>
-              <a:rPr lang="en-US" sz="2800" dirty="0"/>
+              <a:rPr lang="en-US" sz="2400" dirty="0"/>
               <a:t>BONUS – Checking what has changed before add/commit</a:t>
             </a:r>
           </a:p>
@@ -4261,7 +5939,7 @@
               <a:buNone/>
             </a:pPr>
             <a:r>
-              <a:rPr lang="en-US" sz="2400" dirty="0">
+              <a:rPr lang="en-US" sz="2000" dirty="0">
                 <a:solidFill>
                   <a:srgbClr val="C00000"/>
                 </a:solidFill>
@@ -4269,7 +5947,7 @@
               <a:t>		</a:t>
             </a:r>
             <a:r>
-              <a:rPr lang="en-US" sz="2400" dirty="0">
+              <a:rPr lang="en-US" sz="2000" dirty="0">
                 <a:solidFill>
                   <a:srgbClr val="C00000"/>
                 </a:solidFill>
@@ -4278,7 +5956,7 @@
               <a:t>&gt; echo hello &gt;&gt; </a:t>
             </a:r>
             <a:r>
-              <a:rPr lang="en-US" sz="2400" dirty="0" err="1">
+              <a:rPr lang="en-US" sz="2000" dirty="0" err="1">
                 <a:solidFill>
                   <a:srgbClr val="C00000"/>
                 </a:solidFill>
@@ -4287,7 +5965,7 @@
               <a:t>foo.txt</a:t>
             </a:r>
             <a:r>
-              <a:rPr lang="en-US" sz="2400" dirty="0">
+              <a:rPr lang="en-US" sz="2000" dirty="0">
                 <a:solidFill>
                   <a:srgbClr val="C00000"/>
                 </a:solidFill>
@@ -4301,7 +5979,7 @@
               <a:buNone/>
             </a:pPr>
             <a:r>
-              <a:rPr lang="en-US" sz="2400" dirty="0">
+              <a:rPr lang="en-US" sz="2000" dirty="0">
                 <a:solidFill>
                   <a:srgbClr val="C00000"/>
                 </a:solidFill>
@@ -4315,7 +5993,7 @@
               <a:buNone/>
             </a:pPr>
             <a:r>
-              <a:rPr lang="en-US" sz="2400" dirty="0">
+              <a:rPr lang="en-US" sz="2000" dirty="0">
                 <a:solidFill>
                   <a:srgbClr val="C00000"/>
                 </a:solidFill>
@@ -4329,7 +6007,7 @@
               <a:buNone/>
             </a:pPr>
             <a:r>
-              <a:rPr lang="en-US" sz="2400" dirty="0">
+              <a:rPr lang="en-US" sz="2000" dirty="0">
                 <a:solidFill>
                   <a:srgbClr val="C00000"/>
                 </a:solidFill>
@@ -4343,7 +6021,7 @@
               <a:buNone/>
             </a:pPr>
             <a:r>
-              <a:rPr lang="en-US" sz="2400" dirty="0">
+              <a:rPr lang="en-US" sz="2000" dirty="0">
                 <a:solidFill>
                   <a:srgbClr val="C00000"/>
                 </a:solidFill>
@@ -4425,6 +6103,141 @@
           <p:cNvPr id="2" name="Title 1">
             <a:extLst>
               <a:ext uri="{FF2B5EF4-FFF2-40B4-BE49-F238E27FC236}">
+                <a16:creationId xmlns:a16="http://schemas.microsoft.com/office/drawing/2014/main" id="{C040304C-ED83-A446-AEFE-EE26FBAB2070}"/>
+              </a:ext>
+            </a:extLst>
+          </p:cNvPr>
+          <p:cNvSpPr>
+            <a:spLocks noGrp="1"/>
+          </p:cNvSpPr>
+          <p:nvPr>
+            <p:ph type="title"/>
+          </p:nvPr>
+        </p:nvSpPr>
+        <p:spPr/>
+        <p:txBody>
+          <a:bodyPr/>
+          <a:lstStyle/>
+          <a:p>
+            <a:r>
+              <a:rPr lang="en-US" dirty="0"/>
+              <a:t>File versions let us go back in time!</a:t>
+            </a:r>
+          </a:p>
+        </p:txBody>
+      </p:sp>
+      <p:sp>
+        <p:nvSpPr>
+          <p:cNvPr id="3" name="Content Placeholder 2">
+            <a:extLst>
+              <a:ext uri="{FF2B5EF4-FFF2-40B4-BE49-F238E27FC236}">
+                <a16:creationId xmlns:a16="http://schemas.microsoft.com/office/drawing/2014/main" id="{339B1709-9248-D547-9DED-4082F5B6530B}"/>
+              </a:ext>
+            </a:extLst>
+          </p:cNvPr>
+          <p:cNvSpPr>
+            <a:spLocks noGrp="1"/>
+          </p:cNvSpPr>
+          <p:nvPr>
+            <p:ph idx="1"/>
+          </p:nvPr>
+        </p:nvSpPr>
+        <p:spPr>
+          <a:xfrm>
+            <a:off x="182795" y="1226612"/>
+            <a:ext cx="11814383" cy="5631387"/>
+          </a:xfrm>
+        </p:spPr>
+        <p:txBody>
+          <a:bodyPr/>
+          <a:lstStyle/>
+          <a:p>
+            <a:pPr marL="0" indent="0">
+              <a:buNone/>
+            </a:pPr>
+            <a:r>
+              <a:rPr lang="en-US" dirty="0"/>
+              <a:t>What is wrong with just using `my_script_version100.sh`?</a:t>
+            </a:r>
+          </a:p>
+          <a:p>
+            <a:endParaRPr lang="en-US" dirty="0"/>
+          </a:p>
+          <a:p>
+            <a:r>
+              <a:rPr lang="en-US" dirty="0"/>
+              <a:t>Codes that worked last week don’t work anymore!?</a:t>
+            </a:r>
+          </a:p>
+          <a:p>
+            <a:pPr marL="0" indent="0">
+              <a:buNone/>
+            </a:pPr>
+            <a:endParaRPr lang="en-US" dirty="0"/>
+          </a:p>
+          <a:p>
+            <a:r>
+              <a:rPr lang="en-US" dirty="0"/>
+              <a:t>Codes crashed after someone else changed it!?</a:t>
+            </a:r>
+          </a:p>
+          <a:p>
+            <a:pPr lvl="2"/>
+            <a:r>
+              <a:rPr lang="en-US" dirty="0"/>
+              <a:t>(don’t murder them)</a:t>
+            </a:r>
+          </a:p>
+          <a:p>
+            <a:pPr lvl="2"/>
+            <a:endParaRPr lang="en-US" dirty="0"/>
+          </a:p>
+          <a:p>
+            <a:r>
+              <a:rPr lang="en-US" dirty="0"/>
+              <a:t>New lab member joins the lab, inherit a project started 4 years ago by an ex-lab-member……</a:t>
+            </a:r>
+          </a:p>
+          <a:p>
+            <a:endParaRPr lang="en-US" dirty="0"/>
+          </a:p>
+        </p:txBody>
+      </p:sp>
+    </p:spTree>
+    <p:extLst>
+      <p:ext uri="{BB962C8B-B14F-4D97-AF65-F5344CB8AC3E}">
+        <p14:creationId xmlns:p14="http://schemas.microsoft.com/office/powerpoint/2010/main" val="367895380"/>
+      </p:ext>
+    </p:extLst>
+  </p:cSld>
+  <p:clrMapOvr>
+    <a:masterClrMapping/>
+  </p:clrMapOvr>
+</p:sld>
+</file>
+
+<file path=ppt/slides/slide9.xml><?xml version="1.0" encoding="utf-8"?>
+<p:sld xmlns:a="http://schemas.openxmlformats.org/drawingml/2006/main" xmlns:r="http://schemas.openxmlformats.org/officeDocument/2006/relationships" xmlns:p="http://schemas.openxmlformats.org/presentationml/2006/main">
+  <p:cSld>
+    <p:spTree>
+      <p:nvGrpSpPr>
+        <p:cNvPr id="1" name=""/>
+        <p:cNvGrpSpPr/>
+        <p:nvPr/>
+      </p:nvGrpSpPr>
+      <p:grpSpPr>
+        <a:xfrm>
+          <a:off x="0" y="0"/>
+          <a:ext cx="0" cy="0"/>
+          <a:chOff x="0" y="0"/>
+          <a:chExt cx="0" cy="0"/>
+        </a:xfrm>
+      </p:grpSpPr>
+      <p:sp>
+        <p:nvSpPr>
+          <p:cNvPr id="2" name="Title 1">
+            <a:extLst>
+              <a:ext uri="{FF2B5EF4-FFF2-40B4-BE49-F238E27FC236}">
                 <a16:creationId xmlns:a16="http://schemas.microsoft.com/office/drawing/2014/main" id="{986499DB-8CBB-8141-BACC-28947438B354}"/>
               </a:ext>
             </a:extLst>
@@ -4632,18 +6445,25 @@
           <a:p>
             <a:pPr algn="ctr"/>
             <a:r>
+              <a:rPr lang="en-US" dirty="0" err="1"/>
+              <a:t>Identifer</a:t>
+            </a:r>
+            <a:r>
               <a:rPr lang="en-US" dirty="0"/>
-              <a:t>This is different for every commit/repo, use </a:t>
+              <a:t> is different for every commit/repo, use </a:t>
             </a:r>
             <a:r>
               <a:rPr lang="en-US" dirty="0">
+                <a:solidFill>
+                  <a:srgbClr val="C00000"/>
+                </a:solidFill>
                 <a:latin typeface="Monaco" pitchFamily="2" charset="77"/>
               </a:rPr>
               <a:t>git log </a:t>
             </a:r>
             <a:r>
               <a:rPr lang="en-US" dirty="0"/>
-              <a:t>to check</a:t>
+              <a:t>to check.</a:t>
             </a:r>
           </a:p>
         </p:txBody>
@@ -4694,284 +6514,6 @@
     <p:extLst>
       <p:ext uri="{BB962C8B-B14F-4D97-AF65-F5344CB8AC3E}">
         <p14:creationId xmlns:p14="http://schemas.microsoft.com/office/powerpoint/2010/main" val="2069254717"/>
-      </p:ext>
-    </p:extLst>
-  </p:cSld>
-  <p:clrMapOvr>
-    <a:masterClrMapping/>
-  </p:clrMapOvr>
-</p:sld>
-</file>
-
-<file path=ppt/slides/slide9.xml><?xml version="1.0" encoding="utf-8"?>
-<p:sld xmlns:a="http://schemas.openxmlformats.org/drawingml/2006/main" xmlns:r="http://schemas.openxmlformats.org/officeDocument/2006/relationships" xmlns:p="http://schemas.openxmlformats.org/presentationml/2006/main">
-  <p:cSld>
-    <p:spTree>
-      <p:nvGrpSpPr>
-        <p:cNvPr id="1" name=""/>
-        <p:cNvGrpSpPr/>
-        <p:nvPr/>
-      </p:nvGrpSpPr>
-      <p:grpSpPr>
-        <a:xfrm>
-          <a:off x="0" y="0"/>
-          <a:ext cx="0" cy="0"/>
-          <a:chOff x="0" y="0"/>
-          <a:chExt cx="0" cy="0"/>
-        </a:xfrm>
-      </p:grpSpPr>
-      <p:sp>
-        <p:nvSpPr>
-          <p:cNvPr id="2" name="Title 1">
-            <a:extLst>
-              <a:ext uri="{FF2B5EF4-FFF2-40B4-BE49-F238E27FC236}">
-                <a16:creationId xmlns:a16="http://schemas.microsoft.com/office/drawing/2014/main" id="{DCCEBE2C-C98C-994D-897F-7CDD771F3370}"/>
-              </a:ext>
-            </a:extLst>
-          </p:cNvPr>
-          <p:cNvSpPr>
-            <a:spLocks noGrp="1"/>
-          </p:cNvSpPr>
-          <p:nvPr>
-            <p:ph type="title"/>
-          </p:nvPr>
-        </p:nvSpPr>
-        <p:spPr/>
-        <p:txBody>
-          <a:bodyPr>
-            <a:normAutofit fontScale="90000"/>
-          </a:bodyPr>
-          <a:lstStyle/>
-          <a:p>
-            <a:r>
-              <a:rPr lang="en-US" dirty="0"/>
-              <a:t>5. Reverting to a previous commit</a:t>
-            </a:r>
-            <a:br>
-              <a:rPr lang="en-US" dirty="0"/>
-            </a:br>
-            <a:r>
-              <a:rPr lang="en-US" dirty="0"/>
-              <a:t>&gt; git checkout</a:t>
-            </a:r>
-          </a:p>
-        </p:txBody>
-      </p:sp>
-      <p:sp>
-        <p:nvSpPr>
-          <p:cNvPr id="3" name="Content Placeholder 2">
-            <a:extLst>
-              <a:ext uri="{FF2B5EF4-FFF2-40B4-BE49-F238E27FC236}">
-                <a16:creationId xmlns:a16="http://schemas.microsoft.com/office/drawing/2014/main" id="{47496551-1D9F-CD4A-921F-E9A1A29DE20A}"/>
-              </a:ext>
-            </a:extLst>
-          </p:cNvPr>
-          <p:cNvSpPr>
-            <a:spLocks noGrp="1"/>
-          </p:cNvSpPr>
-          <p:nvPr>
-            <p:ph idx="1"/>
-          </p:nvPr>
-        </p:nvSpPr>
-        <p:spPr>
-          <a:xfrm>
-            <a:off x="182795" y="1248384"/>
-            <a:ext cx="11814383" cy="5518175"/>
-          </a:xfrm>
-        </p:spPr>
-        <p:txBody>
-          <a:bodyPr>
-            <a:normAutofit fontScale="92500" lnSpcReduction="10000"/>
-          </a:bodyPr>
-          <a:lstStyle/>
-          <a:p>
-            <a:pPr marL="0" indent="0">
-              <a:buNone/>
-            </a:pPr>
-            <a:r>
-              <a:rPr lang="en-US" dirty="0"/>
-              <a:t>5.1 – Going back to a specific version of a file </a:t>
-            </a:r>
-          </a:p>
-          <a:p>
-            <a:pPr marL="0" indent="0">
-              <a:buNone/>
-            </a:pPr>
-            <a:r>
-              <a:rPr lang="en-US" sz="2800" dirty="0">
-                <a:solidFill>
-                  <a:srgbClr val="C00000"/>
-                </a:solidFill>
-                <a:latin typeface="Monaco" pitchFamily="2" charset="77"/>
-              </a:rPr>
-              <a:t>		&gt; git checkout HEAD~1 </a:t>
-            </a:r>
-            <a:r>
-              <a:rPr lang="en-US" sz="2800" dirty="0" err="1">
-                <a:solidFill>
-                  <a:srgbClr val="C00000"/>
-                </a:solidFill>
-                <a:latin typeface="Monaco" pitchFamily="2" charset="77"/>
-              </a:rPr>
-              <a:t>foo.txt</a:t>
-            </a:r>
-            <a:endParaRPr lang="en-US" sz="2800" dirty="0">
-              <a:solidFill>
-                <a:srgbClr val="C00000"/>
-              </a:solidFill>
-              <a:latin typeface="Monaco" pitchFamily="2" charset="77"/>
-            </a:endParaRPr>
-          </a:p>
-          <a:p>
-            <a:pPr marL="0" indent="0">
-              <a:buNone/>
-            </a:pPr>
-            <a:r>
-              <a:rPr lang="en-US" sz="2800" dirty="0">
-                <a:solidFill>
-                  <a:srgbClr val="C00000"/>
-                </a:solidFill>
-                <a:latin typeface="Monaco" pitchFamily="2" charset="77"/>
-              </a:rPr>
-              <a:t>		&gt; cat </a:t>
-            </a:r>
-            <a:r>
-              <a:rPr lang="en-US" sz="2800" dirty="0" err="1">
-                <a:solidFill>
-                  <a:srgbClr val="C00000"/>
-                </a:solidFill>
-                <a:latin typeface="Monaco" pitchFamily="2" charset="77"/>
-              </a:rPr>
-              <a:t>foo.txt</a:t>
-            </a:r>
-            <a:endParaRPr lang="en-US" sz="2800" dirty="0">
-              <a:solidFill>
-                <a:srgbClr val="C00000"/>
-              </a:solidFill>
-              <a:latin typeface="Monaco" pitchFamily="2" charset="77"/>
-            </a:endParaRPr>
-          </a:p>
-          <a:p>
-            <a:pPr marL="0" indent="0">
-              <a:buNone/>
-            </a:pPr>
-            <a:r>
-              <a:rPr lang="en-US" sz="2800" dirty="0">
-                <a:solidFill>
-                  <a:srgbClr val="C00000"/>
-                </a:solidFill>
-                <a:latin typeface="Monaco" pitchFamily="2" charset="77"/>
-              </a:rPr>
-              <a:t>		&gt; git checkout HEAD </a:t>
-            </a:r>
-            <a:r>
-              <a:rPr lang="en-US" sz="2800" dirty="0" err="1">
-                <a:solidFill>
-                  <a:srgbClr val="C00000"/>
-                </a:solidFill>
-                <a:latin typeface="Monaco" pitchFamily="2" charset="77"/>
-              </a:rPr>
-              <a:t>foo.txt</a:t>
-            </a:r>
-            <a:r>
-              <a:rPr lang="en-US" sz="2800" dirty="0">
-                <a:solidFill>
-                  <a:srgbClr val="C00000"/>
-                </a:solidFill>
-                <a:latin typeface="Monaco" pitchFamily="2" charset="77"/>
-              </a:rPr>
-              <a:t> </a:t>
-            </a:r>
-          </a:p>
-          <a:p>
-            <a:pPr marL="0" indent="0">
-              <a:buNone/>
-            </a:pPr>
-            <a:endParaRPr lang="en-US" dirty="0"/>
-          </a:p>
-          <a:p>
-            <a:pPr marL="0" indent="0">
-              <a:buNone/>
-            </a:pPr>
-            <a:r>
-              <a:rPr lang="en-US" dirty="0"/>
-              <a:t>5.2 Going back to an entire commit - Detached HEAD </a:t>
-            </a:r>
-            <a:r>
-              <a:rPr lang="en-US" b="1" dirty="0">
-                <a:highlight>
-                  <a:srgbClr val="FFFF00"/>
-                </a:highlight>
-              </a:rPr>
-              <a:t>(CAUTION)</a:t>
-            </a:r>
-          </a:p>
-          <a:p>
-            <a:pPr marL="0" indent="0">
-              <a:buNone/>
-            </a:pPr>
-            <a:r>
-              <a:rPr lang="en-US" sz="2800" dirty="0">
-                <a:solidFill>
-                  <a:srgbClr val="C00000"/>
-                </a:solidFill>
-                <a:latin typeface="Monaco" pitchFamily="2" charset="77"/>
-              </a:rPr>
-              <a:t>		&gt; git checkout HEAD~1</a:t>
-            </a:r>
-          </a:p>
-          <a:p>
-            <a:pPr marL="0" indent="0">
-              <a:buNone/>
-            </a:pPr>
-            <a:endParaRPr lang="en-US" sz="2800" dirty="0">
-              <a:solidFill>
-                <a:srgbClr val="C00000"/>
-              </a:solidFill>
-              <a:latin typeface="Monaco" pitchFamily="2" charset="77"/>
-            </a:endParaRPr>
-          </a:p>
-          <a:p>
-            <a:pPr marL="0" indent="0">
-              <a:buNone/>
-            </a:pPr>
-            <a:r>
-              <a:rPr lang="en-US" sz="3500" dirty="0">
-                <a:latin typeface="Helvetica" pitchFamily="2" charset="0"/>
-              </a:rPr>
-              <a:t>IF you checkout a previous commit without first committing your current state, then anything not committed would be lost!!!</a:t>
-            </a:r>
-          </a:p>
-          <a:p>
-            <a:pPr marL="0" indent="0">
-              <a:buNone/>
-            </a:pPr>
-            <a:r>
-              <a:rPr lang="en-US" sz="2800" dirty="0">
-                <a:solidFill>
-                  <a:srgbClr val="C00000"/>
-                </a:solidFill>
-                <a:latin typeface="Monaco" pitchFamily="2" charset="77"/>
-              </a:rPr>
-              <a:t>		&gt; git checkout HEAD</a:t>
-            </a:r>
-          </a:p>
-          <a:p>
-            <a:pPr marL="0" indent="0">
-              <a:buNone/>
-            </a:pPr>
-            <a:endParaRPr lang="en-US" b="1" dirty="0">
-              <a:highlight>
-                <a:srgbClr val="FFFF00"/>
-              </a:highlight>
-            </a:endParaRPr>
-          </a:p>
-        </p:txBody>
-      </p:sp>
-    </p:spTree>
-    <p:extLst>
-      <p:ext uri="{BB962C8B-B14F-4D97-AF65-F5344CB8AC3E}">
-        <p14:creationId xmlns:p14="http://schemas.microsoft.com/office/powerpoint/2010/main" val="2408537366"/>
       </p:ext>
     </p:extLst>
   </p:cSld>
@@ -5299,4 +6841,299 @@
   </a:objectDefaults>
   <a:extraClrSchemeLst/>
 </a:theme>
+</file>
+
+<file path=ppt/theme/theme2.xml><?xml version="1.0" encoding="utf-8"?>
+<a:theme xmlns:a="http://schemas.openxmlformats.org/drawingml/2006/main" name="Office Theme">
+  <a:themeElements>
+    <a:clrScheme name="Office">
+      <a:dk1>
+        <a:sysClr val="windowText" lastClr="000000"/>
+      </a:dk1>
+      <a:lt1>
+        <a:sysClr val="window" lastClr="FFFFFF"/>
+      </a:lt1>
+      <a:dk2>
+        <a:srgbClr val="44546A"/>
+      </a:dk2>
+      <a:lt2>
+        <a:srgbClr val="E7E6E6"/>
+      </a:lt2>
+      <a:accent1>
+        <a:srgbClr val="4472C4"/>
+      </a:accent1>
+      <a:accent2>
+        <a:srgbClr val="ED7D31"/>
+      </a:accent2>
+      <a:accent3>
+        <a:srgbClr val="A5A5A5"/>
+      </a:accent3>
+      <a:accent4>
+        <a:srgbClr val="FFC000"/>
+      </a:accent4>
+      <a:accent5>
+        <a:srgbClr val="5B9BD5"/>
+      </a:accent5>
+      <a:accent6>
+        <a:srgbClr val="70AD47"/>
+      </a:accent6>
+      <a:hlink>
+        <a:srgbClr val="0563C1"/>
+      </a:hlink>
+      <a:folHlink>
+        <a:srgbClr val="954F72"/>
+      </a:folHlink>
+    </a:clrScheme>
+    <a:fontScheme name="Office">
+      <a:majorFont>
+        <a:latin typeface="Calibri Light" panose="020F0302020204030204"/>
+        <a:ea typeface=""/>
+        <a:cs typeface=""/>
+        <a:font script="Jpan" typeface="游ゴシック Light"/>
+        <a:font script="Hang" typeface="맑은 고딕"/>
+        <a:font script="Hans" typeface="等线 Light"/>
+        <a:font script="Hant" typeface="新細明體"/>
+        <a:font script="Arab" typeface="Times New Roman"/>
+        <a:font script="Hebr" typeface="Times New Roman"/>
+        <a:font script="Thai" typeface="Angsana New"/>
+        <a:font script="Ethi" typeface="Nyala"/>
+        <a:font script="Beng" typeface="Vrinda"/>
+        <a:font script="Gujr" typeface="Shruti"/>
+        <a:font script="Khmr" typeface="MoolBoran"/>
+        <a:font script="Knda" typeface="Tunga"/>
+        <a:font script="Guru" typeface="Raavi"/>
+        <a:font script="Cans" typeface="Euphemia"/>
+        <a:font script="Cher" typeface="Plantagenet Cherokee"/>
+        <a:font script="Yiii" typeface="Microsoft Yi Baiti"/>
+        <a:font script="Tibt" typeface="Microsoft Himalaya"/>
+        <a:font script="Thaa" typeface="MV Boli"/>
+        <a:font script="Deva" typeface="Mangal"/>
+        <a:font script="Telu" typeface="Gautami"/>
+        <a:font script="Taml" typeface="Latha"/>
+        <a:font script="Syrc" typeface="Estrangelo Edessa"/>
+        <a:font script="Orya" typeface="Kalinga"/>
+        <a:font script="Mlym" typeface="Kartika"/>
+        <a:font script="Laoo" typeface="DokChampa"/>
+        <a:font script="Sinh" typeface="Iskoola Pota"/>
+        <a:font script="Mong" typeface="Mongolian Baiti"/>
+        <a:font script="Viet" typeface="Times New Roman"/>
+        <a:font script="Uigh" typeface="Microsoft Uighur"/>
+        <a:font script="Geor" typeface="Sylfaen"/>
+        <a:font script="Armn" typeface="Arial"/>
+        <a:font script="Bugi" typeface="Leelawadee UI"/>
+        <a:font script="Bopo" typeface="Microsoft JhengHei"/>
+        <a:font script="Java" typeface="Javanese Text"/>
+        <a:font script="Lisu" typeface="Segoe UI"/>
+        <a:font script="Mymr" typeface="Myanmar Text"/>
+        <a:font script="Nkoo" typeface="Ebrima"/>
+        <a:font script="Olck" typeface="Nirmala UI"/>
+        <a:font script="Osma" typeface="Ebrima"/>
+        <a:font script="Phag" typeface="Phagspa"/>
+        <a:font script="Syrn" typeface="Estrangelo Edessa"/>
+        <a:font script="Syrj" typeface="Estrangelo Edessa"/>
+        <a:font script="Syre" typeface="Estrangelo Edessa"/>
+        <a:font script="Sora" typeface="Nirmala UI"/>
+        <a:font script="Tale" typeface="Microsoft Tai Le"/>
+        <a:font script="Talu" typeface="Microsoft New Tai Lue"/>
+        <a:font script="Tfng" typeface="Ebrima"/>
+      </a:majorFont>
+      <a:minorFont>
+        <a:latin typeface="Calibri" panose="020F0502020204030204"/>
+        <a:ea typeface=""/>
+        <a:cs typeface=""/>
+        <a:font script="Jpan" typeface="游ゴシック"/>
+        <a:font script="Hang" typeface="맑은 고딕"/>
+        <a:font script="Hans" typeface="等线"/>
+        <a:font script="Hant" typeface="新細明體"/>
+        <a:font script="Arab" typeface="Arial"/>
+        <a:font script="Hebr" typeface="Arial"/>
+        <a:font script="Thai" typeface="Cordia New"/>
+        <a:font script="Ethi" typeface="Nyala"/>
+        <a:font script="Beng" typeface="Vrinda"/>
+        <a:font script="Gujr" typeface="Shruti"/>
+        <a:font script="Khmr" typeface="DaunPenh"/>
+        <a:font script="Knda" typeface="Tunga"/>
+        <a:font script="Guru" typeface="Raavi"/>
+        <a:font script="Cans" typeface="Euphemia"/>
+        <a:font script="Cher" typeface="Plantagenet Cherokee"/>
+        <a:font script="Yiii" typeface="Microsoft Yi Baiti"/>
+        <a:font script="Tibt" typeface="Microsoft Himalaya"/>
+        <a:font script="Thaa" typeface="MV Boli"/>
+        <a:font script="Deva" typeface="Mangal"/>
+        <a:font script="Telu" typeface="Gautami"/>
+        <a:font script="Taml" typeface="Latha"/>
+        <a:font script="Syrc" typeface="Estrangelo Edessa"/>
+        <a:font script="Orya" typeface="Kalinga"/>
+        <a:font script="Mlym" typeface="Kartika"/>
+        <a:font script="Laoo" typeface="DokChampa"/>
+        <a:font script="Sinh" typeface="Iskoola Pota"/>
+        <a:font script="Mong" typeface="Mongolian Baiti"/>
+        <a:font script="Viet" typeface="Arial"/>
+        <a:font script="Uigh" typeface="Microsoft Uighur"/>
+        <a:font script="Geor" typeface="Sylfaen"/>
+        <a:font script="Armn" typeface="Arial"/>
+        <a:font script="Bugi" typeface="Leelawadee UI"/>
+        <a:font script="Bopo" typeface="Microsoft JhengHei"/>
+        <a:font script="Java" typeface="Javanese Text"/>
+        <a:font script="Lisu" typeface="Segoe UI"/>
+        <a:font script="Mymr" typeface="Myanmar Text"/>
+        <a:font script="Nkoo" typeface="Ebrima"/>
+        <a:font script="Olck" typeface="Nirmala UI"/>
+        <a:font script="Osma" typeface="Ebrima"/>
+        <a:font script="Phag" typeface="Phagspa"/>
+        <a:font script="Syrn" typeface="Estrangelo Edessa"/>
+        <a:font script="Syrj" typeface="Estrangelo Edessa"/>
+        <a:font script="Syre" typeface="Estrangelo Edessa"/>
+        <a:font script="Sora" typeface="Nirmala UI"/>
+        <a:font script="Tale" typeface="Microsoft Tai Le"/>
+        <a:font script="Talu" typeface="Microsoft New Tai Lue"/>
+        <a:font script="Tfng" typeface="Ebrima"/>
+      </a:minorFont>
+    </a:fontScheme>
+    <a:fmtScheme name="Office">
+      <a:fillStyleLst>
+        <a:solidFill>
+          <a:schemeClr val="phClr"/>
+        </a:solidFill>
+        <a:gradFill rotWithShape="1">
+          <a:gsLst>
+            <a:gs pos="0">
+              <a:schemeClr val="phClr">
+                <a:lumMod val="110000"/>
+                <a:satMod val="105000"/>
+                <a:tint val="67000"/>
+              </a:schemeClr>
+            </a:gs>
+            <a:gs pos="50000">
+              <a:schemeClr val="phClr">
+                <a:lumMod val="105000"/>
+                <a:satMod val="103000"/>
+                <a:tint val="73000"/>
+              </a:schemeClr>
+            </a:gs>
+            <a:gs pos="100000">
+              <a:schemeClr val="phClr">
+                <a:lumMod val="105000"/>
+                <a:satMod val="109000"/>
+                <a:tint val="81000"/>
+              </a:schemeClr>
+            </a:gs>
+          </a:gsLst>
+          <a:lin ang="5400000" scaled="0"/>
+        </a:gradFill>
+        <a:gradFill rotWithShape="1">
+          <a:gsLst>
+            <a:gs pos="0">
+              <a:schemeClr val="phClr">
+                <a:satMod val="103000"/>
+                <a:lumMod val="102000"/>
+                <a:tint val="94000"/>
+              </a:schemeClr>
+            </a:gs>
+            <a:gs pos="50000">
+              <a:schemeClr val="phClr">
+                <a:satMod val="110000"/>
+                <a:lumMod val="100000"/>
+                <a:shade val="100000"/>
+              </a:schemeClr>
+            </a:gs>
+            <a:gs pos="100000">
+              <a:schemeClr val="phClr">
+                <a:lumMod val="99000"/>
+                <a:satMod val="120000"/>
+                <a:shade val="78000"/>
+              </a:schemeClr>
+            </a:gs>
+          </a:gsLst>
+          <a:lin ang="5400000" scaled="0"/>
+        </a:gradFill>
+      </a:fillStyleLst>
+      <a:lnStyleLst>
+        <a:ln w="6350" cap="flat" cmpd="sng" algn="ctr">
+          <a:solidFill>
+            <a:schemeClr val="phClr"/>
+          </a:solidFill>
+          <a:prstDash val="solid"/>
+          <a:miter lim="800000"/>
+        </a:ln>
+        <a:ln w="12700" cap="flat" cmpd="sng" algn="ctr">
+          <a:solidFill>
+            <a:schemeClr val="phClr"/>
+          </a:solidFill>
+          <a:prstDash val="solid"/>
+          <a:miter lim="800000"/>
+        </a:ln>
+        <a:ln w="19050" cap="flat" cmpd="sng" algn="ctr">
+          <a:solidFill>
+            <a:schemeClr val="phClr"/>
+          </a:solidFill>
+          <a:prstDash val="solid"/>
+          <a:miter lim="800000"/>
+        </a:ln>
+      </a:lnStyleLst>
+      <a:effectStyleLst>
+        <a:effectStyle>
+          <a:effectLst/>
+        </a:effectStyle>
+        <a:effectStyle>
+          <a:effectLst/>
+        </a:effectStyle>
+        <a:effectStyle>
+          <a:effectLst>
+            <a:outerShdw blurRad="57150" dist="19050" dir="5400000" algn="ctr" rotWithShape="0">
+              <a:srgbClr val="000000">
+                <a:alpha val="63000"/>
+              </a:srgbClr>
+            </a:outerShdw>
+          </a:effectLst>
+        </a:effectStyle>
+      </a:effectStyleLst>
+      <a:bgFillStyleLst>
+        <a:solidFill>
+          <a:schemeClr val="phClr"/>
+        </a:solidFill>
+        <a:solidFill>
+          <a:schemeClr val="phClr">
+            <a:tint val="95000"/>
+            <a:satMod val="170000"/>
+          </a:schemeClr>
+        </a:solidFill>
+        <a:gradFill rotWithShape="1">
+          <a:gsLst>
+            <a:gs pos="0">
+              <a:schemeClr val="phClr">
+                <a:tint val="93000"/>
+                <a:satMod val="150000"/>
+                <a:shade val="98000"/>
+                <a:lumMod val="102000"/>
+              </a:schemeClr>
+            </a:gs>
+            <a:gs pos="50000">
+              <a:schemeClr val="phClr">
+                <a:tint val="98000"/>
+                <a:satMod val="130000"/>
+                <a:shade val="90000"/>
+                <a:lumMod val="103000"/>
+              </a:schemeClr>
+            </a:gs>
+            <a:gs pos="100000">
+              <a:schemeClr val="phClr">
+                <a:shade val="63000"/>
+                <a:satMod val="120000"/>
+              </a:schemeClr>
+            </a:gs>
+          </a:gsLst>
+          <a:lin ang="5400000" scaled="0"/>
+        </a:gradFill>
+      </a:bgFillStyleLst>
+    </a:fmtScheme>
+  </a:themeElements>
+  <a:objectDefaults/>
+  <a:extraClrSchemeLst/>
+  <a:extLst>
+    <a:ext uri="{05A4C25C-085E-4340-85A3-A5531E510DB2}">
+      <thm15:themeFamily xmlns:thm15="http://schemas.microsoft.com/office/thememl/2012/main" name="Office Theme" id="{62F939B6-93AF-4DB8-9C6B-D6C7DFDC589F}" vid="{4A3C46E8-61CC-4603-A589-7422A47A8E4A}"/>
+    </a:ext>
+  </a:extLst>
+</a:theme>
 </file>